--- a/docs/lesson_telegram_bot.pptx
+++ b/docs/lesson_telegram_bot.pptx
@@ -5,7 +5,7 @@
     <p:sldMasterId id="2147483648" r:id="rId1"/>
   </p:sldMasterIdLst>
   <p:notesMasterIdLst>
-    <p:notesMasterId r:id="rId28"/>
+    <p:notesMasterId r:id="rId24"/>
   </p:notesMasterIdLst>
   <p:sldIdLst>
     <p:sldId id="256" r:id="rId2"/>
@@ -19,21 +19,17 @@
     <p:sldId id="320" r:id="rId10"/>
     <p:sldId id="322" r:id="rId11"/>
     <p:sldId id="323" r:id="rId12"/>
-    <p:sldId id="297" r:id="rId13"/>
-    <p:sldId id="298" r:id="rId14"/>
-    <p:sldId id="299" r:id="rId15"/>
-    <p:sldId id="300" r:id="rId16"/>
-    <p:sldId id="301" r:id="rId17"/>
-    <p:sldId id="303" r:id="rId18"/>
-    <p:sldId id="311" r:id="rId19"/>
-    <p:sldId id="304" r:id="rId20"/>
-    <p:sldId id="314" r:id="rId21"/>
-    <p:sldId id="312" r:id="rId22"/>
-    <p:sldId id="313" r:id="rId23"/>
-    <p:sldId id="315" r:id="rId24"/>
-    <p:sldId id="316" r:id="rId25"/>
-    <p:sldId id="317" r:id="rId26"/>
-    <p:sldId id="305" r:id="rId27"/>
+    <p:sldId id="312" r:id="rId13"/>
+    <p:sldId id="324" r:id="rId14"/>
+    <p:sldId id="325" r:id="rId15"/>
+    <p:sldId id="326" r:id="rId16"/>
+    <p:sldId id="327" r:id="rId17"/>
+    <p:sldId id="328" r:id="rId18"/>
+    <p:sldId id="313" r:id="rId19"/>
+    <p:sldId id="315" r:id="rId20"/>
+    <p:sldId id="316" r:id="rId21"/>
+    <p:sldId id="317" r:id="rId22"/>
+    <p:sldId id="305" r:id="rId23"/>
   </p:sldIdLst>
   <p:sldSz cx="12192000" cy="6858000"/>
   <p:notesSz cx="6858000" cy="9144000"/>
@@ -134,7 +130,7 @@
   </p:defaultTextStyle>
   <p:extLst>
     <p:ext uri="{EFAFB233-063F-42B5-8137-9DF3F51BA10A}">
-      <p15:sldGuideLst xmlns:p15="http://schemas.microsoft.com/office/powerpoint/2012/main">
+      <p15:sldGuideLst xmlns="" xmlns:p15="http://schemas.microsoft.com/office/powerpoint/2012/main">
         <p15:guide id="1" orient="horz" pos="2160" userDrawn="1">
           <p15:clr>
             <a:srgbClr val="A4A3A4"/>
@@ -233,7 +229,7 @@
           <a:p>
             <a:fld id="{02324BB6-ADF9-477E-BA61-F60537F49E1A}" type="datetimeFigureOut">
               <a:rPr lang="ru-RU" smtClean="0"/>
-              <a:t>18.11.2019</a:t>
+              <a:t>19.11.2019</a:t>
             </a:fld>
             <a:endParaRPr lang="ru-RU"/>
           </a:p>
@@ -589,83 +585,6 @@
 </p:notes>
 </file>
 
-<file path=ppt/notesSlides/notesSlide2.xml><?xml version="1.0" encoding="utf-8"?>
-<p:notes xmlns:a="http://schemas.openxmlformats.org/drawingml/2006/main" xmlns:r="http://schemas.openxmlformats.org/officeDocument/2006/relationships" xmlns:p="http://schemas.openxmlformats.org/presentationml/2006/main">
-  <p:cSld>
-    <p:spTree>
-      <p:nvGrpSpPr>
-        <p:cNvPr id="1" name=""/>
-        <p:cNvGrpSpPr/>
-        <p:nvPr/>
-      </p:nvGrpSpPr>
-      <p:grpSpPr>
-        <a:xfrm>
-          <a:off x="0" y="0"/>
-          <a:ext cx="0" cy="0"/>
-          <a:chOff x="0" y="0"/>
-          <a:chExt cx="0" cy="0"/>
-        </a:xfrm>
-      </p:grpSpPr>
-      <p:sp>
-        <p:nvSpPr>
-          <p:cNvPr id="2" name="Образ слайда 1"/>
-          <p:cNvSpPr>
-            <a:spLocks noGrp="1" noRot="1" noChangeAspect="1" noResize="1"/>
-          </p:cNvSpPr>
-          <p:nvPr>
-            <p:ph type="sldImg"/>
-          </p:nvPr>
-        </p:nvSpPr>
-        <p:spPr>
-          <a:xfrm>
-            <a:off x="217488" y="812800"/>
-            <a:ext cx="7123112" cy="4008438"/>
-          </a:xfrm>
-          <a:solidFill>
-            <a:srgbClr val="729FCF"/>
-          </a:solidFill>
-          <a:ln w="25400">
-            <a:solidFill>
-              <a:srgbClr val="3465A4"/>
-            </a:solidFill>
-            <a:prstDash val="solid"/>
-          </a:ln>
-        </p:spPr>
-      </p:sp>
-      <p:sp>
-        <p:nvSpPr>
-          <p:cNvPr id="3" name="Заметки 2"/>
-          <p:cNvSpPr txBox="1">
-            <a:spLocks noGrp="1"/>
-          </p:cNvSpPr>
-          <p:nvPr>
-            <p:ph type="body" sz="quarter" idx="1"/>
-          </p:nvPr>
-        </p:nvSpPr>
-        <p:spPr/>
-        <p:txBody>
-          <a:bodyPr>
-            <a:spAutoFit/>
-          </a:bodyPr>
-          <a:lstStyle/>
-          <a:p>
-            <a:endParaRPr lang="ru-RU"/>
-          </a:p>
-        </p:txBody>
-      </p:sp>
-    </p:spTree>
-    <p:extLst>
-      <p:ext uri="{BB962C8B-B14F-4D97-AF65-F5344CB8AC3E}">
-        <p14:creationId xmlns:p14="http://schemas.microsoft.com/office/powerpoint/2010/main" val="1614002489"/>
-      </p:ext>
-    </p:extLst>
-  </p:cSld>
-  <p:clrMapOvr>
-    <a:masterClrMapping/>
-  </p:clrMapOvr>
-</p:notes>
-</file>
-
 <file path=ppt/slideLayouts/slideLayout1.xml><?xml version="1.0" encoding="utf-8"?>
 <p:sldLayout xmlns:a="http://schemas.openxmlformats.org/drawingml/2006/main" xmlns:r="http://schemas.openxmlformats.org/officeDocument/2006/relationships" xmlns:p="http://schemas.openxmlformats.org/presentationml/2006/main" type="title" preserve="1">
   <p:cSld name="Титульный слайд">
@@ -847,7 +766,7 @@
           <a:p>
             <a:fld id="{FC1A96A7-B107-4A76-9BCA-351E6EBF71DD}" type="datetimeFigureOut">
               <a:rPr lang="ru-RU" smtClean="0"/>
-              <a:t>18.11.2019</a:t>
+              <a:t>19.11.2019</a:t>
             </a:fld>
             <a:endParaRPr lang="ru-RU"/>
           </a:p>
@@ -1024,7 +943,7 @@
           <a:p>
             <a:fld id="{FC1A96A7-B107-4A76-9BCA-351E6EBF71DD}" type="datetimeFigureOut">
               <a:rPr lang="ru-RU" smtClean="0"/>
-              <a:t>18.11.2019</a:t>
+              <a:t>19.11.2019</a:t>
             </a:fld>
             <a:endParaRPr lang="ru-RU"/>
           </a:p>
@@ -1204,7 +1123,7 @@
           <a:p>
             <a:fld id="{FC1A96A7-B107-4A76-9BCA-351E6EBF71DD}" type="datetimeFigureOut">
               <a:rPr lang="ru-RU" smtClean="0"/>
-              <a:t>18.11.2019</a:t>
+              <a:t>19.11.2019</a:t>
             </a:fld>
             <a:endParaRPr lang="ru-RU"/>
           </a:p>
@@ -1374,7 +1293,7 @@
           <a:p>
             <a:fld id="{FC1A96A7-B107-4A76-9BCA-351E6EBF71DD}" type="datetimeFigureOut">
               <a:rPr lang="ru-RU" smtClean="0"/>
-              <a:t>18.11.2019</a:t>
+              <a:t>19.11.2019</a:t>
             </a:fld>
             <a:endParaRPr lang="ru-RU"/>
           </a:p>
@@ -1620,7 +1539,7 @@
           <a:p>
             <a:fld id="{FC1A96A7-B107-4A76-9BCA-351E6EBF71DD}" type="datetimeFigureOut">
               <a:rPr lang="ru-RU" smtClean="0"/>
-              <a:t>18.11.2019</a:t>
+              <a:t>19.11.2019</a:t>
             </a:fld>
             <a:endParaRPr lang="ru-RU"/>
           </a:p>
@@ -1908,7 +1827,7 @@
           <a:p>
             <a:fld id="{FC1A96A7-B107-4A76-9BCA-351E6EBF71DD}" type="datetimeFigureOut">
               <a:rPr lang="ru-RU" smtClean="0"/>
-              <a:t>18.11.2019</a:t>
+              <a:t>19.11.2019</a:t>
             </a:fld>
             <a:endParaRPr lang="ru-RU"/>
           </a:p>
@@ -2330,7 +2249,7 @@
           <a:p>
             <a:fld id="{FC1A96A7-B107-4A76-9BCA-351E6EBF71DD}" type="datetimeFigureOut">
               <a:rPr lang="ru-RU" smtClean="0"/>
-              <a:t>18.11.2019</a:t>
+              <a:t>19.11.2019</a:t>
             </a:fld>
             <a:endParaRPr lang="ru-RU"/>
           </a:p>
@@ -2448,7 +2367,7 @@
           <a:p>
             <a:fld id="{FC1A96A7-B107-4A76-9BCA-351E6EBF71DD}" type="datetimeFigureOut">
               <a:rPr lang="ru-RU" smtClean="0"/>
-              <a:t>18.11.2019</a:t>
+              <a:t>19.11.2019</a:t>
             </a:fld>
             <a:endParaRPr lang="ru-RU"/>
           </a:p>
@@ -2543,7 +2462,7 @@
           <a:p>
             <a:fld id="{FC1A96A7-B107-4A76-9BCA-351E6EBF71DD}" type="datetimeFigureOut">
               <a:rPr lang="ru-RU" smtClean="0"/>
-              <a:t>18.11.2019</a:t>
+              <a:t>19.11.2019</a:t>
             </a:fld>
             <a:endParaRPr lang="ru-RU"/>
           </a:p>
@@ -2820,7 +2739,7 @@
           <a:p>
             <a:fld id="{FC1A96A7-B107-4A76-9BCA-351E6EBF71DD}" type="datetimeFigureOut">
               <a:rPr lang="ru-RU" smtClean="0"/>
-              <a:t>18.11.2019</a:t>
+              <a:t>19.11.2019</a:t>
             </a:fld>
             <a:endParaRPr lang="ru-RU"/>
           </a:p>
@@ -3073,7 +2992,7 @@
           <a:p>
             <a:fld id="{FC1A96A7-B107-4A76-9BCA-351E6EBF71DD}" type="datetimeFigureOut">
               <a:rPr lang="ru-RU" smtClean="0"/>
-              <a:t>18.11.2019</a:t>
+              <a:t>19.11.2019</a:t>
             </a:fld>
             <a:endParaRPr lang="ru-RU"/>
           </a:p>
@@ -3286,7 +3205,7 @@
           <a:p>
             <a:fld id="{FC1A96A7-B107-4A76-9BCA-351E6EBF71DD}" type="datetimeFigureOut">
               <a:rPr lang="ru-RU" smtClean="0"/>
-              <a:t>18.11.2019</a:t>
+              <a:t>19.11.2019</a:t>
             </a:fld>
             <a:endParaRPr lang="ru-RU"/>
           </a:p>
@@ -4013,6 +3932,47 @@
           </a:p>
         </p:txBody>
       </p:sp>
+      <p:pic>
+        <p:nvPicPr>
+          <p:cNvPr id="1026" name="Picture 2" descr="C:\Users\Max\Downloads\pybot.png"/>
+          <p:cNvPicPr>
+            <a:picLocks noChangeAspect="1" noChangeArrowheads="1"/>
+          </p:cNvPicPr>
+          <p:nvPr/>
+        </p:nvPicPr>
+        <p:blipFill>
+          <a:blip r:embed="rId2">
+            <a:extLst>
+              <a:ext uri="{28A0092B-C50C-407E-A947-70E740481C1C}">
+                <a14:useLocalDpi xmlns:a14="http://schemas.microsoft.com/office/drawing/2010/main" val="0"/>
+              </a:ext>
+            </a:extLst>
+          </a:blip>
+          <a:srcRect/>
+          <a:stretch>
+            <a:fillRect/>
+          </a:stretch>
+        </p:blipFill>
+        <p:spPr bwMode="auto">
+          <a:xfrm>
+            <a:off x="5951984" y="1271809"/>
+            <a:ext cx="4824536" cy="4824536"/>
+          </a:xfrm>
+          <a:prstGeom prst="rect">
+            <a:avLst/>
+          </a:prstGeom>
+          <a:noFill/>
+          <a:extLst>
+            <a:ext uri="{909E8E84-426E-40DD-AFC4-6F175D3DCCD1}">
+              <a14:hiddenFill xmlns:a14="http://schemas.microsoft.com/office/drawing/2010/main">
+                <a:solidFill>
+                  <a:srgbClr val="FFFFFF"/>
+                </a:solidFill>
+              </a14:hiddenFill>
+            </a:ext>
+          </a:extLst>
+        </p:spPr>
+      </p:pic>
     </p:spTree>
     <p:extLst>
       <p:ext uri="{BB962C8B-B14F-4D97-AF65-F5344CB8AC3E}">
@@ -4045,65 +4005,78 @@
       </p:grpSpPr>
       <p:sp>
         <p:nvSpPr>
-          <p:cNvPr id="2" name="Название 1"/>
-          <p:cNvSpPr>
-            <a:spLocks noGrp="1"/>
-          </p:cNvSpPr>
-          <p:nvPr>
-            <p:ph type="ctrTitle"/>
+          <p:cNvPr id="2" name="Title 1"/>
+          <p:cNvSpPr>
+            <a:spLocks noGrp="1"/>
+          </p:cNvSpPr>
+          <p:nvPr>
+            <p:ph type="title"/>
           </p:nvPr>
         </p:nvSpPr>
         <p:spPr>
           <a:xfrm>
-            <a:off x="983432" y="2636912"/>
-            <a:ext cx="10363200" cy="1470025"/>
+            <a:off x="983432" y="1412776"/>
+            <a:ext cx="10363200" cy="1362075"/>
           </a:xfrm>
         </p:spPr>
         <p:txBody>
-          <a:bodyPr>
-            <a:noAutofit/>
-          </a:bodyPr>
-          <a:lstStyle/>
-          <a:p>
-            <a:pPr>
-              <a:buNone/>
-            </a:pPr>
-            <a:r>
-              <a:rPr lang="ru-RU" sz="5080" dirty="0"/>
-              <a:t>Как стать </a:t>
-            </a:r>
-            <a:r>
-              <a:rPr lang="en-US" sz="5080" dirty="0" smtClean="0"/>
+          <a:bodyPr/>
+          <a:lstStyle/>
+          <a:p>
+            <a:r>
+              <a:rPr lang="ru-RU" dirty="0"/>
+              <a:t>Создание чат-бота в </a:t>
+            </a:r>
+            <a:r>
+              <a:rPr lang="ru-RU" dirty="0" err="1"/>
+              <a:t>Telegram</a:t>
+            </a:r>
+            <a:r>
+              <a:rPr lang="ru-RU" dirty="0"/>
+              <a:t> на </a:t>
+            </a:r>
+            <a:r>
+              <a:rPr lang="ru-RU" dirty="0" err="1" smtClean="0"/>
               <a:t>Python</a:t>
             </a:r>
-            <a:r>
-              <a:rPr lang="ru-RU" sz="5080" dirty="0" smtClean="0"/>
-              <a:t> </a:t>
-            </a:r>
-            <a:r>
-              <a:rPr lang="ru-RU" sz="5080" dirty="0"/>
-              <a:t>разработчиком?</a:t>
-            </a:r>
-          </a:p>
-        </p:txBody>
-      </p:sp>
+            <a:endParaRPr lang="ru-RU" dirty="0"/>
+          </a:p>
+        </p:txBody>
+      </p:sp>
+      <p:pic>
+        <p:nvPicPr>
+          <p:cNvPr id="5" name="Picture 4"/>
+          <p:cNvPicPr>
+            <a:picLocks noChangeAspect="1"/>
+          </p:cNvPicPr>
+          <p:nvPr/>
+        </p:nvPicPr>
+        <p:blipFill>
+          <a:blip r:embed="rId2"/>
+          <a:stretch>
+            <a:fillRect/>
+          </a:stretch>
+        </p:blipFill>
+        <p:spPr>
+          <a:xfrm>
+            <a:off x="2927648" y="2348880"/>
+            <a:ext cx="6096000" cy="4000500"/>
+          </a:xfrm>
+          <a:prstGeom prst="rect">
+            <a:avLst/>
+          </a:prstGeom>
+        </p:spPr>
+      </p:pic>
     </p:spTree>
     <p:extLst>
       <p:ext uri="{BB962C8B-B14F-4D97-AF65-F5344CB8AC3E}">
-        <p14:creationId xmlns:p14="http://schemas.microsoft.com/office/powerpoint/2010/main" val="2812453633"/>
+        <p14:creationId xmlns:p14="http://schemas.microsoft.com/office/powerpoint/2010/main" val="2380597849"/>
       </p:ext>
     </p:extLst>
   </p:cSld>
   <p:clrMapOvr>
     <a:masterClrMapping/>
   </p:clrMapOvr>
-  <p:timing>
-    <p:tnLst>
-      <p:par>
-        <p:cTn id="1" dur="indefinite" restart="never" nodeType="tmRoot"/>
-      </p:par>
-    </p:tnLst>
-  </p:timing>
 </p:sld>
 </file>
 
@@ -4126,218 +4099,257 @@
       </p:grpSpPr>
       <p:sp>
         <p:nvSpPr>
-          <p:cNvPr id="2" name="Название 1"/>
+          <p:cNvPr id="4" name="Заголовок 3"/>
           <p:cNvSpPr>
             <a:spLocks noGrp="1"/>
           </p:cNvSpPr>
           <p:nvPr>
             <p:ph type="title"/>
+          </p:nvPr>
+        </p:nvSpPr>
+        <p:spPr/>
+        <p:txBody>
+          <a:bodyPr/>
+          <a:lstStyle/>
+          <a:p>
+            <a:r>
+              <a:rPr lang="ru-RU" dirty="0" smtClean="0"/>
+              <a:t>Прежде, чем начать</a:t>
+            </a:r>
+            <a:endParaRPr lang="ru-RU" dirty="0"/>
+          </a:p>
+        </p:txBody>
+      </p:sp>
+      <p:sp>
+        <p:nvSpPr>
+          <p:cNvPr id="2" name="Текст 1"/>
+          <p:cNvSpPr>
+            <a:spLocks noGrp="1"/>
+          </p:cNvSpPr>
+          <p:nvPr>
+            <p:ph type="body" idx="1"/>
           </p:nvPr>
         </p:nvSpPr>
         <p:spPr>
           <a:xfrm>
-            <a:off x="609600" y="274638"/>
-            <a:ext cx="10972800" cy="562074"/>
+            <a:off x="609600" y="1535113"/>
+            <a:ext cx="10959008" cy="639762"/>
           </a:xfrm>
         </p:spPr>
         <p:txBody>
           <a:bodyPr>
-            <a:normAutofit fontScale="90000"/>
+            <a:normAutofit/>
           </a:bodyPr>
           <a:lstStyle/>
           <a:p>
             <a:r>
-              <a:rPr lang="ru-RU" dirty="0" smtClean="0"/>
-              <a:t>Шаг 1</a:t>
-            </a:r>
-            <a:r>
-              <a:rPr lang="en-US" dirty="0"/>
-              <a:t>.</a:t>
-            </a:r>
-            <a:r>
-              <a:rPr lang="en-US" dirty="0" smtClean="0"/>
-              <a:t> </a:t>
-            </a:r>
-            <a:r>
-              <a:rPr lang="ru-RU" dirty="0"/>
-              <a:t>Изучить основы синтаксиса </a:t>
-            </a:r>
-            <a:r>
-              <a:rPr lang="ru-RU" dirty="0" smtClean="0"/>
-              <a:t>языка</a:t>
+              <a:rPr lang="ru-RU" u="sng" dirty="0">
+                <a:hlinkClick r:id="rId2"/>
+              </a:rPr>
+              <a:t>14 сервисов для создания чат-бота без навыков </a:t>
+            </a:r>
+            <a:r>
+              <a:rPr lang="ru-RU" u="sng" dirty="0" smtClean="0">
+                <a:hlinkClick r:id="rId2"/>
+              </a:rPr>
+              <a:t>программирования</a:t>
             </a:r>
             <a:endParaRPr lang="ru-RU" dirty="0"/>
           </a:p>
         </p:txBody>
       </p:sp>
-      <p:pic>
-        <p:nvPicPr>
-          <p:cNvPr id="4" name="Рисунок 3" descr="models.py - C:\Users\shaptala\Desktop\LearnPython\week14\examples\website\blog\models.py (3.6.2)"/>
-          <p:cNvPicPr>
-            <a:picLocks noChangeAspect="1"/>
-          </p:cNvPicPr>
-          <p:nvPr/>
-        </p:nvPicPr>
-        <p:blipFill rotWithShape="1">
-          <a:blip r:embed="rId2">
-            <a:extLst>
-              <a:ext uri="{28A0092B-C50C-407E-A947-70E740481C1C}">
-                <a14:useLocalDpi xmlns:a14="http://schemas.microsoft.com/office/drawing/2010/main" val="0"/>
-              </a:ext>
-            </a:extLst>
-          </a:blip>
-          <a:srcRect l="1112" t="9530" r="3933" b="5613"/>
-          <a:stretch/>
-        </p:blipFill>
-        <p:spPr>
-          <a:xfrm>
-            <a:off x="1595500" y="980728"/>
-            <a:ext cx="9132376" cy="5877272"/>
-          </a:xfrm>
-          <a:prstGeom prst="rect">
-            <a:avLst/>
-          </a:prstGeom>
-        </p:spPr>
-      </p:pic>
+      <p:sp>
+        <p:nvSpPr>
+          <p:cNvPr id="5" name="Объект 4"/>
+          <p:cNvSpPr>
+            <a:spLocks noGrp="1"/>
+          </p:cNvSpPr>
+          <p:nvPr>
+            <p:ph sz="half" idx="2"/>
+          </p:nvPr>
+        </p:nvSpPr>
+        <p:spPr/>
+        <p:txBody>
+          <a:bodyPr/>
+          <a:lstStyle/>
+          <a:p>
+            <a:r>
+              <a:rPr lang="en-US" b="1" dirty="0" err="1" smtClean="0">
+                <a:hlinkClick r:id="rId3"/>
+              </a:rPr>
+              <a:t>Aimylogic</a:t>
+            </a:r>
+            <a:endParaRPr lang="en-US" b="1" dirty="0"/>
+          </a:p>
+          <a:p>
+            <a:r>
+              <a:rPr lang="en-US" b="1" dirty="0">
+                <a:hlinkClick r:id="rId4"/>
+              </a:rPr>
+              <a:t>Bot Kits</a:t>
+            </a:r>
+            <a:endParaRPr lang="en-US" b="1" dirty="0"/>
+          </a:p>
+          <a:p>
+            <a:r>
+              <a:rPr lang="en-US" b="1" dirty="0" err="1">
+                <a:hlinkClick r:id="rId5"/>
+              </a:rPr>
+              <a:t>Botmother</a:t>
+            </a:r>
+            <a:endParaRPr lang="en-US" b="1" dirty="0"/>
+          </a:p>
+          <a:p>
+            <a:r>
+              <a:rPr lang="en-US" b="1" dirty="0" err="1">
+                <a:hlinkClick r:id="rId6"/>
+              </a:rPr>
+              <a:t>Botsify</a:t>
+            </a:r>
+            <a:endParaRPr lang="en-US" b="1" dirty="0"/>
+          </a:p>
+          <a:p>
+            <a:r>
+              <a:rPr lang="en-US" b="1" dirty="0" err="1" smtClean="0">
+                <a:hlinkClick r:id="rId7"/>
+              </a:rPr>
+              <a:t>Chatfuel</a:t>
+            </a:r>
+            <a:endParaRPr lang="ru-RU" b="1" dirty="0" smtClean="0"/>
+          </a:p>
+          <a:p>
+            <a:r>
+              <a:rPr lang="en-US" b="1" dirty="0" err="1" smtClean="0">
+                <a:hlinkClick r:id="rId8"/>
+              </a:rPr>
+              <a:t>Chatgun</a:t>
+            </a:r>
+            <a:endParaRPr lang="ru-RU" b="1" dirty="0" smtClean="0"/>
+          </a:p>
+          <a:p>
+            <a:r>
+              <a:rPr lang="en-US" b="1" dirty="0">
+                <a:hlinkClick r:id="rId9"/>
+              </a:rPr>
+              <a:t>Dexter</a:t>
+            </a:r>
+            <a:endParaRPr lang="en-US" b="1" dirty="0"/>
+          </a:p>
+          <a:p>
+            <a:endParaRPr lang="en-US" b="1" dirty="0"/>
+          </a:p>
+          <a:p>
+            <a:endParaRPr lang="en-US" b="1" dirty="0"/>
+          </a:p>
+          <a:p>
+            <a:endParaRPr lang="en-US" dirty="0"/>
+          </a:p>
+        </p:txBody>
+      </p:sp>
+      <p:sp>
+        <p:nvSpPr>
+          <p:cNvPr id="6" name="Объект 5"/>
+          <p:cNvSpPr>
+            <a:spLocks noGrp="1"/>
+          </p:cNvSpPr>
+          <p:nvPr>
+            <p:ph sz="quarter" idx="4"/>
+          </p:nvPr>
+        </p:nvSpPr>
+        <p:spPr/>
+        <p:txBody>
+          <a:bodyPr/>
+          <a:lstStyle/>
+          <a:p>
+            <a:r>
+              <a:rPr lang="en-US" b="1" dirty="0">
+                <a:hlinkClick r:id="rId10"/>
+              </a:rPr>
+              <a:t>robochat.io</a:t>
+            </a:r>
+            <a:endParaRPr lang="en-US" b="1" dirty="0"/>
+          </a:p>
+          <a:p>
+            <a:r>
+              <a:rPr lang="en-US" b="1" dirty="0">
+                <a:hlinkClick r:id="rId11"/>
+              </a:rPr>
+              <a:t>Morph.ai</a:t>
+            </a:r>
+            <a:endParaRPr lang="en-US" b="1" dirty="0"/>
+          </a:p>
+          <a:p>
+            <a:r>
+              <a:rPr lang="en-US" b="1" dirty="0" err="1">
+                <a:hlinkClick r:id="rId12"/>
+              </a:rPr>
+              <a:t>Manybot</a:t>
+            </a:r>
+            <a:endParaRPr lang="en-US" b="1" dirty="0"/>
+          </a:p>
+          <a:p>
+            <a:r>
+              <a:rPr lang="en-US" b="1" dirty="0">
+                <a:hlinkClick r:id="rId13"/>
+              </a:rPr>
+              <a:t>Many</a:t>
+            </a:r>
+            <a:r>
+              <a:rPr lang="ru-RU" b="1" dirty="0">
+                <a:hlinkClick r:id="rId13"/>
+              </a:rPr>
+              <a:t>с</a:t>
+            </a:r>
+            <a:r>
+              <a:rPr lang="en-US" b="1" dirty="0">
+                <a:hlinkClick r:id="rId13"/>
+              </a:rPr>
+              <a:t>hat</a:t>
+            </a:r>
+            <a:endParaRPr lang="en-US" b="1" dirty="0"/>
+          </a:p>
+          <a:p>
+            <a:r>
+              <a:rPr lang="en-US" b="1" dirty="0" err="1">
+                <a:hlinkClick r:id="rId14"/>
+              </a:rPr>
+              <a:t>Gupshup</a:t>
+            </a:r>
+            <a:endParaRPr lang="en-US" b="1" dirty="0"/>
+          </a:p>
+          <a:p>
+            <a:r>
+              <a:rPr lang="en-US" b="1" dirty="0">
+                <a:hlinkClick r:id="rId15"/>
+              </a:rPr>
+              <a:t>Flow XO</a:t>
+            </a:r>
+            <a:endParaRPr lang="en-US" b="1" dirty="0"/>
+          </a:p>
+          <a:p>
+            <a:r>
+              <a:rPr lang="en-US" b="1" dirty="0" err="1">
+                <a:hlinkClick r:id="rId16"/>
+              </a:rPr>
+              <a:t>Dialogflow</a:t>
+            </a:r>
+            <a:endParaRPr lang="en-US" b="1" dirty="0"/>
+          </a:p>
+          <a:p>
+            <a:endParaRPr lang="ru-RU" dirty="0"/>
+          </a:p>
+        </p:txBody>
+      </p:sp>
     </p:spTree>
     <p:extLst>
       <p:ext uri="{BB962C8B-B14F-4D97-AF65-F5344CB8AC3E}">
-        <p14:creationId xmlns:p14="http://schemas.microsoft.com/office/powerpoint/2010/main" val="295788591"/>
+        <p14:creationId xmlns:p14="http://schemas.microsoft.com/office/powerpoint/2010/main" val="1286624705"/>
       </p:ext>
     </p:extLst>
   </p:cSld>
   <p:clrMapOvr>
     <a:masterClrMapping/>
   </p:clrMapOvr>
-  <mc:AlternateContent xmlns:mc="http://schemas.openxmlformats.org/markup-compatibility/2006" xmlns:p14="http://schemas.microsoft.com/office/powerpoint/2010/main">
-    <mc:Choice Requires="p14">
-      <p:transition spd="slow" p14:dur="2000"/>
-    </mc:Choice>
-    <mc:Fallback xmlns="">
-      <p:transition spd="slow"/>
-    </mc:Fallback>
-  </mc:AlternateContent>
-  <p:timing>
-    <p:tnLst>
-      <p:par>
-        <p:cTn id="1" dur="indefinite" restart="never" nodeType="tmRoot">
-          <p:childTnLst>
-            <p:seq concurrent="1" nextAc="seek">
-              <p:cTn id="2" dur="indefinite" nodeType="mainSeq">
-                <p:childTnLst>
-                  <p:par>
-                    <p:cTn id="3" fill="hold">
-                      <p:stCondLst>
-                        <p:cond delay="indefinite"/>
-                      </p:stCondLst>
-                      <p:childTnLst>
-                        <p:par>
-                          <p:cTn id="4" fill="hold">
-                            <p:stCondLst>
-                              <p:cond delay="0"/>
-                            </p:stCondLst>
-                            <p:childTnLst>
-                              <p:par>
-                                <p:cTn id="5" presetID="2" presetClass="entr" presetSubtype="4" fill="hold" nodeType="clickEffect">
-                                  <p:stCondLst>
-                                    <p:cond delay="0"/>
-                                  </p:stCondLst>
-                                  <p:childTnLst>
-                                    <p:set>
-                                      <p:cBhvr>
-                                        <p:cTn id="6" dur="1" fill="hold">
-                                          <p:stCondLst>
-                                            <p:cond delay="0"/>
-                                          </p:stCondLst>
-                                        </p:cTn>
-                                        <p:tgtEl>
-                                          <p:spTgt spid="4"/>
-                                        </p:tgtEl>
-                                        <p:attrNameLst>
-                                          <p:attrName>style.visibility</p:attrName>
-                                        </p:attrNameLst>
-                                      </p:cBhvr>
-                                      <p:to>
-                                        <p:strVal val="visible"/>
-                                      </p:to>
-                                    </p:set>
-                                    <p:anim calcmode="lin" valueType="num">
-                                      <p:cBhvr additive="base">
-                                        <p:cTn id="7" dur="500" fill="hold"/>
-                                        <p:tgtEl>
-                                          <p:spTgt spid="4"/>
-                                        </p:tgtEl>
-                                        <p:attrNameLst>
-                                          <p:attrName>ppt_x</p:attrName>
-                                        </p:attrNameLst>
-                                      </p:cBhvr>
-                                      <p:tavLst>
-                                        <p:tav tm="0">
-                                          <p:val>
-                                            <p:strVal val="#ppt_x"/>
-                                          </p:val>
-                                        </p:tav>
-                                        <p:tav tm="100000">
-                                          <p:val>
-                                            <p:strVal val="#ppt_x"/>
-                                          </p:val>
-                                        </p:tav>
-                                      </p:tavLst>
-                                    </p:anim>
-                                    <p:anim calcmode="lin" valueType="num">
-                                      <p:cBhvr additive="base">
-                                        <p:cTn id="8" dur="500" fill="hold"/>
-                                        <p:tgtEl>
-                                          <p:spTgt spid="4"/>
-                                        </p:tgtEl>
-                                        <p:attrNameLst>
-                                          <p:attrName>ppt_y</p:attrName>
-                                        </p:attrNameLst>
-                                      </p:cBhvr>
-                                      <p:tavLst>
-                                        <p:tav tm="0">
-                                          <p:val>
-                                            <p:strVal val="1+#ppt_h/2"/>
-                                          </p:val>
-                                        </p:tav>
-                                        <p:tav tm="100000">
-                                          <p:val>
-                                            <p:strVal val="#ppt_y"/>
-                                          </p:val>
-                                        </p:tav>
-                                      </p:tavLst>
-                                    </p:anim>
-                                  </p:childTnLst>
-                                </p:cTn>
-                              </p:par>
-                            </p:childTnLst>
-                          </p:cTn>
-                        </p:par>
-                      </p:childTnLst>
-                    </p:cTn>
-                  </p:par>
-                </p:childTnLst>
-              </p:cTn>
-              <p:prevCondLst>
-                <p:cond evt="onPrev" delay="0">
-                  <p:tgtEl>
-                    <p:sldTgt/>
-                  </p:tgtEl>
-                </p:cond>
-              </p:prevCondLst>
-              <p:nextCondLst>
-                <p:cond evt="onNext" delay="0">
-                  <p:tgtEl>
-                    <p:sldTgt/>
-                  </p:tgtEl>
-                </p:cond>
-              </p:nextCondLst>
-            </p:seq>
-          </p:childTnLst>
-        </p:cTn>
-      </p:par>
-    </p:tnLst>
-  </p:timing>
 </p:sld>
 </file>
 
@@ -4360,7 +4372,7 @@
       </p:grpSpPr>
       <p:sp>
         <p:nvSpPr>
-          <p:cNvPr id="2" name="Название 1"/>
+          <p:cNvPr id="7" name="Заголовок 6"/>
           <p:cNvSpPr>
             <a:spLocks noGrp="1"/>
           </p:cNvSpPr>
@@ -4370,206 +4382,179 @@
         </p:nvSpPr>
         <p:spPr/>
         <p:txBody>
-          <a:bodyPr>
-            <a:normAutofit fontScale="90000"/>
-          </a:bodyPr>
-          <a:lstStyle/>
-          <a:p>
-            <a:r>
-              <a:rPr lang="ru-RU" dirty="0" smtClean="0"/>
-              <a:t>Шаг 2</a:t>
-            </a:r>
-            <a:r>
-              <a:rPr lang="en-US" dirty="0" smtClean="0"/>
-              <a:t>. </a:t>
-            </a:r>
-            <a:r>
-              <a:rPr lang="ru-RU" dirty="0"/>
-              <a:t>Освойте инструменты разработки</a:t>
-            </a:r>
-            <a:br>
-              <a:rPr lang="ru-RU" dirty="0"/>
-            </a:br>
-            <a:r>
-              <a:rPr lang="ru-RU" dirty="0"/>
-              <a:t>и отладки </a:t>
-            </a:r>
-            <a:r>
-              <a:rPr lang="ru-RU" dirty="0" smtClean="0"/>
-              <a:t>приложения</a:t>
-            </a:r>
-            <a:endParaRPr lang="ru-RU" dirty="0"/>
-          </a:p>
-        </p:txBody>
-      </p:sp>
-      <p:pic>
-        <p:nvPicPr>
-          <p:cNvPr id="4" name="Рисунок 3" descr="website - [C:\Users\shaptala\Desktop\LearnPython\week15\examples\website] - ...\blog\views.py - PyCharm 2017.1.5"/>
-          <p:cNvPicPr>
-            <a:picLocks noChangeAspect="1"/>
-          </p:cNvPicPr>
-          <p:nvPr/>
-        </p:nvPicPr>
-        <p:blipFill rotWithShape="1">
-          <a:blip r:embed="rId2">
-            <a:extLst>
-              <a:ext uri="{28A0092B-C50C-407E-A947-70E740481C1C}">
-                <a14:useLocalDpi xmlns:a14="http://schemas.microsoft.com/office/drawing/2010/main" val="0"/>
-              </a:ext>
-            </a:extLst>
-          </a:blip>
-          <a:srcRect l="458" t="3894" r="458" b="1078"/>
-          <a:stretch/>
-        </p:blipFill>
+          <a:bodyPr/>
+          <a:lstStyle/>
+          <a:p>
+            <a:r>
+              <a:rPr lang="ru-RU" b="1" dirty="0"/>
+              <a:t>Боты: информация для разработчиков</a:t>
+            </a:r>
+          </a:p>
+        </p:txBody>
+      </p:sp>
+      <p:sp>
+        <p:nvSpPr>
+          <p:cNvPr id="8" name="Объект 7"/>
+          <p:cNvSpPr>
+            <a:spLocks noGrp="1"/>
+          </p:cNvSpPr>
+          <p:nvPr>
+            <p:ph idx="1"/>
+          </p:nvPr>
+        </p:nvSpPr>
         <p:spPr>
           <a:xfrm>
-            <a:off x="1631504" y="1445072"/>
-            <a:ext cx="8928992" cy="5152280"/>
+            <a:off x="551384" y="1462584"/>
+            <a:ext cx="10972800" cy="4525963"/>
+          </a:xfrm>
+        </p:spPr>
+        <p:txBody>
+          <a:bodyPr>
+            <a:normAutofit lnSpcReduction="10000"/>
+          </a:bodyPr>
+          <a:lstStyle/>
+          <a:p>
+            <a:pPr marL="0" indent="0">
+              <a:buNone/>
+            </a:pPr>
+            <a:r>
+              <a:rPr lang="ru-RU" dirty="0"/>
+              <a:t>Вот несколько примеров использования ботов</a:t>
+            </a:r>
+            <a:r>
+              <a:rPr lang="ru-RU" dirty="0" smtClean="0"/>
+              <a:t>:</a:t>
+            </a:r>
+            <a:endParaRPr lang="en-US" dirty="0" smtClean="0"/>
+          </a:p>
+          <a:p>
+            <a:r>
+              <a:rPr lang="ru-RU" dirty="0"/>
+              <a:t>Интеграция с другими </a:t>
+            </a:r>
+            <a:r>
+              <a:rPr lang="ru-RU" dirty="0" smtClean="0"/>
+              <a:t>сервисами</a:t>
+            </a:r>
+            <a:endParaRPr lang="en-US" dirty="0" smtClean="0"/>
+          </a:p>
+          <a:p>
+            <a:r>
+              <a:rPr lang="ru-RU" dirty="0"/>
+              <a:t>Утилиты и </a:t>
+            </a:r>
+            <a:r>
+              <a:rPr lang="ru-RU" dirty="0" smtClean="0"/>
+              <a:t>инструменты</a:t>
+            </a:r>
+            <a:endParaRPr lang="en-US" dirty="0" smtClean="0"/>
+          </a:p>
+          <a:p>
+            <a:r>
+              <a:rPr lang="ru-RU" dirty="0"/>
+              <a:t>Одно- и многопользовательские </a:t>
+            </a:r>
+            <a:r>
+              <a:rPr lang="ru-RU" dirty="0" smtClean="0"/>
+              <a:t>игры</a:t>
+            </a:r>
+            <a:endParaRPr lang="en-US" dirty="0" smtClean="0"/>
+          </a:p>
+          <a:p>
+            <a:r>
+              <a:rPr lang="ru-RU" dirty="0"/>
+              <a:t>Социальные </a:t>
+            </a:r>
+            <a:r>
+              <a:rPr lang="ru-RU" dirty="0" smtClean="0"/>
+              <a:t>сервисы</a:t>
+            </a:r>
+          </a:p>
+          <a:p>
+            <a:endParaRPr lang="en-US" dirty="0" smtClean="0"/>
+          </a:p>
+          <a:p>
+            <a:pPr marL="0" indent="0">
+              <a:buNone/>
+            </a:pPr>
+            <a:r>
+              <a:rPr lang="uk-UA" dirty="0" smtClean="0"/>
+              <a:t>О</a:t>
+            </a:r>
+            <a:r>
+              <a:rPr lang="ru-RU" dirty="0" err="1" smtClean="0"/>
+              <a:t>бщение</a:t>
+            </a:r>
+            <a:r>
+              <a:rPr lang="ru-RU" dirty="0" smtClean="0"/>
+              <a:t> </a:t>
+            </a:r>
+            <a:r>
+              <a:rPr lang="ru-RU" dirty="0"/>
+              <a:t>с роботом организовано при помощи обычного HTTPS интерфейса с упрощёнными методами </a:t>
+            </a:r>
+            <a:r>
+              <a:rPr lang="ru-RU" dirty="0" err="1"/>
+              <a:t>Telegram</a:t>
+            </a:r>
+            <a:r>
+              <a:rPr lang="ru-RU" dirty="0"/>
+              <a:t> API</a:t>
+            </a:r>
+          </a:p>
+        </p:txBody>
+      </p:sp>
+      <p:sp>
+        <p:nvSpPr>
+          <p:cNvPr id="9" name="Прямоугольник 8"/>
+          <p:cNvSpPr/>
+          <p:nvPr/>
+        </p:nvSpPr>
+        <p:spPr>
+          <a:xfrm>
+            <a:off x="407368" y="6246604"/>
+            <a:ext cx="2744534" cy="369332"/>
           </a:xfrm>
           <a:prstGeom prst="rect">
             <a:avLst/>
           </a:prstGeom>
         </p:spPr>
-      </p:pic>
+        <p:txBody>
+          <a:bodyPr wrap="none">
+            <a:spAutoFit/>
+          </a:bodyPr>
+          <a:lstStyle/>
+          <a:p>
+            <a:r>
+              <a:rPr lang="en-US" dirty="0">
+                <a:hlinkClick r:id="rId2"/>
+              </a:rPr>
+              <a:t>https://</a:t>
+            </a:r>
+            <a:r>
+              <a:rPr lang="en-US" dirty="0" smtClean="0">
+                <a:hlinkClick r:id="rId2"/>
+              </a:rPr>
+              <a:t>tlgrm.ru/docs/bots</a:t>
+            </a:r>
+            <a:r>
+              <a:rPr lang="en-US" dirty="0" smtClean="0"/>
+              <a:t> </a:t>
+            </a:r>
+            <a:endParaRPr lang="ru-RU" dirty="0"/>
+          </a:p>
+        </p:txBody>
+      </p:sp>
     </p:spTree>
     <p:extLst>
       <p:ext uri="{BB962C8B-B14F-4D97-AF65-F5344CB8AC3E}">
-        <p14:creationId xmlns:p14="http://schemas.microsoft.com/office/powerpoint/2010/main" val="211222095"/>
+        <p14:creationId xmlns:p14="http://schemas.microsoft.com/office/powerpoint/2010/main" val="2189816234"/>
       </p:ext>
     </p:extLst>
   </p:cSld>
   <p:clrMapOvr>
     <a:masterClrMapping/>
   </p:clrMapOvr>
-  <mc:AlternateContent xmlns:mc="http://schemas.openxmlformats.org/markup-compatibility/2006" xmlns:p14="http://schemas.microsoft.com/office/powerpoint/2010/main">
-    <mc:Choice Requires="p14">
-      <p:transition spd="slow" p14:dur="2000"/>
-    </mc:Choice>
-    <mc:Fallback xmlns="">
-      <p:transition spd="slow"/>
-    </mc:Fallback>
-  </mc:AlternateContent>
-  <p:timing>
-    <p:tnLst>
-      <p:par>
-        <p:cTn id="1" dur="indefinite" restart="never" nodeType="tmRoot">
-          <p:childTnLst>
-            <p:seq concurrent="1" nextAc="seek">
-              <p:cTn id="2" dur="indefinite" nodeType="mainSeq">
-                <p:childTnLst>
-                  <p:par>
-                    <p:cTn id="3" fill="hold">
-                      <p:stCondLst>
-                        <p:cond delay="indefinite"/>
-                      </p:stCondLst>
-                      <p:childTnLst>
-                        <p:par>
-                          <p:cTn id="4" fill="hold">
-                            <p:stCondLst>
-                              <p:cond delay="0"/>
-                            </p:stCondLst>
-                            <p:childTnLst>
-                              <p:par>
-                                <p:cTn id="5" presetID="2" presetClass="entr" presetSubtype="4" fill="hold" nodeType="clickEffect">
-                                  <p:stCondLst>
-                                    <p:cond delay="0"/>
-                                  </p:stCondLst>
-                                  <p:childTnLst>
-                                    <p:set>
-                                      <p:cBhvr>
-                                        <p:cTn id="6" dur="1" fill="hold">
-                                          <p:stCondLst>
-                                            <p:cond delay="0"/>
-                                          </p:stCondLst>
-                                        </p:cTn>
-                                        <p:tgtEl>
-                                          <p:spTgt spid="4"/>
-                                        </p:tgtEl>
-                                        <p:attrNameLst>
-                                          <p:attrName>style.visibility</p:attrName>
-                                        </p:attrNameLst>
-                                      </p:cBhvr>
-                                      <p:to>
-                                        <p:strVal val="visible"/>
-                                      </p:to>
-                                    </p:set>
-                                    <p:anim calcmode="lin" valueType="num">
-                                      <p:cBhvr additive="base">
-                                        <p:cTn id="7" dur="500" fill="hold"/>
-                                        <p:tgtEl>
-                                          <p:spTgt spid="4"/>
-                                        </p:tgtEl>
-                                        <p:attrNameLst>
-                                          <p:attrName>ppt_x</p:attrName>
-                                        </p:attrNameLst>
-                                      </p:cBhvr>
-                                      <p:tavLst>
-                                        <p:tav tm="0">
-                                          <p:val>
-                                            <p:strVal val="#ppt_x"/>
-                                          </p:val>
-                                        </p:tav>
-                                        <p:tav tm="100000">
-                                          <p:val>
-                                            <p:strVal val="#ppt_x"/>
-                                          </p:val>
-                                        </p:tav>
-                                      </p:tavLst>
-                                    </p:anim>
-                                    <p:anim calcmode="lin" valueType="num">
-                                      <p:cBhvr additive="base">
-                                        <p:cTn id="8" dur="500" fill="hold"/>
-                                        <p:tgtEl>
-                                          <p:spTgt spid="4"/>
-                                        </p:tgtEl>
-                                        <p:attrNameLst>
-                                          <p:attrName>ppt_y</p:attrName>
-                                        </p:attrNameLst>
-                                      </p:cBhvr>
-                                      <p:tavLst>
-                                        <p:tav tm="0">
-                                          <p:val>
-                                            <p:strVal val="1+#ppt_h/2"/>
-                                          </p:val>
-                                        </p:tav>
-                                        <p:tav tm="100000">
-                                          <p:val>
-                                            <p:strVal val="#ppt_y"/>
-                                          </p:val>
-                                        </p:tav>
-                                      </p:tavLst>
-                                    </p:anim>
-                                  </p:childTnLst>
-                                </p:cTn>
-                              </p:par>
-                            </p:childTnLst>
-                          </p:cTn>
-                        </p:par>
-                      </p:childTnLst>
-                    </p:cTn>
-                  </p:par>
-                </p:childTnLst>
-              </p:cTn>
-              <p:prevCondLst>
-                <p:cond evt="onPrev" delay="0">
-                  <p:tgtEl>
-                    <p:sldTgt/>
-                  </p:tgtEl>
-                </p:cond>
-              </p:prevCondLst>
-              <p:nextCondLst>
-                <p:cond evt="onNext" delay="0">
-                  <p:tgtEl>
-                    <p:sldTgt/>
-                  </p:tgtEl>
-                </p:cond>
-              </p:nextCondLst>
-            </p:seq>
-          </p:childTnLst>
-        </p:cTn>
-      </p:par>
-    </p:tnLst>
-  </p:timing>
 </p:sld>
 </file>
 
@@ -4592,7 +4577,7 @@
       </p:grpSpPr>
       <p:sp>
         <p:nvSpPr>
-          <p:cNvPr id="2" name="Название 1"/>
+          <p:cNvPr id="2" name="Заголовок 1"/>
           <p:cNvSpPr>
             <a:spLocks noGrp="1"/>
           </p:cNvSpPr>
@@ -4602,1068 +4587,102 @@
         </p:nvSpPr>
         <p:spPr/>
         <p:txBody>
-          <a:bodyPr>
-            <a:normAutofit/>
-          </a:bodyPr>
-          <a:lstStyle/>
-          <a:p>
+          <a:bodyPr/>
+          <a:lstStyle/>
+          <a:p>
+            <a:r>
+              <a:rPr lang="uk-UA" dirty="0" err="1" smtClean="0"/>
+              <a:t>Инструмент</a:t>
+            </a:r>
             <a:r>
               <a:rPr lang="ru-RU" dirty="0" smtClean="0"/>
-              <a:t>Шаг 3</a:t>
+              <a:t>ы</a:t>
+            </a:r>
+            <a:endParaRPr lang="ru-RU" dirty="0"/>
+          </a:p>
+        </p:txBody>
+      </p:sp>
+      <p:sp>
+        <p:nvSpPr>
+          <p:cNvPr id="3" name="Объект 2"/>
+          <p:cNvSpPr>
+            <a:spLocks noGrp="1"/>
+          </p:cNvSpPr>
+          <p:nvPr>
+            <p:ph idx="1"/>
+          </p:nvPr>
+        </p:nvSpPr>
+        <p:spPr/>
+        <p:txBody>
+          <a:bodyPr/>
+          <a:lstStyle/>
+          <a:p>
+            <a:r>
+              <a:rPr lang="en-US" dirty="0"/>
+              <a:t>Telegram Bot </a:t>
             </a:r>
             <a:r>
               <a:rPr lang="en-US" dirty="0" smtClean="0"/>
-              <a:t>. </a:t>
-            </a:r>
-            <a:r>
-              <a:rPr lang="ru-RU" dirty="0"/>
-              <a:t>Выберите </a:t>
+              <a:t>API</a:t>
             </a:r>
             <a:r>
               <a:rPr lang="ru-RU" dirty="0" smtClean="0"/>
-              <a:t>направление </a:t>
-            </a:r>
+              <a:t> (</a:t>
+            </a:r>
+            <a:r>
+              <a:rPr lang="en-US" dirty="0" err="1" smtClean="0"/>
+              <a:t>pyTelegramBotAPI</a:t>
+            </a:r>
+            <a:r>
+              <a:rPr lang="ru-RU" dirty="0" smtClean="0"/>
+              <a:t>)</a:t>
+            </a:r>
+            <a:endParaRPr lang="en-US" dirty="0"/>
+          </a:p>
+          <a:p>
+            <a:r>
+              <a:rPr lang="en-US" dirty="0"/>
+              <a:t>Asynchronous framework for Telegram Bot </a:t>
+            </a:r>
+            <a:r>
+              <a:rPr lang="en-US" dirty="0" smtClean="0"/>
+              <a:t>API</a:t>
+            </a:r>
+            <a:r>
+              <a:rPr lang="ru-RU" dirty="0" smtClean="0"/>
+              <a:t> (</a:t>
+            </a:r>
+            <a:r>
+              <a:rPr lang="en-US" dirty="0" err="1" smtClean="0"/>
+              <a:t>aiogram</a:t>
+            </a:r>
+            <a:r>
+              <a:rPr lang="ru-RU" dirty="0" smtClean="0"/>
+              <a:t>)</a:t>
+            </a:r>
+            <a:endParaRPr lang="en-US" dirty="0"/>
+          </a:p>
+          <a:p>
+            <a:r>
+              <a:rPr lang="en-US" dirty="0"/>
+              <a:t>python-telegram-bot</a:t>
+            </a:r>
+          </a:p>
+          <a:p>
             <a:endParaRPr lang="ru-RU" dirty="0"/>
           </a:p>
         </p:txBody>
       </p:sp>
-      <p:sp>
-        <p:nvSpPr>
-          <p:cNvPr id="4" name="Прямоугольник 3"/>
-          <p:cNvSpPr/>
-          <p:nvPr/>
-        </p:nvSpPr>
-        <p:spPr>
-          <a:xfrm>
-            <a:off x="1849791" y="3137866"/>
-            <a:ext cx="1942840" cy="369332"/>
-          </a:xfrm>
-          <a:prstGeom prst="rect">
-            <a:avLst/>
-          </a:prstGeom>
-        </p:spPr>
-        <p:txBody>
-          <a:bodyPr wrap="none">
-            <a:spAutoFit/>
-          </a:bodyPr>
-          <a:lstStyle/>
-          <a:p>
-            <a:r>
-              <a:rPr lang="en-US" dirty="0">
-                <a:solidFill>
-                  <a:srgbClr val="222222"/>
-                </a:solidFill>
-                <a:latin typeface="Roboto"/>
-              </a:rPr>
-              <a:t>Web-</a:t>
-            </a:r>
-            <a:r>
-              <a:rPr lang="ru-RU" dirty="0">
-                <a:solidFill>
-                  <a:srgbClr val="222222"/>
-                </a:solidFill>
-                <a:latin typeface="Roboto"/>
-              </a:rPr>
-              <a:t>разработка</a:t>
-            </a:r>
-            <a:endParaRPr lang="ru-RU" b="0" i="0" dirty="0">
-              <a:solidFill>
-                <a:srgbClr val="222222"/>
-              </a:solidFill>
-              <a:effectLst/>
-              <a:latin typeface="Roboto"/>
-            </a:endParaRPr>
-          </a:p>
-        </p:txBody>
-      </p:sp>
-      <p:sp>
-        <p:nvSpPr>
-          <p:cNvPr id="5" name="Прямоугольник 4"/>
-          <p:cNvSpPr/>
-          <p:nvPr/>
-        </p:nvSpPr>
-        <p:spPr>
-          <a:xfrm>
-            <a:off x="8908604" y="2947977"/>
-            <a:ext cx="2358979" cy="646331"/>
-          </a:xfrm>
-          <a:prstGeom prst="rect">
-            <a:avLst/>
-          </a:prstGeom>
-        </p:spPr>
-        <p:txBody>
-          <a:bodyPr wrap="none">
-            <a:spAutoFit/>
-          </a:bodyPr>
-          <a:lstStyle/>
-          <a:p>
-            <a:pPr algn="ctr"/>
-            <a:r>
-              <a:rPr lang="ru-RU" dirty="0" smtClean="0">
-                <a:solidFill>
-                  <a:srgbClr val="222222"/>
-                </a:solidFill>
-                <a:latin typeface="Roboto"/>
-              </a:rPr>
-              <a:t>Системное </a:t>
-            </a:r>
-            <a:endParaRPr lang="en-US" dirty="0" smtClean="0">
-              <a:solidFill>
-                <a:srgbClr val="222222"/>
-              </a:solidFill>
-              <a:latin typeface="Roboto"/>
-            </a:endParaRPr>
-          </a:p>
-          <a:p>
-            <a:pPr algn="ctr"/>
-            <a:r>
-              <a:rPr lang="ru-RU" dirty="0" smtClean="0">
-                <a:solidFill>
-                  <a:srgbClr val="222222"/>
-                </a:solidFill>
-                <a:latin typeface="Roboto"/>
-              </a:rPr>
-              <a:t>администрирование</a:t>
-            </a:r>
-            <a:endParaRPr lang="ru-RU" b="0" i="0" dirty="0">
-              <a:solidFill>
-                <a:srgbClr val="222222"/>
-              </a:solidFill>
-              <a:effectLst/>
-              <a:latin typeface="Roboto"/>
-            </a:endParaRPr>
-          </a:p>
-        </p:txBody>
-      </p:sp>
-      <p:sp>
-        <p:nvSpPr>
-          <p:cNvPr id="6" name="Прямоугольник 5"/>
-          <p:cNvSpPr/>
-          <p:nvPr/>
-        </p:nvSpPr>
-        <p:spPr>
-          <a:xfrm>
-            <a:off x="1849791" y="5157192"/>
-            <a:ext cx="2540119" cy="646331"/>
-          </a:xfrm>
-          <a:prstGeom prst="rect">
-            <a:avLst/>
-          </a:prstGeom>
-        </p:spPr>
-        <p:txBody>
-          <a:bodyPr wrap="none">
-            <a:spAutoFit/>
-          </a:bodyPr>
-          <a:lstStyle/>
-          <a:p>
-            <a:r>
-              <a:rPr lang="ru-RU" dirty="0">
-                <a:solidFill>
-                  <a:srgbClr val="222222"/>
-                </a:solidFill>
-                <a:latin typeface="Roboto"/>
-              </a:rPr>
-              <a:t>Встроенные системы </a:t>
-            </a:r>
-            <a:endParaRPr lang="en-US" dirty="0" smtClean="0">
-              <a:solidFill>
-                <a:srgbClr val="222222"/>
-              </a:solidFill>
-              <a:latin typeface="Roboto"/>
-            </a:endParaRPr>
-          </a:p>
-          <a:p>
-            <a:r>
-              <a:rPr lang="ru-RU" dirty="0" smtClean="0">
-                <a:solidFill>
-                  <a:srgbClr val="222222"/>
-                </a:solidFill>
-                <a:latin typeface="Roboto"/>
-              </a:rPr>
-              <a:t>(</a:t>
-            </a:r>
-            <a:r>
-              <a:rPr lang="en-US" dirty="0">
-                <a:solidFill>
-                  <a:srgbClr val="222222"/>
-                </a:solidFill>
-                <a:latin typeface="Roboto"/>
-              </a:rPr>
-              <a:t>embedded systems)</a:t>
-            </a:r>
-            <a:endParaRPr lang="en-US" b="0" i="0" dirty="0">
-              <a:solidFill>
-                <a:srgbClr val="222222"/>
-              </a:solidFill>
-              <a:effectLst/>
-              <a:latin typeface="Roboto"/>
-            </a:endParaRPr>
-          </a:p>
-        </p:txBody>
-      </p:sp>
-      <p:sp>
-        <p:nvSpPr>
-          <p:cNvPr id="7" name="Прямоугольник 6"/>
-          <p:cNvSpPr/>
-          <p:nvPr/>
-        </p:nvSpPr>
-        <p:spPr>
-          <a:xfrm>
-            <a:off x="5159896" y="5949280"/>
-            <a:ext cx="2888996" cy="646331"/>
-          </a:xfrm>
-          <a:prstGeom prst="rect">
-            <a:avLst/>
-          </a:prstGeom>
-        </p:spPr>
-        <p:txBody>
-          <a:bodyPr wrap="none">
-            <a:spAutoFit/>
-          </a:bodyPr>
-          <a:lstStyle/>
-          <a:p>
-            <a:pPr algn="ctr"/>
-            <a:r>
-              <a:rPr lang="ru-RU" dirty="0">
-                <a:solidFill>
-                  <a:srgbClr val="222222"/>
-                </a:solidFill>
-                <a:latin typeface="Roboto"/>
-              </a:rPr>
-              <a:t>Разработка прикладного </a:t>
-            </a:r>
-            <a:endParaRPr lang="en-US" dirty="0" smtClean="0">
-              <a:solidFill>
-                <a:srgbClr val="222222"/>
-              </a:solidFill>
-              <a:latin typeface="Roboto"/>
-            </a:endParaRPr>
-          </a:p>
-          <a:p>
-            <a:r>
-              <a:rPr lang="ru-RU" dirty="0" smtClean="0">
-                <a:solidFill>
-                  <a:srgbClr val="222222"/>
-                </a:solidFill>
-                <a:latin typeface="Roboto"/>
-              </a:rPr>
-              <a:t>ПО</a:t>
-            </a:r>
-            <a:r>
-              <a:rPr lang="ru-RU" dirty="0">
-                <a:solidFill>
-                  <a:srgbClr val="222222"/>
-                </a:solidFill>
-                <a:latin typeface="Roboto"/>
-              </a:rPr>
-              <a:t>, в том числе игр</a:t>
-            </a:r>
-            <a:endParaRPr lang="ru-RU" b="0" i="0" dirty="0">
-              <a:solidFill>
-                <a:srgbClr val="222222"/>
-              </a:solidFill>
-              <a:effectLst/>
-              <a:latin typeface="Roboto"/>
-            </a:endParaRPr>
-          </a:p>
-        </p:txBody>
-      </p:sp>
-      <p:sp>
-        <p:nvSpPr>
-          <p:cNvPr id="8" name="Прямоугольник 7"/>
-          <p:cNvSpPr/>
-          <p:nvPr/>
-        </p:nvSpPr>
-        <p:spPr>
-          <a:xfrm>
-            <a:off x="9306966" y="5172252"/>
-            <a:ext cx="1695079" cy="646331"/>
-          </a:xfrm>
-          <a:prstGeom prst="rect">
-            <a:avLst/>
-          </a:prstGeom>
-        </p:spPr>
-        <p:txBody>
-          <a:bodyPr wrap="none">
-            <a:spAutoFit/>
-          </a:bodyPr>
-          <a:lstStyle/>
-          <a:p>
-            <a:pPr algn="ctr"/>
-            <a:r>
-              <a:rPr lang="ru-RU" dirty="0">
-                <a:solidFill>
-                  <a:srgbClr val="222222"/>
-                </a:solidFill>
-                <a:latin typeface="Roboto"/>
-              </a:rPr>
-              <a:t>Научные </a:t>
-            </a:r>
-            <a:endParaRPr lang="en-US" dirty="0" smtClean="0">
-              <a:solidFill>
-                <a:srgbClr val="222222"/>
-              </a:solidFill>
-              <a:latin typeface="Roboto"/>
-            </a:endParaRPr>
-          </a:p>
-          <a:p>
-            <a:r>
-              <a:rPr lang="ru-RU" dirty="0" smtClean="0">
-                <a:solidFill>
-                  <a:srgbClr val="222222"/>
-                </a:solidFill>
-                <a:latin typeface="Roboto"/>
-              </a:rPr>
-              <a:t>исследования</a:t>
-            </a:r>
-            <a:endParaRPr lang="ru-RU" b="0" i="0" dirty="0">
-              <a:solidFill>
-                <a:srgbClr val="222222"/>
-              </a:solidFill>
-              <a:effectLst/>
-              <a:latin typeface="Roboto"/>
-            </a:endParaRPr>
-          </a:p>
-        </p:txBody>
-      </p:sp>
-      <p:sp>
-        <p:nvSpPr>
-          <p:cNvPr id="9" name="Прямоугольник 8"/>
-          <p:cNvSpPr/>
-          <p:nvPr/>
-        </p:nvSpPr>
-        <p:spPr>
-          <a:xfrm>
-            <a:off x="5701823" y="3189558"/>
-            <a:ext cx="1680781" cy="369332"/>
-          </a:xfrm>
-          <a:prstGeom prst="rect">
-            <a:avLst/>
-          </a:prstGeom>
-        </p:spPr>
-        <p:txBody>
-          <a:bodyPr wrap="none">
-            <a:spAutoFit/>
-          </a:bodyPr>
-          <a:lstStyle/>
-          <a:p>
-            <a:r>
-              <a:rPr lang="ru-RU" dirty="0" smtClean="0">
-                <a:solidFill>
-                  <a:srgbClr val="222222"/>
-                </a:solidFill>
-                <a:latin typeface="Roboto"/>
-              </a:rPr>
-              <a:t>Тестирование</a:t>
-            </a:r>
-            <a:endParaRPr lang="ru-RU" b="0" i="0" dirty="0">
-              <a:solidFill>
-                <a:srgbClr val="222222"/>
-              </a:solidFill>
-              <a:effectLst/>
-              <a:latin typeface="Roboto"/>
-            </a:endParaRPr>
-          </a:p>
-        </p:txBody>
-      </p:sp>
-      <p:pic>
-        <p:nvPicPr>
-          <p:cNvPr id="1026" name="Picture 2" descr="Похожее изображение"/>
-          <p:cNvPicPr>
-            <a:picLocks noChangeAspect="1" noChangeArrowheads="1"/>
-          </p:cNvPicPr>
-          <p:nvPr/>
-        </p:nvPicPr>
-        <p:blipFill>
-          <a:blip r:embed="rId2" cstate="print">
-            <a:extLst>
-              <a:ext uri="{28A0092B-C50C-407E-A947-70E740481C1C}">
-                <a14:useLocalDpi xmlns:a14="http://schemas.microsoft.com/office/drawing/2010/main" val="0"/>
-              </a:ext>
-            </a:extLst>
-          </a:blip>
-          <a:srcRect/>
-          <a:stretch>
-            <a:fillRect/>
-          </a:stretch>
-        </p:blipFill>
-        <p:spPr bwMode="auto">
-          <a:xfrm>
-            <a:off x="2135560" y="1530974"/>
-            <a:ext cx="1371302" cy="1472179"/>
-          </a:xfrm>
-          <a:prstGeom prst="rect">
-            <a:avLst/>
-          </a:prstGeom>
-          <a:noFill/>
-          <a:extLst>
-            <a:ext uri="{909E8E84-426E-40DD-AFC4-6F175D3DCCD1}">
-              <a14:hiddenFill xmlns:a14="http://schemas.microsoft.com/office/drawing/2010/main">
-                <a:solidFill>
-                  <a:srgbClr val="FFFFFF"/>
-                </a:solidFill>
-              </a14:hiddenFill>
-            </a:ext>
-          </a:extLst>
-        </p:spPr>
-      </p:pic>
-      <p:pic>
-        <p:nvPicPr>
-          <p:cNvPr id="1028" name="Picture 4" descr="Картинки по запросу Встроенные системы python"/>
-          <p:cNvPicPr>
-            <a:picLocks noChangeAspect="1" noChangeArrowheads="1"/>
-          </p:cNvPicPr>
-          <p:nvPr/>
-        </p:nvPicPr>
-        <p:blipFill>
-          <a:blip r:embed="rId3">
-            <a:extLst>
-              <a:ext uri="{28A0092B-C50C-407E-A947-70E740481C1C}">
-                <a14:useLocalDpi xmlns:a14="http://schemas.microsoft.com/office/drawing/2010/main" val="0"/>
-              </a:ext>
-            </a:extLst>
-          </a:blip>
-          <a:srcRect/>
-          <a:stretch>
-            <a:fillRect/>
-          </a:stretch>
-        </p:blipFill>
-        <p:spPr bwMode="auto">
-          <a:xfrm>
-            <a:off x="2156272" y="4005064"/>
-            <a:ext cx="1515318" cy="1109811"/>
-          </a:xfrm>
-          <a:prstGeom prst="rect">
-            <a:avLst/>
-          </a:prstGeom>
-          <a:noFill/>
-          <a:extLst>
-            <a:ext uri="{909E8E84-426E-40DD-AFC4-6F175D3DCCD1}">
-              <a14:hiddenFill xmlns:a14="http://schemas.microsoft.com/office/drawing/2010/main">
-                <a:solidFill>
-                  <a:srgbClr val="FFFFFF"/>
-                </a:solidFill>
-              </a14:hiddenFill>
-            </a:ext>
-          </a:extLst>
-        </p:spPr>
-      </p:pic>
-      <p:pic>
-        <p:nvPicPr>
-          <p:cNvPr id="1030" name="Picture 6" descr="Картинки по запросу разработка игр python"/>
-          <p:cNvPicPr>
-            <a:picLocks noChangeAspect="1" noChangeArrowheads="1"/>
-          </p:cNvPicPr>
-          <p:nvPr/>
-        </p:nvPicPr>
-        <p:blipFill>
-          <a:blip r:embed="rId4" cstate="print">
-            <a:extLst>
-              <a:ext uri="{28A0092B-C50C-407E-A947-70E740481C1C}">
-                <a14:useLocalDpi xmlns:a14="http://schemas.microsoft.com/office/drawing/2010/main" val="0"/>
-              </a:ext>
-            </a:extLst>
-          </a:blip>
-          <a:srcRect/>
-          <a:stretch>
-            <a:fillRect/>
-          </a:stretch>
-        </p:blipFill>
-        <p:spPr bwMode="auto">
-          <a:xfrm>
-            <a:off x="5519936" y="4435050"/>
-            <a:ext cx="2044557" cy="1444283"/>
-          </a:xfrm>
-          <a:prstGeom prst="rect">
-            <a:avLst/>
-          </a:prstGeom>
-          <a:noFill/>
-          <a:extLst>
-            <a:ext uri="{909E8E84-426E-40DD-AFC4-6F175D3DCCD1}">
-              <a14:hiddenFill xmlns:a14="http://schemas.microsoft.com/office/drawing/2010/main">
-                <a:solidFill>
-                  <a:srgbClr val="FFFFFF"/>
-                </a:solidFill>
-              </a14:hiddenFill>
-            </a:ext>
-          </a:extLst>
-        </p:spPr>
-      </p:pic>
-      <p:pic>
-        <p:nvPicPr>
-          <p:cNvPr id="10" name="Рисунок 9"/>
-          <p:cNvPicPr>
-            <a:picLocks noChangeAspect="1"/>
-          </p:cNvPicPr>
-          <p:nvPr/>
-        </p:nvPicPr>
-        <p:blipFill>
-          <a:blip r:embed="rId5"/>
-          <a:stretch>
-            <a:fillRect/>
-          </a:stretch>
-        </p:blipFill>
-        <p:spPr>
-          <a:xfrm>
-            <a:off x="8970411" y="4060206"/>
-            <a:ext cx="2246788" cy="1112046"/>
-          </a:xfrm>
-          <a:prstGeom prst="rect">
-            <a:avLst/>
-          </a:prstGeom>
-        </p:spPr>
-      </p:pic>
-      <p:pic>
-        <p:nvPicPr>
-          <p:cNvPr id="11" name="Рисунок 10"/>
-          <p:cNvPicPr>
-            <a:picLocks noChangeAspect="1"/>
-          </p:cNvPicPr>
-          <p:nvPr/>
-        </p:nvPicPr>
-        <p:blipFill rotWithShape="1">
-          <a:blip r:embed="rId6"/>
-          <a:srcRect t="38333" r="16843"/>
-          <a:stretch/>
-        </p:blipFill>
-        <p:spPr>
-          <a:xfrm>
-            <a:off x="9192344" y="1417638"/>
-            <a:ext cx="1488852" cy="1452738"/>
-          </a:xfrm>
-          <a:prstGeom prst="rect">
-            <a:avLst/>
-          </a:prstGeom>
-        </p:spPr>
-      </p:pic>
-      <p:pic>
-        <p:nvPicPr>
-          <p:cNvPr id="12" name="Рисунок 11"/>
-          <p:cNvPicPr>
-            <a:picLocks noChangeAspect="1"/>
-          </p:cNvPicPr>
-          <p:nvPr/>
-        </p:nvPicPr>
-        <p:blipFill>
-          <a:blip r:embed="rId7"/>
-          <a:stretch>
-            <a:fillRect/>
-          </a:stretch>
-        </p:blipFill>
-        <p:spPr>
-          <a:xfrm>
-            <a:off x="5656935" y="1441171"/>
-            <a:ext cx="1770556" cy="1744454"/>
-          </a:xfrm>
-          <a:prstGeom prst="rect">
-            <a:avLst/>
-          </a:prstGeom>
-        </p:spPr>
-      </p:pic>
     </p:spTree>
     <p:extLst>
       <p:ext uri="{BB962C8B-B14F-4D97-AF65-F5344CB8AC3E}">
-        <p14:creationId xmlns:p14="http://schemas.microsoft.com/office/powerpoint/2010/main" val="2611980818"/>
+        <p14:creationId xmlns:p14="http://schemas.microsoft.com/office/powerpoint/2010/main" val="2436841611"/>
       </p:ext>
     </p:extLst>
   </p:cSld>
   <p:clrMapOvr>
     <a:masterClrMapping/>
   </p:clrMapOvr>
-  <mc:AlternateContent xmlns:mc="http://schemas.openxmlformats.org/markup-compatibility/2006" xmlns:p14="http://schemas.microsoft.com/office/powerpoint/2010/main">
-    <mc:Choice Requires="p14">
-      <p:transition spd="slow" p14:dur="2000"/>
-    </mc:Choice>
-    <mc:Fallback xmlns="">
-      <p:transition spd="slow"/>
-    </mc:Fallback>
-  </mc:AlternateContent>
-  <p:timing>
-    <p:tnLst>
-      <p:par>
-        <p:cTn id="1" dur="indefinite" restart="never" nodeType="tmRoot">
-          <p:childTnLst>
-            <p:seq concurrent="1" nextAc="seek">
-              <p:cTn id="2" dur="indefinite" nodeType="mainSeq">
-                <p:childTnLst>
-                  <p:par>
-                    <p:cTn id="3" fill="hold">
-                      <p:stCondLst>
-                        <p:cond delay="indefinite"/>
-                      </p:stCondLst>
-                      <p:childTnLst>
-                        <p:par>
-                          <p:cTn id="4" fill="hold">
-                            <p:stCondLst>
-                              <p:cond delay="0"/>
-                            </p:stCondLst>
-                            <p:childTnLst>
-                              <p:par>
-                                <p:cTn id="5" presetID="1" presetClass="entr" presetSubtype="0" fill="hold" grpId="0" nodeType="clickEffect">
-                                  <p:stCondLst>
-                                    <p:cond delay="0"/>
-                                  </p:stCondLst>
-                                  <p:childTnLst>
-                                    <p:set>
-                                      <p:cBhvr>
-                                        <p:cTn id="6" dur="1" fill="hold">
-                                          <p:stCondLst>
-                                            <p:cond delay="0"/>
-                                          </p:stCondLst>
-                                        </p:cTn>
-                                        <p:tgtEl>
-                                          <p:spTgt spid="4"/>
-                                        </p:tgtEl>
-                                        <p:attrNameLst>
-                                          <p:attrName>style.visibility</p:attrName>
-                                        </p:attrNameLst>
-                                      </p:cBhvr>
-                                      <p:to>
-                                        <p:strVal val="visible"/>
-                                      </p:to>
-                                    </p:set>
-                                  </p:childTnLst>
-                                </p:cTn>
-                              </p:par>
-                              <p:par>
-                                <p:cTn id="7" presetID="1" presetClass="entr" presetSubtype="0" fill="hold" nodeType="withEffect">
-                                  <p:stCondLst>
-                                    <p:cond delay="0"/>
-                                  </p:stCondLst>
-                                  <p:childTnLst>
-                                    <p:set>
-                                      <p:cBhvr>
-                                        <p:cTn id="8" dur="1" fill="hold">
-                                          <p:stCondLst>
-                                            <p:cond delay="0"/>
-                                          </p:stCondLst>
-                                        </p:cTn>
-                                        <p:tgtEl>
-                                          <p:spTgt spid="1026"/>
-                                        </p:tgtEl>
-                                        <p:attrNameLst>
-                                          <p:attrName>style.visibility</p:attrName>
-                                        </p:attrNameLst>
-                                      </p:cBhvr>
-                                      <p:to>
-                                        <p:strVal val="visible"/>
-                                      </p:to>
-                                    </p:set>
-                                  </p:childTnLst>
-                                </p:cTn>
-                              </p:par>
-                            </p:childTnLst>
-                          </p:cTn>
-                        </p:par>
-                      </p:childTnLst>
-                    </p:cTn>
-                  </p:par>
-                  <p:par>
-                    <p:cTn id="9" fill="hold">
-                      <p:stCondLst>
-                        <p:cond delay="indefinite"/>
-                      </p:stCondLst>
-                      <p:childTnLst>
-                        <p:par>
-                          <p:cTn id="10" fill="hold">
-                            <p:stCondLst>
-                              <p:cond delay="0"/>
-                            </p:stCondLst>
-                            <p:childTnLst>
-                              <p:par>
-                                <p:cTn id="11" presetID="1" presetClass="entr" presetSubtype="0" fill="hold" grpId="0" nodeType="clickEffect">
-                                  <p:stCondLst>
-                                    <p:cond delay="0"/>
-                                  </p:stCondLst>
-                                  <p:childTnLst>
-                                    <p:set>
-                                      <p:cBhvr>
-                                        <p:cTn id="12" dur="1" fill="hold">
-                                          <p:stCondLst>
-                                            <p:cond delay="0"/>
-                                          </p:stCondLst>
-                                        </p:cTn>
-                                        <p:tgtEl>
-                                          <p:spTgt spid="6"/>
-                                        </p:tgtEl>
-                                        <p:attrNameLst>
-                                          <p:attrName>style.visibility</p:attrName>
-                                        </p:attrNameLst>
-                                      </p:cBhvr>
-                                      <p:to>
-                                        <p:strVal val="visible"/>
-                                      </p:to>
-                                    </p:set>
-                                  </p:childTnLst>
-                                </p:cTn>
-                              </p:par>
-                              <p:par>
-                                <p:cTn id="13" presetID="1" presetClass="entr" presetSubtype="0" fill="hold" nodeType="withEffect">
-                                  <p:stCondLst>
-                                    <p:cond delay="0"/>
-                                  </p:stCondLst>
-                                  <p:childTnLst>
-                                    <p:set>
-                                      <p:cBhvr>
-                                        <p:cTn id="14" dur="1" fill="hold">
-                                          <p:stCondLst>
-                                            <p:cond delay="0"/>
-                                          </p:stCondLst>
-                                        </p:cTn>
-                                        <p:tgtEl>
-                                          <p:spTgt spid="1028"/>
-                                        </p:tgtEl>
-                                        <p:attrNameLst>
-                                          <p:attrName>style.visibility</p:attrName>
-                                        </p:attrNameLst>
-                                      </p:cBhvr>
-                                      <p:to>
-                                        <p:strVal val="visible"/>
-                                      </p:to>
-                                    </p:set>
-                                  </p:childTnLst>
-                                </p:cTn>
-                              </p:par>
-                            </p:childTnLst>
-                          </p:cTn>
-                        </p:par>
-                      </p:childTnLst>
-                    </p:cTn>
-                  </p:par>
-                  <p:par>
-                    <p:cTn id="15" fill="hold">
-                      <p:stCondLst>
-                        <p:cond delay="indefinite"/>
-                      </p:stCondLst>
-                      <p:childTnLst>
-                        <p:par>
-                          <p:cTn id="16" fill="hold">
-                            <p:stCondLst>
-                              <p:cond delay="0"/>
-                            </p:stCondLst>
-                            <p:childTnLst>
-                              <p:par>
-                                <p:cTn id="17" presetID="1" presetClass="entr" presetSubtype="0" fill="hold" grpId="0" nodeType="clickEffect">
-                                  <p:stCondLst>
-                                    <p:cond delay="0"/>
-                                  </p:stCondLst>
-                                  <p:childTnLst>
-                                    <p:set>
-                                      <p:cBhvr>
-                                        <p:cTn id="18" dur="1" fill="hold">
-                                          <p:stCondLst>
-                                            <p:cond delay="0"/>
-                                          </p:stCondLst>
-                                        </p:cTn>
-                                        <p:tgtEl>
-                                          <p:spTgt spid="9"/>
-                                        </p:tgtEl>
-                                        <p:attrNameLst>
-                                          <p:attrName>style.visibility</p:attrName>
-                                        </p:attrNameLst>
-                                      </p:cBhvr>
-                                      <p:to>
-                                        <p:strVal val="visible"/>
-                                      </p:to>
-                                    </p:set>
-                                  </p:childTnLst>
-                                </p:cTn>
-                              </p:par>
-                              <p:par>
-                                <p:cTn id="19" presetID="1" presetClass="entr" presetSubtype="0" fill="hold" nodeType="withEffect">
-                                  <p:stCondLst>
-                                    <p:cond delay="0"/>
-                                  </p:stCondLst>
-                                  <p:childTnLst>
-                                    <p:set>
-                                      <p:cBhvr>
-                                        <p:cTn id="20" dur="1" fill="hold">
-                                          <p:stCondLst>
-                                            <p:cond delay="0"/>
-                                          </p:stCondLst>
-                                        </p:cTn>
-                                        <p:tgtEl>
-                                          <p:spTgt spid="12"/>
-                                        </p:tgtEl>
-                                        <p:attrNameLst>
-                                          <p:attrName>style.visibility</p:attrName>
-                                        </p:attrNameLst>
-                                      </p:cBhvr>
-                                      <p:to>
-                                        <p:strVal val="visible"/>
-                                      </p:to>
-                                    </p:set>
-                                  </p:childTnLst>
-                                </p:cTn>
-                              </p:par>
-                            </p:childTnLst>
-                          </p:cTn>
-                        </p:par>
-                      </p:childTnLst>
-                    </p:cTn>
-                  </p:par>
-                  <p:par>
-                    <p:cTn id="21" fill="hold">
-                      <p:stCondLst>
-                        <p:cond delay="indefinite"/>
-                      </p:stCondLst>
-                      <p:childTnLst>
-                        <p:par>
-                          <p:cTn id="22" fill="hold">
-                            <p:stCondLst>
-                              <p:cond delay="0"/>
-                            </p:stCondLst>
-                            <p:childTnLst>
-                              <p:par>
-                                <p:cTn id="23" presetID="1" presetClass="entr" presetSubtype="0" fill="hold" grpId="0" nodeType="clickEffect">
-                                  <p:stCondLst>
-                                    <p:cond delay="0"/>
-                                  </p:stCondLst>
-                                  <p:childTnLst>
-                                    <p:set>
-                                      <p:cBhvr>
-                                        <p:cTn id="24" dur="1" fill="hold">
-                                          <p:stCondLst>
-                                            <p:cond delay="0"/>
-                                          </p:stCondLst>
-                                        </p:cTn>
-                                        <p:tgtEl>
-                                          <p:spTgt spid="7"/>
-                                        </p:tgtEl>
-                                        <p:attrNameLst>
-                                          <p:attrName>style.visibility</p:attrName>
-                                        </p:attrNameLst>
-                                      </p:cBhvr>
-                                      <p:to>
-                                        <p:strVal val="visible"/>
-                                      </p:to>
-                                    </p:set>
-                                  </p:childTnLst>
-                                </p:cTn>
-                              </p:par>
-                              <p:par>
-                                <p:cTn id="25" presetID="1" presetClass="entr" presetSubtype="0" fill="hold" nodeType="withEffect">
-                                  <p:stCondLst>
-                                    <p:cond delay="0"/>
-                                  </p:stCondLst>
-                                  <p:childTnLst>
-                                    <p:set>
-                                      <p:cBhvr>
-                                        <p:cTn id="26" dur="1" fill="hold">
-                                          <p:stCondLst>
-                                            <p:cond delay="0"/>
-                                          </p:stCondLst>
-                                        </p:cTn>
-                                        <p:tgtEl>
-                                          <p:spTgt spid="1030"/>
-                                        </p:tgtEl>
-                                        <p:attrNameLst>
-                                          <p:attrName>style.visibility</p:attrName>
-                                        </p:attrNameLst>
-                                      </p:cBhvr>
-                                      <p:to>
-                                        <p:strVal val="visible"/>
-                                      </p:to>
-                                    </p:set>
-                                  </p:childTnLst>
-                                </p:cTn>
-                              </p:par>
-                            </p:childTnLst>
-                          </p:cTn>
-                        </p:par>
-                      </p:childTnLst>
-                    </p:cTn>
-                  </p:par>
-                  <p:par>
-                    <p:cTn id="27" fill="hold">
-                      <p:stCondLst>
-                        <p:cond delay="indefinite"/>
-                      </p:stCondLst>
-                      <p:childTnLst>
-                        <p:par>
-                          <p:cTn id="28" fill="hold">
-                            <p:stCondLst>
-                              <p:cond delay="0"/>
-                            </p:stCondLst>
-                            <p:childTnLst>
-                              <p:par>
-                                <p:cTn id="29" presetID="10" presetClass="entr" presetSubtype="0" fill="hold" grpId="0" nodeType="clickEffect">
-                                  <p:stCondLst>
-                                    <p:cond delay="0"/>
-                                  </p:stCondLst>
-                                  <p:childTnLst>
-                                    <p:set>
-                                      <p:cBhvr>
-                                        <p:cTn id="30" dur="1" fill="hold">
-                                          <p:stCondLst>
-                                            <p:cond delay="0"/>
-                                          </p:stCondLst>
-                                        </p:cTn>
-                                        <p:tgtEl>
-                                          <p:spTgt spid="5"/>
-                                        </p:tgtEl>
-                                        <p:attrNameLst>
-                                          <p:attrName>style.visibility</p:attrName>
-                                        </p:attrNameLst>
-                                      </p:cBhvr>
-                                      <p:to>
-                                        <p:strVal val="visible"/>
-                                      </p:to>
-                                    </p:set>
-                                    <p:animEffect transition="in" filter="fade">
-                                      <p:cBhvr>
-                                        <p:cTn id="31" dur="500"/>
-                                        <p:tgtEl>
-                                          <p:spTgt spid="5"/>
-                                        </p:tgtEl>
-                                      </p:cBhvr>
-                                    </p:animEffect>
-                                  </p:childTnLst>
-                                </p:cTn>
-                              </p:par>
-                              <p:par>
-                                <p:cTn id="32" presetID="10" presetClass="entr" presetSubtype="0" fill="hold" nodeType="withEffect">
-                                  <p:stCondLst>
-                                    <p:cond delay="0"/>
-                                  </p:stCondLst>
-                                  <p:childTnLst>
-                                    <p:set>
-                                      <p:cBhvr>
-                                        <p:cTn id="33" dur="1" fill="hold">
-                                          <p:stCondLst>
-                                            <p:cond delay="0"/>
-                                          </p:stCondLst>
-                                        </p:cTn>
-                                        <p:tgtEl>
-                                          <p:spTgt spid="11"/>
-                                        </p:tgtEl>
-                                        <p:attrNameLst>
-                                          <p:attrName>style.visibility</p:attrName>
-                                        </p:attrNameLst>
-                                      </p:cBhvr>
-                                      <p:to>
-                                        <p:strVal val="visible"/>
-                                      </p:to>
-                                    </p:set>
-                                    <p:animEffect transition="in" filter="fade">
-                                      <p:cBhvr>
-                                        <p:cTn id="34" dur="500"/>
-                                        <p:tgtEl>
-                                          <p:spTgt spid="11"/>
-                                        </p:tgtEl>
-                                      </p:cBhvr>
-                                    </p:animEffect>
-                                  </p:childTnLst>
-                                </p:cTn>
-                              </p:par>
-                            </p:childTnLst>
-                          </p:cTn>
-                        </p:par>
-                      </p:childTnLst>
-                    </p:cTn>
-                  </p:par>
-                  <p:par>
-                    <p:cTn id="35" fill="hold">
-                      <p:stCondLst>
-                        <p:cond delay="indefinite"/>
-                      </p:stCondLst>
-                      <p:childTnLst>
-                        <p:par>
-                          <p:cTn id="36" fill="hold">
-                            <p:stCondLst>
-                              <p:cond delay="0"/>
-                            </p:stCondLst>
-                            <p:childTnLst>
-                              <p:par>
-                                <p:cTn id="37" presetID="1" presetClass="entr" presetSubtype="0" fill="hold" grpId="0" nodeType="clickEffect">
-                                  <p:stCondLst>
-                                    <p:cond delay="0"/>
-                                  </p:stCondLst>
-                                  <p:childTnLst>
-                                    <p:set>
-                                      <p:cBhvr>
-                                        <p:cTn id="38" dur="1" fill="hold">
-                                          <p:stCondLst>
-                                            <p:cond delay="0"/>
-                                          </p:stCondLst>
-                                        </p:cTn>
-                                        <p:tgtEl>
-                                          <p:spTgt spid="8"/>
-                                        </p:tgtEl>
-                                        <p:attrNameLst>
-                                          <p:attrName>style.visibility</p:attrName>
-                                        </p:attrNameLst>
-                                      </p:cBhvr>
-                                      <p:to>
-                                        <p:strVal val="visible"/>
-                                      </p:to>
-                                    </p:set>
-                                  </p:childTnLst>
-                                </p:cTn>
-                              </p:par>
-                              <p:par>
-                                <p:cTn id="39" presetID="1" presetClass="entr" presetSubtype="0" fill="hold" nodeType="withEffect">
-                                  <p:stCondLst>
-                                    <p:cond delay="0"/>
-                                  </p:stCondLst>
-                                  <p:childTnLst>
-                                    <p:set>
-                                      <p:cBhvr>
-                                        <p:cTn id="40" dur="1" fill="hold">
-                                          <p:stCondLst>
-                                            <p:cond delay="0"/>
-                                          </p:stCondLst>
-                                        </p:cTn>
-                                        <p:tgtEl>
-                                          <p:spTgt spid="10"/>
-                                        </p:tgtEl>
-                                        <p:attrNameLst>
-                                          <p:attrName>style.visibility</p:attrName>
-                                        </p:attrNameLst>
-                                      </p:cBhvr>
-                                      <p:to>
-                                        <p:strVal val="visible"/>
-                                      </p:to>
-                                    </p:set>
-                                  </p:childTnLst>
-                                </p:cTn>
-                              </p:par>
-                            </p:childTnLst>
-                          </p:cTn>
-                        </p:par>
-                      </p:childTnLst>
-                    </p:cTn>
-                  </p:par>
-                </p:childTnLst>
-              </p:cTn>
-              <p:prevCondLst>
-                <p:cond evt="onPrev" delay="0">
-                  <p:tgtEl>
-                    <p:sldTgt/>
-                  </p:tgtEl>
-                </p:cond>
-              </p:prevCondLst>
-              <p:nextCondLst>
-                <p:cond evt="onNext" delay="0">
-                  <p:tgtEl>
-                    <p:sldTgt/>
-                  </p:tgtEl>
-                </p:cond>
-              </p:nextCondLst>
-            </p:seq>
-          </p:childTnLst>
-        </p:cTn>
-      </p:par>
-    </p:tnLst>
-    <p:bldLst>
-      <p:bldP spid="4" grpId="0"/>
-      <p:bldP spid="5" grpId="0"/>
-      <p:bldP spid="6" grpId="0"/>
-      <p:bldP spid="7" grpId="0"/>
-      <p:bldP spid="8" grpId="0"/>
-      <p:bldP spid="9" grpId="0"/>
-    </p:bldLst>
-  </p:timing>
 </p:sld>
 </file>
 
@@ -5686,7 +4705,7 @@
       </p:grpSpPr>
       <p:sp>
         <p:nvSpPr>
-          <p:cNvPr id="2" name="Название 1"/>
+          <p:cNvPr id="2" name="Заголовок 1"/>
           <p:cNvSpPr>
             <a:spLocks noGrp="1"/>
           </p:cNvSpPr>
@@ -5696,1181 +4715,81 @@
         </p:nvSpPr>
         <p:spPr/>
         <p:txBody>
-          <a:bodyPr>
-            <a:normAutofit/>
-          </a:bodyPr>
+          <a:bodyPr/>
           <a:lstStyle/>
           <a:p>
             <a:r>
               <a:rPr lang="ru-RU" dirty="0" smtClean="0"/>
-              <a:t>Шаг 4</a:t>
-            </a:r>
-            <a:r>
-              <a:rPr lang="en-US" dirty="0" smtClean="0"/>
-              <a:t>. </a:t>
-            </a:r>
-            <a:r>
-              <a:rPr lang="ru-RU" dirty="0" smtClean="0"/>
-              <a:t>Изучите </a:t>
-            </a:r>
-            <a:r>
-              <a:rPr lang="ru-RU" dirty="0" err="1" smtClean="0"/>
-              <a:t>фреймворки</a:t>
-            </a:r>
-            <a:r>
-              <a:rPr lang="ru-RU" dirty="0" smtClean="0"/>
-              <a:t> и библиотеки</a:t>
+              <a:t>Установка нужных модулей</a:t>
             </a:r>
             <a:endParaRPr lang="ru-RU" dirty="0"/>
           </a:p>
         </p:txBody>
       </p:sp>
-      <p:pic>
-        <p:nvPicPr>
-          <p:cNvPr id="1026" name="Picture 2" descr="Картинки по запросу django"/>
-          <p:cNvPicPr>
-            <a:picLocks noChangeAspect="1" noChangeArrowheads="1"/>
-          </p:cNvPicPr>
-          <p:nvPr/>
-        </p:nvPicPr>
-        <p:blipFill>
-          <a:blip r:embed="rId2" cstate="print">
-            <a:extLst>
-              <a:ext uri="{28A0092B-C50C-407E-A947-70E740481C1C}">
-                <a14:useLocalDpi xmlns:a14="http://schemas.microsoft.com/office/drawing/2010/main" val="0"/>
-              </a:ext>
-            </a:extLst>
-          </a:blip>
-          <a:srcRect/>
-          <a:stretch>
-            <a:fillRect/>
-          </a:stretch>
-        </p:blipFill>
-        <p:spPr bwMode="auto">
-          <a:xfrm>
-            <a:off x="582860" y="1708768"/>
-            <a:ext cx="3473351" cy="1580375"/>
-          </a:xfrm>
-          <a:prstGeom prst="rect">
-            <a:avLst/>
-          </a:prstGeom>
-          <a:noFill/>
-          <a:extLst>
-            <a:ext uri="{909E8E84-426E-40DD-AFC4-6F175D3DCCD1}">
-              <a14:hiddenFill xmlns:a14="http://schemas.microsoft.com/office/drawing/2010/main">
-                <a:solidFill>
-                  <a:srgbClr val="FFFFFF"/>
-                </a:solidFill>
-              </a14:hiddenFill>
-            </a:ext>
-          </a:extLst>
-        </p:spPr>
-      </p:pic>
-      <p:pic>
-        <p:nvPicPr>
-          <p:cNvPr id="1028" name="Picture 4" descr="Картинки по запросу sqlalchemy"/>
-          <p:cNvPicPr>
-            <a:picLocks noChangeAspect="1" noChangeArrowheads="1"/>
-          </p:cNvPicPr>
-          <p:nvPr/>
-        </p:nvPicPr>
-        <p:blipFill>
-          <a:blip r:embed="rId3">
-            <a:extLst>
-              <a:ext uri="{28A0092B-C50C-407E-A947-70E740481C1C}">
-                <a14:useLocalDpi xmlns:a14="http://schemas.microsoft.com/office/drawing/2010/main" val="0"/>
-              </a:ext>
-            </a:extLst>
-          </a:blip>
-          <a:srcRect/>
-          <a:stretch>
-            <a:fillRect/>
-          </a:stretch>
-        </p:blipFill>
-        <p:spPr bwMode="auto">
-          <a:xfrm>
-            <a:off x="592510" y="3688570"/>
-            <a:ext cx="3473351" cy="731567"/>
-          </a:xfrm>
-          <a:prstGeom prst="rect">
-            <a:avLst/>
-          </a:prstGeom>
-          <a:noFill/>
-          <a:extLst>
-            <a:ext uri="{909E8E84-426E-40DD-AFC4-6F175D3DCCD1}">
-              <a14:hiddenFill xmlns:a14="http://schemas.microsoft.com/office/drawing/2010/main">
-                <a:solidFill>
-                  <a:srgbClr val="FFFFFF"/>
-                </a:solidFill>
-              </a14:hiddenFill>
-            </a:ext>
-          </a:extLst>
-        </p:spPr>
-      </p:pic>
-      <p:pic>
-        <p:nvPicPr>
-          <p:cNvPr id="1030" name="Picture 6" descr="Картинки по запросу flask"/>
-          <p:cNvPicPr>
-            <a:picLocks noChangeAspect="1" noChangeArrowheads="1"/>
-          </p:cNvPicPr>
-          <p:nvPr/>
-        </p:nvPicPr>
-        <p:blipFill>
-          <a:blip r:embed="rId4" cstate="print">
-            <a:extLst>
-              <a:ext uri="{28A0092B-C50C-407E-A947-70E740481C1C}">
-                <a14:useLocalDpi xmlns:a14="http://schemas.microsoft.com/office/drawing/2010/main" val="0"/>
-              </a:ext>
-            </a:extLst>
-          </a:blip>
-          <a:srcRect/>
-          <a:stretch>
-            <a:fillRect/>
-          </a:stretch>
-        </p:blipFill>
-        <p:spPr bwMode="auto">
-          <a:xfrm>
-            <a:off x="4799856" y="1683388"/>
-            <a:ext cx="3396069" cy="1328995"/>
-          </a:xfrm>
-          <a:prstGeom prst="rect">
-            <a:avLst/>
-          </a:prstGeom>
-          <a:noFill/>
-          <a:extLst>
-            <a:ext uri="{909E8E84-426E-40DD-AFC4-6F175D3DCCD1}">
-              <a14:hiddenFill xmlns:a14="http://schemas.microsoft.com/office/drawing/2010/main">
-                <a:solidFill>
-                  <a:srgbClr val="FFFFFF"/>
-                </a:solidFill>
-              </a14:hiddenFill>
-            </a:ext>
-          </a:extLst>
-        </p:spPr>
-      </p:pic>
-      <p:pic>
-        <p:nvPicPr>
-          <p:cNvPr id="1032" name="Picture 8" descr="Картинки по запросу celery python"/>
-          <p:cNvPicPr>
-            <a:picLocks noChangeAspect="1" noChangeArrowheads="1"/>
-          </p:cNvPicPr>
-          <p:nvPr/>
-        </p:nvPicPr>
-        <p:blipFill>
-          <a:blip r:embed="rId5">
-            <a:extLst>
-              <a:ext uri="{28A0092B-C50C-407E-A947-70E740481C1C}">
-                <a14:useLocalDpi xmlns:a14="http://schemas.microsoft.com/office/drawing/2010/main" val="0"/>
-              </a:ext>
-            </a:extLst>
-          </a:blip>
-          <a:srcRect/>
-          <a:stretch>
-            <a:fillRect/>
-          </a:stretch>
-        </p:blipFill>
-        <p:spPr bwMode="auto">
-          <a:xfrm>
-            <a:off x="5237382" y="3411893"/>
-            <a:ext cx="2958543" cy="865188"/>
-          </a:xfrm>
-          <a:prstGeom prst="rect">
-            <a:avLst/>
-          </a:prstGeom>
-          <a:noFill/>
-          <a:extLst>
-            <a:ext uri="{909E8E84-426E-40DD-AFC4-6F175D3DCCD1}">
-              <a14:hiddenFill xmlns:a14="http://schemas.microsoft.com/office/drawing/2010/main">
-                <a:solidFill>
-                  <a:srgbClr val="FFFFFF"/>
-                </a:solidFill>
-              </a14:hiddenFill>
-            </a:ext>
-          </a:extLst>
-        </p:spPr>
-      </p:pic>
-      <p:pic>
-        <p:nvPicPr>
-          <p:cNvPr id="1034" name="Picture 10" descr="Картинки по запросу python tornado"/>
-          <p:cNvPicPr>
-            <a:picLocks noChangeAspect="1" noChangeArrowheads="1"/>
-          </p:cNvPicPr>
-          <p:nvPr/>
-        </p:nvPicPr>
-        <p:blipFill rotWithShape="1">
-          <a:blip r:embed="rId6">
-            <a:extLst>
-              <a:ext uri="{28A0092B-C50C-407E-A947-70E740481C1C}">
-                <a14:useLocalDpi xmlns:a14="http://schemas.microsoft.com/office/drawing/2010/main" val="0"/>
-              </a:ext>
-            </a:extLst>
-          </a:blip>
-          <a:srcRect l="15600" r="18401"/>
-          <a:stretch/>
-        </p:blipFill>
-        <p:spPr bwMode="auto">
-          <a:xfrm>
-            <a:off x="156060" y="4760267"/>
-            <a:ext cx="3960440" cy="1200150"/>
-          </a:xfrm>
-          <a:prstGeom prst="rect">
-            <a:avLst/>
-          </a:prstGeom>
-          <a:noFill/>
-          <a:extLst>
-            <a:ext uri="{909E8E84-426E-40DD-AFC4-6F175D3DCCD1}">
-              <a14:hiddenFill xmlns:a14="http://schemas.microsoft.com/office/drawing/2010/main">
-                <a:solidFill>
-                  <a:srgbClr val="FFFFFF"/>
-                </a:solidFill>
-              </a14:hiddenFill>
-            </a:ext>
-          </a:extLst>
-        </p:spPr>
-      </p:pic>
-      <p:pic>
-        <p:nvPicPr>
-          <p:cNvPr id="5" name="Рисунок 4"/>
-          <p:cNvPicPr>
-            <a:picLocks noChangeAspect="1"/>
-          </p:cNvPicPr>
-          <p:nvPr/>
-        </p:nvPicPr>
-        <p:blipFill>
-          <a:blip r:embed="rId7"/>
-          <a:stretch>
-            <a:fillRect/>
-          </a:stretch>
-        </p:blipFill>
-        <p:spPr>
-          <a:xfrm>
-            <a:off x="9593346" y="1683388"/>
-            <a:ext cx="2278631" cy="2278631"/>
-          </a:xfrm>
-          <a:prstGeom prst="rect">
-            <a:avLst/>
-          </a:prstGeom>
-        </p:spPr>
-      </p:pic>
-      <p:pic>
-        <p:nvPicPr>
-          <p:cNvPr id="1036" name="Picture 12" descr="Картинки по запросу python redis"/>
-          <p:cNvPicPr>
-            <a:picLocks noChangeAspect="1" noChangeArrowheads="1"/>
-          </p:cNvPicPr>
-          <p:nvPr/>
-        </p:nvPicPr>
-        <p:blipFill>
-          <a:blip r:embed="rId8" cstate="print">
-            <a:extLst>
-              <a:ext uri="{28A0092B-C50C-407E-A947-70E740481C1C}">
-                <a14:useLocalDpi xmlns:a14="http://schemas.microsoft.com/office/drawing/2010/main" val="0"/>
-              </a:ext>
-            </a:extLst>
-          </a:blip>
-          <a:srcRect/>
-          <a:stretch>
-            <a:fillRect/>
-          </a:stretch>
-        </p:blipFill>
-        <p:spPr bwMode="auto">
-          <a:xfrm>
-            <a:off x="8846919" y="4271519"/>
-            <a:ext cx="3016420" cy="1006041"/>
-          </a:xfrm>
-          <a:prstGeom prst="rect">
-            <a:avLst/>
-          </a:prstGeom>
-          <a:noFill/>
-          <a:extLst>
-            <a:ext uri="{909E8E84-426E-40DD-AFC4-6F175D3DCCD1}">
-              <a14:hiddenFill xmlns:a14="http://schemas.microsoft.com/office/drawing/2010/main">
-                <a:solidFill>
-                  <a:srgbClr val="FFFFFF"/>
-                </a:solidFill>
-              </a14:hiddenFill>
-            </a:ext>
-          </a:extLst>
-        </p:spPr>
-      </p:pic>
-      <p:pic>
-        <p:nvPicPr>
-          <p:cNvPr id="7" name="Рисунок 6"/>
-          <p:cNvPicPr>
-            <a:picLocks noChangeAspect="1"/>
-          </p:cNvPicPr>
-          <p:nvPr/>
-        </p:nvPicPr>
-        <p:blipFill>
-          <a:blip r:embed="rId9"/>
-          <a:stretch>
-            <a:fillRect/>
-          </a:stretch>
-        </p:blipFill>
-        <p:spPr>
-          <a:xfrm>
-            <a:off x="6960096" y="5120675"/>
-            <a:ext cx="1781838" cy="1579697"/>
-          </a:xfrm>
-          <a:prstGeom prst="rect">
-            <a:avLst/>
-          </a:prstGeom>
-        </p:spPr>
-      </p:pic>
-      <p:pic>
-        <p:nvPicPr>
-          <p:cNvPr id="2050" name="Picture 2" descr="Картинки по запросу html5"/>
-          <p:cNvPicPr>
-            <a:picLocks noChangeAspect="1" noChangeArrowheads="1"/>
-          </p:cNvPicPr>
-          <p:nvPr/>
-        </p:nvPicPr>
-        <p:blipFill>
-          <a:blip r:embed="rId10" cstate="print">
-            <a:extLst>
-              <a:ext uri="{28A0092B-C50C-407E-A947-70E740481C1C}">
-                <a14:useLocalDpi xmlns:a14="http://schemas.microsoft.com/office/drawing/2010/main" val="0"/>
-              </a:ext>
-            </a:extLst>
-          </a:blip>
-          <a:srcRect/>
-          <a:stretch>
-            <a:fillRect/>
-          </a:stretch>
-        </p:blipFill>
-        <p:spPr bwMode="auto">
-          <a:xfrm>
-            <a:off x="4278878" y="4584280"/>
-            <a:ext cx="2345159" cy="2105926"/>
-          </a:xfrm>
-          <a:prstGeom prst="rect">
-            <a:avLst/>
-          </a:prstGeom>
-          <a:noFill/>
-          <a:extLst>
-            <a:ext uri="{909E8E84-426E-40DD-AFC4-6F175D3DCCD1}">
-              <a14:hiddenFill xmlns:a14="http://schemas.microsoft.com/office/drawing/2010/main">
-                <a:solidFill>
-                  <a:srgbClr val="FFFFFF"/>
-                </a:solidFill>
-              </a14:hiddenFill>
-            </a:ext>
-          </a:extLst>
-        </p:spPr>
-      </p:pic>
+      <p:sp>
+        <p:nvSpPr>
+          <p:cNvPr id="3" name="Объект 2"/>
+          <p:cNvSpPr>
+            <a:spLocks noGrp="1"/>
+          </p:cNvSpPr>
+          <p:nvPr>
+            <p:ph idx="1"/>
+          </p:nvPr>
+        </p:nvSpPr>
+        <p:spPr/>
+        <p:txBody>
+          <a:bodyPr/>
+          <a:lstStyle/>
+          <a:p>
+            <a:pPr marL="0" indent="0">
+              <a:buNone/>
+            </a:pPr>
+            <a:endParaRPr lang="ru-RU" dirty="0" smtClean="0"/>
+          </a:p>
+          <a:p>
+            <a:pPr marL="0" indent="0">
+              <a:buNone/>
+            </a:pPr>
+            <a:endParaRPr lang="ru-RU" dirty="0"/>
+          </a:p>
+          <a:p>
+            <a:pPr marL="0" indent="0">
+              <a:buNone/>
+            </a:pPr>
+            <a:r>
+              <a:rPr lang="en-US" dirty="0" smtClean="0">
+                <a:latin typeface="Consolas" panose="020B0609020204030204" pitchFamily="49" charset="0"/>
+              </a:rPr>
+              <a:t>pip </a:t>
+            </a:r>
+            <a:r>
+              <a:rPr lang="en-US" dirty="0">
+                <a:latin typeface="Consolas" panose="020B0609020204030204" pitchFamily="49" charset="0"/>
+              </a:rPr>
+              <a:t>install </a:t>
+            </a:r>
+            <a:r>
+              <a:rPr lang="en-US" dirty="0" err="1">
+                <a:latin typeface="Consolas" panose="020B0609020204030204" pitchFamily="49" charset="0"/>
+              </a:rPr>
+              <a:t>pyTelegramBotAPI</a:t>
+            </a:r>
+            <a:endParaRPr lang="ru-RU" dirty="0">
+              <a:latin typeface="Consolas" panose="020B0609020204030204" pitchFamily="49" charset="0"/>
+            </a:endParaRPr>
+          </a:p>
+        </p:txBody>
+      </p:sp>
     </p:spTree>
     <p:extLst>
       <p:ext uri="{BB962C8B-B14F-4D97-AF65-F5344CB8AC3E}">
-        <p14:creationId xmlns:p14="http://schemas.microsoft.com/office/powerpoint/2010/main" val="2247695221"/>
+        <p14:creationId xmlns:p14="http://schemas.microsoft.com/office/powerpoint/2010/main" val="3217891686"/>
       </p:ext>
     </p:extLst>
   </p:cSld>
   <p:clrMapOvr>
     <a:masterClrMapping/>
   </p:clrMapOvr>
-  <mc:AlternateContent xmlns:mc="http://schemas.openxmlformats.org/markup-compatibility/2006" xmlns:p14="http://schemas.microsoft.com/office/powerpoint/2010/main">
-    <mc:Choice Requires="p14">
-      <p:transition spd="slow" p14:dur="2000"/>
-    </mc:Choice>
-    <mc:Fallback xmlns="">
-      <p:transition spd="slow"/>
-    </mc:Fallback>
-  </mc:AlternateContent>
-  <p:timing>
-    <p:tnLst>
-      <p:par>
-        <p:cTn id="1" dur="indefinite" restart="never" nodeType="tmRoot">
-          <p:childTnLst>
-            <p:seq concurrent="1" nextAc="seek">
-              <p:cTn id="2" dur="indefinite" nodeType="mainSeq">
-                <p:childTnLst>
-                  <p:par>
-                    <p:cTn id="3" fill="hold">
-                      <p:stCondLst>
-                        <p:cond delay="indefinite"/>
-                      </p:stCondLst>
-                      <p:childTnLst>
-                        <p:par>
-                          <p:cTn id="4" fill="hold">
-                            <p:stCondLst>
-                              <p:cond delay="0"/>
-                            </p:stCondLst>
-                            <p:childTnLst>
-                              <p:par>
-                                <p:cTn id="5" presetID="53" presetClass="entr" presetSubtype="16" fill="hold" nodeType="clickEffect">
-                                  <p:stCondLst>
-                                    <p:cond delay="0"/>
-                                  </p:stCondLst>
-                                  <p:childTnLst>
-                                    <p:set>
-                                      <p:cBhvr>
-                                        <p:cTn id="6" dur="1" fill="hold">
-                                          <p:stCondLst>
-                                            <p:cond delay="0"/>
-                                          </p:stCondLst>
-                                        </p:cTn>
-                                        <p:tgtEl>
-                                          <p:spTgt spid="1026"/>
-                                        </p:tgtEl>
-                                        <p:attrNameLst>
-                                          <p:attrName>style.visibility</p:attrName>
-                                        </p:attrNameLst>
-                                      </p:cBhvr>
-                                      <p:to>
-                                        <p:strVal val="visible"/>
-                                      </p:to>
-                                    </p:set>
-                                    <p:anim calcmode="lin" valueType="num">
-                                      <p:cBhvr>
-                                        <p:cTn id="7" dur="500" fill="hold"/>
-                                        <p:tgtEl>
-                                          <p:spTgt spid="1026"/>
-                                        </p:tgtEl>
-                                        <p:attrNameLst>
-                                          <p:attrName>ppt_w</p:attrName>
-                                        </p:attrNameLst>
-                                      </p:cBhvr>
-                                      <p:tavLst>
-                                        <p:tav tm="0">
-                                          <p:val>
-                                            <p:fltVal val="0"/>
-                                          </p:val>
-                                        </p:tav>
-                                        <p:tav tm="100000">
-                                          <p:val>
-                                            <p:strVal val="#ppt_w"/>
-                                          </p:val>
-                                        </p:tav>
-                                      </p:tavLst>
-                                    </p:anim>
-                                    <p:anim calcmode="lin" valueType="num">
-                                      <p:cBhvr>
-                                        <p:cTn id="8" dur="500" fill="hold"/>
-                                        <p:tgtEl>
-                                          <p:spTgt spid="1026"/>
-                                        </p:tgtEl>
-                                        <p:attrNameLst>
-                                          <p:attrName>ppt_h</p:attrName>
-                                        </p:attrNameLst>
-                                      </p:cBhvr>
-                                      <p:tavLst>
-                                        <p:tav tm="0">
-                                          <p:val>
-                                            <p:fltVal val="0"/>
-                                          </p:val>
-                                        </p:tav>
-                                        <p:tav tm="100000">
-                                          <p:val>
-                                            <p:strVal val="#ppt_h"/>
-                                          </p:val>
-                                        </p:tav>
-                                      </p:tavLst>
-                                    </p:anim>
-                                    <p:animEffect transition="in" filter="fade">
-                                      <p:cBhvr>
-                                        <p:cTn id="9" dur="500"/>
-                                        <p:tgtEl>
-                                          <p:spTgt spid="1026"/>
-                                        </p:tgtEl>
-                                      </p:cBhvr>
-                                    </p:animEffect>
-                                  </p:childTnLst>
-                                </p:cTn>
-                              </p:par>
-                              <p:par>
-                                <p:cTn id="10" presetID="53" presetClass="entr" presetSubtype="16" fill="hold" nodeType="withEffect">
-                                  <p:stCondLst>
-                                    <p:cond delay="0"/>
-                                  </p:stCondLst>
-                                  <p:childTnLst>
-                                    <p:set>
-                                      <p:cBhvr>
-                                        <p:cTn id="11" dur="1" fill="hold">
-                                          <p:stCondLst>
-                                            <p:cond delay="0"/>
-                                          </p:stCondLst>
-                                        </p:cTn>
-                                        <p:tgtEl>
-                                          <p:spTgt spid="1028"/>
-                                        </p:tgtEl>
-                                        <p:attrNameLst>
-                                          <p:attrName>style.visibility</p:attrName>
-                                        </p:attrNameLst>
-                                      </p:cBhvr>
-                                      <p:to>
-                                        <p:strVal val="visible"/>
-                                      </p:to>
-                                    </p:set>
-                                    <p:anim calcmode="lin" valueType="num">
-                                      <p:cBhvr>
-                                        <p:cTn id="12" dur="500" fill="hold"/>
-                                        <p:tgtEl>
-                                          <p:spTgt spid="1028"/>
-                                        </p:tgtEl>
-                                        <p:attrNameLst>
-                                          <p:attrName>ppt_w</p:attrName>
-                                        </p:attrNameLst>
-                                      </p:cBhvr>
-                                      <p:tavLst>
-                                        <p:tav tm="0">
-                                          <p:val>
-                                            <p:fltVal val="0"/>
-                                          </p:val>
-                                        </p:tav>
-                                        <p:tav tm="100000">
-                                          <p:val>
-                                            <p:strVal val="#ppt_w"/>
-                                          </p:val>
-                                        </p:tav>
-                                      </p:tavLst>
-                                    </p:anim>
-                                    <p:anim calcmode="lin" valueType="num">
-                                      <p:cBhvr>
-                                        <p:cTn id="13" dur="500" fill="hold"/>
-                                        <p:tgtEl>
-                                          <p:spTgt spid="1028"/>
-                                        </p:tgtEl>
-                                        <p:attrNameLst>
-                                          <p:attrName>ppt_h</p:attrName>
-                                        </p:attrNameLst>
-                                      </p:cBhvr>
-                                      <p:tavLst>
-                                        <p:tav tm="0">
-                                          <p:val>
-                                            <p:fltVal val="0"/>
-                                          </p:val>
-                                        </p:tav>
-                                        <p:tav tm="100000">
-                                          <p:val>
-                                            <p:strVal val="#ppt_h"/>
-                                          </p:val>
-                                        </p:tav>
-                                      </p:tavLst>
-                                    </p:anim>
-                                    <p:animEffect transition="in" filter="fade">
-                                      <p:cBhvr>
-                                        <p:cTn id="14" dur="500"/>
-                                        <p:tgtEl>
-                                          <p:spTgt spid="1028"/>
-                                        </p:tgtEl>
-                                      </p:cBhvr>
-                                    </p:animEffect>
-                                  </p:childTnLst>
-                                </p:cTn>
-                              </p:par>
-                              <p:par>
-                                <p:cTn id="15" presetID="53" presetClass="entr" presetSubtype="16" fill="hold" nodeType="withEffect">
-                                  <p:stCondLst>
-                                    <p:cond delay="0"/>
-                                  </p:stCondLst>
-                                  <p:childTnLst>
-                                    <p:set>
-                                      <p:cBhvr>
-                                        <p:cTn id="16" dur="1" fill="hold">
-                                          <p:stCondLst>
-                                            <p:cond delay="0"/>
-                                          </p:stCondLst>
-                                        </p:cTn>
-                                        <p:tgtEl>
-                                          <p:spTgt spid="1030"/>
-                                        </p:tgtEl>
-                                        <p:attrNameLst>
-                                          <p:attrName>style.visibility</p:attrName>
-                                        </p:attrNameLst>
-                                      </p:cBhvr>
-                                      <p:to>
-                                        <p:strVal val="visible"/>
-                                      </p:to>
-                                    </p:set>
-                                    <p:anim calcmode="lin" valueType="num">
-                                      <p:cBhvr>
-                                        <p:cTn id="17" dur="500" fill="hold"/>
-                                        <p:tgtEl>
-                                          <p:spTgt spid="1030"/>
-                                        </p:tgtEl>
-                                        <p:attrNameLst>
-                                          <p:attrName>ppt_w</p:attrName>
-                                        </p:attrNameLst>
-                                      </p:cBhvr>
-                                      <p:tavLst>
-                                        <p:tav tm="0">
-                                          <p:val>
-                                            <p:fltVal val="0"/>
-                                          </p:val>
-                                        </p:tav>
-                                        <p:tav tm="100000">
-                                          <p:val>
-                                            <p:strVal val="#ppt_w"/>
-                                          </p:val>
-                                        </p:tav>
-                                      </p:tavLst>
-                                    </p:anim>
-                                    <p:anim calcmode="lin" valueType="num">
-                                      <p:cBhvr>
-                                        <p:cTn id="18" dur="500" fill="hold"/>
-                                        <p:tgtEl>
-                                          <p:spTgt spid="1030"/>
-                                        </p:tgtEl>
-                                        <p:attrNameLst>
-                                          <p:attrName>ppt_h</p:attrName>
-                                        </p:attrNameLst>
-                                      </p:cBhvr>
-                                      <p:tavLst>
-                                        <p:tav tm="0">
-                                          <p:val>
-                                            <p:fltVal val="0"/>
-                                          </p:val>
-                                        </p:tav>
-                                        <p:tav tm="100000">
-                                          <p:val>
-                                            <p:strVal val="#ppt_h"/>
-                                          </p:val>
-                                        </p:tav>
-                                      </p:tavLst>
-                                    </p:anim>
-                                    <p:animEffect transition="in" filter="fade">
-                                      <p:cBhvr>
-                                        <p:cTn id="19" dur="500"/>
-                                        <p:tgtEl>
-                                          <p:spTgt spid="1030"/>
-                                        </p:tgtEl>
-                                      </p:cBhvr>
-                                    </p:animEffect>
-                                  </p:childTnLst>
-                                </p:cTn>
-                              </p:par>
-                              <p:par>
-                                <p:cTn id="20" presetID="53" presetClass="entr" presetSubtype="16" fill="hold" nodeType="withEffect">
-                                  <p:stCondLst>
-                                    <p:cond delay="0"/>
-                                  </p:stCondLst>
-                                  <p:childTnLst>
-                                    <p:set>
-                                      <p:cBhvr>
-                                        <p:cTn id="21" dur="1" fill="hold">
-                                          <p:stCondLst>
-                                            <p:cond delay="0"/>
-                                          </p:stCondLst>
-                                        </p:cTn>
-                                        <p:tgtEl>
-                                          <p:spTgt spid="1032"/>
-                                        </p:tgtEl>
-                                        <p:attrNameLst>
-                                          <p:attrName>style.visibility</p:attrName>
-                                        </p:attrNameLst>
-                                      </p:cBhvr>
-                                      <p:to>
-                                        <p:strVal val="visible"/>
-                                      </p:to>
-                                    </p:set>
-                                    <p:anim calcmode="lin" valueType="num">
-                                      <p:cBhvr>
-                                        <p:cTn id="22" dur="500" fill="hold"/>
-                                        <p:tgtEl>
-                                          <p:spTgt spid="1032"/>
-                                        </p:tgtEl>
-                                        <p:attrNameLst>
-                                          <p:attrName>ppt_w</p:attrName>
-                                        </p:attrNameLst>
-                                      </p:cBhvr>
-                                      <p:tavLst>
-                                        <p:tav tm="0">
-                                          <p:val>
-                                            <p:fltVal val="0"/>
-                                          </p:val>
-                                        </p:tav>
-                                        <p:tav tm="100000">
-                                          <p:val>
-                                            <p:strVal val="#ppt_w"/>
-                                          </p:val>
-                                        </p:tav>
-                                      </p:tavLst>
-                                    </p:anim>
-                                    <p:anim calcmode="lin" valueType="num">
-                                      <p:cBhvr>
-                                        <p:cTn id="23" dur="500" fill="hold"/>
-                                        <p:tgtEl>
-                                          <p:spTgt spid="1032"/>
-                                        </p:tgtEl>
-                                        <p:attrNameLst>
-                                          <p:attrName>ppt_h</p:attrName>
-                                        </p:attrNameLst>
-                                      </p:cBhvr>
-                                      <p:tavLst>
-                                        <p:tav tm="0">
-                                          <p:val>
-                                            <p:fltVal val="0"/>
-                                          </p:val>
-                                        </p:tav>
-                                        <p:tav tm="100000">
-                                          <p:val>
-                                            <p:strVal val="#ppt_h"/>
-                                          </p:val>
-                                        </p:tav>
-                                      </p:tavLst>
-                                    </p:anim>
-                                    <p:animEffect transition="in" filter="fade">
-                                      <p:cBhvr>
-                                        <p:cTn id="24" dur="500"/>
-                                        <p:tgtEl>
-                                          <p:spTgt spid="1032"/>
-                                        </p:tgtEl>
-                                      </p:cBhvr>
-                                    </p:animEffect>
-                                  </p:childTnLst>
-                                </p:cTn>
-                              </p:par>
-                              <p:par>
-                                <p:cTn id="25" presetID="53" presetClass="entr" presetSubtype="16" fill="hold" nodeType="withEffect">
-                                  <p:stCondLst>
-                                    <p:cond delay="0"/>
-                                  </p:stCondLst>
-                                  <p:childTnLst>
-                                    <p:set>
-                                      <p:cBhvr>
-                                        <p:cTn id="26" dur="1" fill="hold">
-                                          <p:stCondLst>
-                                            <p:cond delay="0"/>
-                                          </p:stCondLst>
-                                        </p:cTn>
-                                        <p:tgtEl>
-                                          <p:spTgt spid="1034"/>
-                                        </p:tgtEl>
-                                        <p:attrNameLst>
-                                          <p:attrName>style.visibility</p:attrName>
-                                        </p:attrNameLst>
-                                      </p:cBhvr>
-                                      <p:to>
-                                        <p:strVal val="visible"/>
-                                      </p:to>
-                                    </p:set>
-                                    <p:anim calcmode="lin" valueType="num">
-                                      <p:cBhvr>
-                                        <p:cTn id="27" dur="500" fill="hold"/>
-                                        <p:tgtEl>
-                                          <p:spTgt spid="1034"/>
-                                        </p:tgtEl>
-                                        <p:attrNameLst>
-                                          <p:attrName>ppt_w</p:attrName>
-                                        </p:attrNameLst>
-                                      </p:cBhvr>
-                                      <p:tavLst>
-                                        <p:tav tm="0">
-                                          <p:val>
-                                            <p:fltVal val="0"/>
-                                          </p:val>
-                                        </p:tav>
-                                        <p:tav tm="100000">
-                                          <p:val>
-                                            <p:strVal val="#ppt_w"/>
-                                          </p:val>
-                                        </p:tav>
-                                      </p:tavLst>
-                                    </p:anim>
-                                    <p:anim calcmode="lin" valueType="num">
-                                      <p:cBhvr>
-                                        <p:cTn id="28" dur="500" fill="hold"/>
-                                        <p:tgtEl>
-                                          <p:spTgt spid="1034"/>
-                                        </p:tgtEl>
-                                        <p:attrNameLst>
-                                          <p:attrName>ppt_h</p:attrName>
-                                        </p:attrNameLst>
-                                      </p:cBhvr>
-                                      <p:tavLst>
-                                        <p:tav tm="0">
-                                          <p:val>
-                                            <p:fltVal val="0"/>
-                                          </p:val>
-                                        </p:tav>
-                                        <p:tav tm="100000">
-                                          <p:val>
-                                            <p:strVal val="#ppt_h"/>
-                                          </p:val>
-                                        </p:tav>
-                                      </p:tavLst>
-                                    </p:anim>
-                                    <p:animEffect transition="in" filter="fade">
-                                      <p:cBhvr>
-                                        <p:cTn id="29" dur="500"/>
-                                        <p:tgtEl>
-                                          <p:spTgt spid="1034"/>
-                                        </p:tgtEl>
-                                      </p:cBhvr>
-                                    </p:animEffect>
-                                  </p:childTnLst>
-                                </p:cTn>
-                              </p:par>
-                              <p:par>
-                                <p:cTn id="30" presetID="53" presetClass="entr" presetSubtype="16" fill="hold" nodeType="withEffect">
-                                  <p:stCondLst>
-                                    <p:cond delay="0"/>
-                                  </p:stCondLst>
-                                  <p:childTnLst>
-                                    <p:set>
-                                      <p:cBhvr>
-                                        <p:cTn id="31" dur="1" fill="hold">
-                                          <p:stCondLst>
-                                            <p:cond delay="0"/>
-                                          </p:stCondLst>
-                                        </p:cTn>
-                                        <p:tgtEl>
-                                          <p:spTgt spid="5"/>
-                                        </p:tgtEl>
-                                        <p:attrNameLst>
-                                          <p:attrName>style.visibility</p:attrName>
-                                        </p:attrNameLst>
-                                      </p:cBhvr>
-                                      <p:to>
-                                        <p:strVal val="visible"/>
-                                      </p:to>
-                                    </p:set>
-                                    <p:anim calcmode="lin" valueType="num">
-                                      <p:cBhvr>
-                                        <p:cTn id="32" dur="500" fill="hold"/>
-                                        <p:tgtEl>
-                                          <p:spTgt spid="5"/>
-                                        </p:tgtEl>
-                                        <p:attrNameLst>
-                                          <p:attrName>ppt_w</p:attrName>
-                                        </p:attrNameLst>
-                                      </p:cBhvr>
-                                      <p:tavLst>
-                                        <p:tav tm="0">
-                                          <p:val>
-                                            <p:fltVal val="0"/>
-                                          </p:val>
-                                        </p:tav>
-                                        <p:tav tm="100000">
-                                          <p:val>
-                                            <p:strVal val="#ppt_w"/>
-                                          </p:val>
-                                        </p:tav>
-                                      </p:tavLst>
-                                    </p:anim>
-                                    <p:anim calcmode="lin" valueType="num">
-                                      <p:cBhvr>
-                                        <p:cTn id="33" dur="500" fill="hold"/>
-                                        <p:tgtEl>
-                                          <p:spTgt spid="5"/>
-                                        </p:tgtEl>
-                                        <p:attrNameLst>
-                                          <p:attrName>ppt_h</p:attrName>
-                                        </p:attrNameLst>
-                                      </p:cBhvr>
-                                      <p:tavLst>
-                                        <p:tav tm="0">
-                                          <p:val>
-                                            <p:fltVal val="0"/>
-                                          </p:val>
-                                        </p:tav>
-                                        <p:tav tm="100000">
-                                          <p:val>
-                                            <p:strVal val="#ppt_h"/>
-                                          </p:val>
-                                        </p:tav>
-                                      </p:tavLst>
-                                    </p:anim>
-                                    <p:animEffect transition="in" filter="fade">
-                                      <p:cBhvr>
-                                        <p:cTn id="34" dur="500"/>
-                                        <p:tgtEl>
-                                          <p:spTgt spid="5"/>
-                                        </p:tgtEl>
-                                      </p:cBhvr>
-                                    </p:animEffect>
-                                  </p:childTnLst>
-                                </p:cTn>
-                              </p:par>
-                              <p:par>
-                                <p:cTn id="35" presetID="53" presetClass="entr" presetSubtype="16" fill="hold" nodeType="withEffect">
-                                  <p:stCondLst>
-                                    <p:cond delay="0"/>
-                                  </p:stCondLst>
-                                  <p:childTnLst>
-                                    <p:set>
-                                      <p:cBhvr>
-                                        <p:cTn id="36" dur="1" fill="hold">
-                                          <p:stCondLst>
-                                            <p:cond delay="0"/>
-                                          </p:stCondLst>
-                                        </p:cTn>
-                                        <p:tgtEl>
-                                          <p:spTgt spid="1036"/>
-                                        </p:tgtEl>
-                                        <p:attrNameLst>
-                                          <p:attrName>style.visibility</p:attrName>
-                                        </p:attrNameLst>
-                                      </p:cBhvr>
-                                      <p:to>
-                                        <p:strVal val="visible"/>
-                                      </p:to>
-                                    </p:set>
-                                    <p:anim calcmode="lin" valueType="num">
-                                      <p:cBhvr>
-                                        <p:cTn id="37" dur="500" fill="hold"/>
-                                        <p:tgtEl>
-                                          <p:spTgt spid="1036"/>
-                                        </p:tgtEl>
-                                        <p:attrNameLst>
-                                          <p:attrName>ppt_w</p:attrName>
-                                        </p:attrNameLst>
-                                      </p:cBhvr>
-                                      <p:tavLst>
-                                        <p:tav tm="0">
-                                          <p:val>
-                                            <p:fltVal val="0"/>
-                                          </p:val>
-                                        </p:tav>
-                                        <p:tav tm="100000">
-                                          <p:val>
-                                            <p:strVal val="#ppt_w"/>
-                                          </p:val>
-                                        </p:tav>
-                                      </p:tavLst>
-                                    </p:anim>
-                                    <p:anim calcmode="lin" valueType="num">
-                                      <p:cBhvr>
-                                        <p:cTn id="38" dur="500" fill="hold"/>
-                                        <p:tgtEl>
-                                          <p:spTgt spid="1036"/>
-                                        </p:tgtEl>
-                                        <p:attrNameLst>
-                                          <p:attrName>ppt_h</p:attrName>
-                                        </p:attrNameLst>
-                                      </p:cBhvr>
-                                      <p:tavLst>
-                                        <p:tav tm="0">
-                                          <p:val>
-                                            <p:fltVal val="0"/>
-                                          </p:val>
-                                        </p:tav>
-                                        <p:tav tm="100000">
-                                          <p:val>
-                                            <p:strVal val="#ppt_h"/>
-                                          </p:val>
-                                        </p:tav>
-                                      </p:tavLst>
-                                    </p:anim>
-                                    <p:animEffect transition="in" filter="fade">
-                                      <p:cBhvr>
-                                        <p:cTn id="39" dur="500"/>
-                                        <p:tgtEl>
-                                          <p:spTgt spid="1036"/>
-                                        </p:tgtEl>
-                                      </p:cBhvr>
-                                    </p:animEffect>
-                                  </p:childTnLst>
-                                </p:cTn>
-                              </p:par>
-                              <p:par>
-                                <p:cTn id="40" presetID="53" presetClass="entr" presetSubtype="16" fill="hold" nodeType="withEffect">
-                                  <p:stCondLst>
-                                    <p:cond delay="0"/>
-                                  </p:stCondLst>
-                                  <p:childTnLst>
-                                    <p:set>
-                                      <p:cBhvr>
-                                        <p:cTn id="41" dur="1" fill="hold">
-                                          <p:stCondLst>
-                                            <p:cond delay="0"/>
-                                          </p:stCondLst>
-                                        </p:cTn>
-                                        <p:tgtEl>
-                                          <p:spTgt spid="7"/>
-                                        </p:tgtEl>
-                                        <p:attrNameLst>
-                                          <p:attrName>style.visibility</p:attrName>
-                                        </p:attrNameLst>
-                                      </p:cBhvr>
-                                      <p:to>
-                                        <p:strVal val="visible"/>
-                                      </p:to>
-                                    </p:set>
-                                    <p:anim calcmode="lin" valueType="num">
-                                      <p:cBhvr>
-                                        <p:cTn id="42" dur="500" fill="hold"/>
-                                        <p:tgtEl>
-                                          <p:spTgt spid="7"/>
-                                        </p:tgtEl>
-                                        <p:attrNameLst>
-                                          <p:attrName>ppt_w</p:attrName>
-                                        </p:attrNameLst>
-                                      </p:cBhvr>
-                                      <p:tavLst>
-                                        <p:tav tm="0">
-                                          <p:val>
-                                            <p:fltVal val="0"/>
-                                          </p:val>
-                                        </p:tav>
-                                        <p:tav tm="100000">
-                                          <p:val>
-                                            <p:strVal val="#ppt_w"/>
-                                          </p:val>
-                                        </p:tav>
-                                      </p:tavLst>
-                                    </p:anim>
-                                    <p:anim calcmode="lin" valueType="num">
-                                      <p:cBhvr>
-                                        <p:cTn id="43" dur="500" fill="hold"/>
-                                        <p:tgtEl>
-                                          <p:spTgt spid="7"/>
-                                        </p:tgtEl>
-                                        <p:attrNameLst>
-                                          <p:attrName>ppt_h</p:attrName>
-                                        </p:attrNameLst>
-                                      </p:cBhvr>
-                                      <p:tavLst>
-                                        <p:tav tm="0">
-                                          <p:val>
-                                            <p:fltVal val="0"/>
-                                          </p:val>
-                                        </p:tav>
-                                        <p:tav tm="100000">
-                                          <p:val>
-                                            <p:strVal val="#ppt_h"/>
-                                          </p:val>
-                                        </p:tav>
-                                      </p:tavLst>
-                                    </p:anim>
-                                    <p:animEffect transition="in" filter="fade">
-                                      <p:cBhvr>
-                                        <p:cTn id="44" dur="500"/>
-                                        <p:tgtEl>
-                                          <p:spTgt spid="7"/>
-                                        </p:tgtEl>
-                                      </p:cBhvr>
-                                    </p:animEffect>
-                                  </p:childTnLst>
-                                </p:cTn>
-                              </p:par>
-                            </p:childTnLst>
-                          </p:cTn>
-                        </p:par>
-                      </p:childTnLst>
-                    </p:cTn>
-                  </p:par>
-                  <p:par>
-                    <p:cTn id="45" fill="hold">
-                      <p:stCondLst>
-                        <p:cond delay="indefinite"/>
-                      </p:stCondLst>
-                      <p:childTnLst>
-                        <p:par>
-                          <p:cTn id="46" fill="hold">
-                            <p:stCondLst>
-                              <p:cond delay="0"/>
-                            </p:stCondLst>
-                            <p:childTnLst>
-                              <p:par>
-                                <p:cTn id="47" presetID="53" presetClass="entr" presetSubtype="16" fill="hold" nodeType="clickEffect">
-                                  <p:stCondLst>
-                                    <p:cond delay="0"/>
-                                  </p:stCondLst>
-                                  <p:childTnLst>
-                                    <p:set>
-                                      <p:cBhvr>
-                                        <p:cTn id="48" dur="1" fill="hold">
-                                          <p:stCondLst>
-                                            <p:cond delay="0"/>
-                                          </p:stCondLst>
-                                        </p:cTn>
-                                        <p:tgtEl>
-                                          <p:spTgt spid="2050"/>
-                                        </p:tgtEl>
-                                        <p:attrNameLst>
-                                          <p:attrName>style.visibility</p:attrName>
-                                        </p:attrNameLst>
-                                      </p:cBhvr>
-                                      <p:to>
-                                        <p:strVal val="visible"/>
-                                      </p:to>
-                                    </p:set>
-                                    <p:anim calcmode="lin" valueType="num">
-                                      <p:cBhvr>
-                                        <p:cTn id="49" dur="500" fill="hold"/>
-                                        <p:tgtEl>
-                                          <p:spTgt spid="2050"/>
-                                        </p:tgtEl>
-                                        <p:attrNameLst>
-                                          <p:attrName>ppt_w</p:attrName>
-                                        </p:attrNameLst>
-                                      </p:cBhvr>
-                                      <p:tavLst>
-                                        <p:tav tm="0">
-                                          <p:val>
-                                            <p:fltVal val="0"/>
-                                          </p:val>
-                                        </p:tav>
-                                        <p:tav tm="100000">
-                                          <p:val>
-                                            <p:strVal val="#ppt_w"/>
-                                          </p:val>
-                                        </p:tav>
-                                      </p:tavLst>
-                                    </p:anim>
-                                    <p:anim calcmode="lin" valueType="num">
-                                      <p:cBhvr>
-                                        <p:cTn id="50" dur="500" fill="hold"/>
-                                        <p:tgtEl>
-                                          <p:spTgt spid="2050"/>
-                                        </p:tgtEl>
-                                        <p:attrNameLst>
-                                          <p:attrName>ppt_h</p:attrName>
-                                        </p:attrNameLst>
-                                      </p:cBhvr>
-                                      <p:tavLst>
-                                        <p:tav tm="0">
-                                          <p:val>
-                                            <p:fltVal val="0"/>
-                                          </p:val>
-                                        </p:tav>
-                                        <p:tav tm="100000">
-                                          <p:val>
-                                            <p:strVal val="#ppt_h"/>
-                                          </p:val>
-                                        </p:tav>
-                                      </p:tavLst>
-                                    </p:anim>
-                                    <p:animEffect transition="in" filter="fade">
-                                      <p:cBhvr>
-                                        <p:cTn id="51" dur="500"/>
-                                        <p:tgtEl>
-                                          <p:spTgt spid="2050"/>
-                                        </p:tgtEl>
-                                      </p:cBhvr>
-                                    </p:animEffect>
-                                  </p:childTnLst>
-                                </p:cTn>
-                              </p:par>
-                            </p:childTnLst>
-                          </p:cTn>
-                        </p:par>
-                      </p:childTnLst>
-                    </p:cTn>
-                  </p:par>
-                </p:childTnLst>
-              </p:cTn>
-              <p:prevCondLst>
-                <p:cond evt="onPrev" delay="0">
-                  <p:tgtEl>
-                    <p:sldTgt/>
-                  </p:tgtEl>
-                </p:cond>
-              </p:prevCondLst>
-              <p:nextCondLst>
-                <p:cond evt="onNext" delay="0">
-                  <p:tgtEl>
-                    <p:sldTgt/>
-                  </p:tgtEl>
-                </p:cond>
-              </p:nextCondLst>
-            </p:seq>
-          </p:childTnLst>
-        </p:cTn>
-      </p:par>
-    </p:tnLst>
-  </p:timing>
 </p:sld>
 </file>
 
@@ -6893,7 +4812,7 @@
       </p:grpSpPr>
       <p:sp>
         <p:nvSpPr>
-          <p:cNvPr id="2" name="Название 1"/>
+          <p:cNvPr id="2" name="Заголовок 1"/>
           <p:cNvSpPr>
             <a:spLocks noGrp="1"/>
           </p:cNvSpPr>
@@ -6903,158 +4822,89 @@
         </p:nvSpPr>
         <p:spPr/>
         <p:txBody>
-          <a:bodyPr>
-            <a:normAutofit fontScale="90000"/>
-          </a:bodyPr>
-          <a:lstStyle/>
-          <a:p>
+          <a:bodyPr/>
+          <a:lstStyle/>
+          <a:p>
+            <a:r>
+              <a:rPr lang="en-US" dirty="0" smtClean="0">
+                <a:latin typeface="Consolas" panose="020B0609020204030204" pitchFamily="49" charset="0"/>
+              </a:rPr>
+              <a:t>requirements.txt</a:t>
+            </a:r>
+            <a:endParaRPr lang="ru-RU" dirty="0">
+              <a:latin typeface="Consolas" panose="020B0609020204030204" pitchFamily="49" charset="0"/>
+            </a:endParaRPr>
+          </a:p>
+        </p:txBody>
+      </p:sp>
+      <p:sp>
+        <p:nvSpPr>
+          <p:cNvPr id="3" name="Объект 2"/>
+          <p:cNvSpPr>
+            <a:spLocks noGrp="1"/>
+          </p:cNvSpPr>
+          <p:nvPr>
+            <p:ph idx="1"/>
+          </p:nvPr>
+        </p:nvSpPr>
+        <p:spPr/>
+        <p:txBody>
+          <a:bodyPr/>
+          <a:lstStyle/>
+          <a:p>
+            <a:pPr marL="0" indent="0">
+              <a:buNone/>
+            </a:pPr>
+            <a:endParaRPr lang="ru-RU" dirty="0" smtClean="0"/>
+          </a:p>
+          <a:p>
+            <a:pPr marL="0" indent="0">
+              <a:buNone/>
+            </a:pPr>
+            <a:endParaRPr lang="ru-RU" dirty="0"/>
+          </a:p>
+          <a:p>
+            <a:pPr marL="0" indent="0">
+              <a:buNone/>
+            </a:pPr>
+            <a:r>
+              <a:rPr lang="en-US" dirty="0" err="1" smtClean="0">
+                <a:latin typeface="Consolas" panose="020B0609020204030204" pitchFamily="49" charset="0"/>
+              </a:rPr>
+              <a:t>pyTelegramBotAPI</a:t>
+            </a:r>
+            <a:r>
+              <a:rPr lang="en-US" dirty="0" smtClean="0">
+                <a:latin typeface="Consolas" panose="020B0609020204030204" pitchFamily="49" charset="0"/>
+              </a:rPr>
+              <a:t>==</a:t>
+            </a:r>
             <a:r>
               <a:rPr lang="ru-RU" dirty="0" smtClean="0"/>
-              <a:t>Шаг 5</a:t>
-            </a:r>
-            <a:r>
-              <a:rPr lang="ru-RU" dirty="0"/>
-              <a:t>. </a:t>
-            </a:r>
-            <a:r>
-              <a:rPr lang="ru-RU" dirty="0" smtClean="0"/>
-              <a:t>Практика, практика и еще раз практика!!!</a:t>
+              <a:t>3.6.6</a:t>
             </a:r>
             <a:endParaRPr lang="ru-RU" dirty="0"/>
           </a:p>
-        </p:txBody>
-      </p:sp>
-      <p:pic>
-        <p:nvPicPr>
-          <p:cNvPr id="5" name="Изображение 4" descr="prog.jpg"/>
-          <p:cNvPicPr>
-            <a:picLocks noChangeAspect="1"/>
-          </p:cNvPicPr>
-          <p:nvPr/>
-        </p:nvPicPr>
-        <p:blipFill>
-          <a:blip r:embed="rId2">
-            <a:extLst>
-              <a:ext uri="{28A0092B-C50C-407E-A947-70E740481C1C}">
-                <a14:useLocalDpi xmlns:a14="http://schemas.microsoft.com/office/drawing/2010/main" val="0"/>
-              </a:ext>
-            </a:extLst>
-          </a:blip>
-          <a:stretch>
-            <a:fillRect/>
-          </a:stretch>
-        </p:blipFill>
-        <p:spPr>
-          <a:xfrm>
-            <a:off x="2803518" y="1628800"/>
-            <a:ext cx="6584963" cy="4807857"/>
-          </a:xfrm>
-          <a:prstGeom prst="rect">
-            <a:avLst/>
-          </a:prstGeom>
-        </p:spPr>
-      </p:pic>
+          <a:p>
+            <a:pPr marL="0" indent="0">
+              <a:buNone/>
+            </a:pPr>
+            <a:endParaRPr lang="ru-RU" dirty="0">
+              <a:latin typeface="Consolas" panose="020B0609020204030204" pitchFamily="49" charset="0"/>
+            </a:endParaRPr>
+          </a:p>
+        </p:txBody>
+      </p:sp>
     </p:spTree>
     <p:extLst>
       <p:ext uri="{BB962C8B-B14F-4D97-AF65-F5344CB8AC3E}">
-        <p14:creationId xmlns:p14="http://schemas.microsoft.com/office/powerpoint/2010/main" val="2609516769"/>
+        <p14:creationId xmlns:p14="http://schemas.microsoft.com/office/powerpoint/2010/main" val="1850759708"/>
       </p:ext>
     </p:extLst>
   </p:cSld>
   <p:clrMapOvr>
     <a:masterClrMapping/>
   </p:clrMapOvr>
-  <mc:AlternateContent xmlns:mc="http://schemas.openxmlformats.org/markup-compatibility/2006" xmlns:p14="http://schemas.microsoft.com/office/powerpoint/2010/main">
-    <mc:Choice Requires="p14">
-      <p:transition spd="slow" p14:dur="2000"/>
-    </mc:Choice>
-    <mc:Fallback xmlns="">
-      <p:transition spd="slow"/>
-    </mc:Fallback>
-  </mc:AlternateContent>
-  <p:timing>
-    <p:tnLst>
-      <p:par>
-        <p:cTn id="1" dur="indefinite" restart="never" nodeType="tmRoot">
-          <p:childTnLst>
-            <p:seq concurrent="1" nextAc="seek">
-              <p:cTn id="2" dur="indefinite" nodeType="mainSeq">
-                <p:childTnLst>
-                  <p:par>
-                    <p:cTn id="3" fill="hold">
-                      <p:stCondLst>
-                        <p:cond delay="indefinite"/>
-                      </p:stCondLst>
-                      <p:childTnLst>
-                        <p:par>
-                          <p:cTn id="4" fill="hold">
-                            <p:stCondLst>
-                              <p:cond delay="0"/>
-                            </p:stCondLst>
-                            <p:childTnLst>
-                              <p:par>
-                                <p:cTn id="5" presetID="22" presetClass="entr" presetSubtype="4" fill="hold" nodeType="clickEffect">
-                                  <p:stCondLst>
-                                    <p:cond delay="0"/>
-                                  </p:stCondLst>
-                                  <p:childTnLst>
-                                    <p:set>
-                                      <p:cBhvr>
-                                        <p:cTn id="6" dur="1" fill="hold">
-                                          <p:stCondLst>
-                                            <p:cond delay="0"/>
-                                          </p:stCondLst>
-                                        </p:cTn>
-                                        <p:tgtEl>
-                                          <p:spTgt spid="5"/>
-                                        </p:tgtEl>
-                                        <p:attrNameLst>
-                                          <p:attrName>style.visibility</p:attrName>
-                                        </p:attrNameLst>
-                                      </p:cBhvr>
-                                      <p:to>
-                                        <p:strVal val="visible"/>
-                                      </p:to>
-                                    </p:set>
-                                    <p:animEffect transition="in" filter="wipe(down)">
-                                      <p:cBhvr>
-                                        <p:cTn id="7" dur="500"/>
-                                        <p:tgtEl>
-                                          <p:spTgt spid="5"/>
-                                        </p:tgtEl>
-                                      </p:cBhvr>
-                                    </p:animEffect>
-                                  </p:childTnLst>
-                                </p:cTn>
-                              </p:par>
-                            </p:childTnLst>
-                          </p:cTn>
-                        </p:par>
-                      </p:childTnLst>
-                    </p:cTn>
-                  </p:par>
-                </p:childTnLst>
-              </p:cTn>
-              <p:prevCondLst>
-                <p:cond evt="onPrev" delay="0">
-                  <p:tgtEl>
-                    <p:sldTgt/>
-                  </p:tgtEl>
-                </p:cond>
-              </p:prevCondLst>
-              <p:nextCondLst>
-                <p:cond evt="onNext" delay="0">
-                  <p:tgtEl>
-                    <p:sldTgt/>
-                  </p:tgtEl>
-                </p:cond>
-              </p:nextCondLst>
-            </p:seq>
-          </p:childTnLst>
-        </p:cTn>
-      </p:par>
-    </p:tnLst>
-  </p:timing>
 </p:sld>
 </file>
 
@@ -7077,7 +4927,7 @@
       </p:grpSpPr>
       <p:sp>
         <p:nvSpPr>
-          <p:cNvPr id="2" name="Заголовок 1"/>
+          <p:cNvPr id="4" name="Title 3"/>
           <p:cNvSpPr>
             <a:spLocks noGrp="1"/>
           </p:cNvSpPr>
@@ -7091,188 +4941,178 @@
           <a:lstStyle/>
           <a:p>
             <a:r>
-              <a:rPr lang="ru-RU" dirty="0"/>
-              <a:t>Динамика </a:t>
-            </a:r>
-            <a:r>
-              <a:rPr lang="ru-RU" dirty="0" smtClean="0"/>
-              <a:t>зарплат</a:t>
-            </a:r>
-            <a:r>
               <a:rPr lang="en-US" dirty="0" smtClean="0"/>
-              <a:t> Python</a:t>
-            </a:r>
-            <a:r>
-              <a:rPr lang="ru-RU" dirty="0" smtClean="0"/>
-              <a:t> </a:t>
-            </a:r>
-            <a:r>
-              <a:rPr lang="ru-RU" dirty="0"/>
-              <a:t>программистов </a:t>
-            </a:r>
-          </a:p>
-        </p:txBody>
-      </p:sp>
-      <p:pic>
-        <p:nvPicPr>
-          <p:cNvPr id="5" name="Content Placeholder 4" descr="Screen Clipping"/>
-          <p:cNvPicPr>
-            <a:picLocks noGrp="1" noChangeAspect="1"/>
-          </p:cNvPicPr>
-          <p:nvPr>
-            <p:ph idx="1"/>
-          </p:nvPr>
-        </p:nvPicPr>
-        <p:blipFill>
-          <a:blip r:embed="rId2">
-            <a:extLst>
-              <a:ext uri="{28A0092B-C50C-407E-A947-70E740481C1C}">
-                <a14:useLocalDpi xmlns:a14="http://schemas.microsoft.com/office/drawing/2010/main" val="0"/>
-              </a:ext>
-            </a:extLst>
-          </a:blip>
-          <a:stretch>
-            <a:fillRect/>
-          </a:stretch>
-        </p:blipFill>
+              <a:t>/algorithm</a:t>
+            </a:r>
+            <a:endParaRPr lang="ru-RU" dirty="0"/>
+          </a:p>
+        </p:txBody>
+      </p:sp>
+      <p:sp>
+        <p:nvSpPr>
+          <p:cNvPr id="5" name="Rectangle 4"/>
+          <p:cNvSpPr/>
+          <p:nvPr/>
+        </p:nvSpPr>
         <p:spPr>
           <a:xfrm>
-            <a:off x="1055440" y="1628800"/>
-            <a:ext cx="10309390" cy="4896544"/>
+            <a:off x="983432" y="2045641"/>
+            <a:ext cx="10513168" cy="3539430"/>
           </a:xfrm>
+          <a:prstGeom prst="rect">
+            <a:avLst/>
+          </a:prstGeom>
         </p:spPr>
-      </p:pic>
+        <p:txBody>
+          <a:bodyPr wrap="square">
+            <a:spAutoFit/>
+          </a:bodyPr>
+          <a:lstStyle/>
+          <a:p>
+            <a:pPr marL="457200" indent="-457200">
+              <a:buAutoNum type="arabicPeriod"/>
+            </a:pPr>
+            <a:r>
+              <a:rPr lang="ru-RU" sz="3200" dirty="0" smtClean="0"/>
+              <a:t>Создаём </a:t>
+            </a:r>
+            <a:r>
+              <a:rPr lang="ru-RU" sz="3200" dirty="0"/>
+              <a:t>бота в </a:t>
+            </a:r>
+            <a:r>
+              <a:rPr lang="ru-RU" sz="3200" dirty="0" err="1" smtClean="0"/>
+              <a:t>Telegram</a:t>
+            </a:r>
+            <a:r>
+              <a:rPr lang="en-US" sz="3200" dirty="0"/>
+              <a:t> </a:t>
+            </a:r>
+            <a:r>
+              <a:rPr lang="en-US" sz="3200" b="1" dirty="0"/>
+              <a:t>(@</a:t>
+            </a:r>
+            <a:r>
+              <a:rPr lang="en-US" sz="3200" b="1" dirty="0" err="1" smtClean="0"/>
+              <a:t>BotFather</a:t>
+            </a:r>
+            <a:r>
+              <a:rPr lang="en-US" sz="3200" dirty="0" smtClean="0"/>
+              <a:t>)</a:t>
+            </a:r>
+          </a:p>
+          <a:p>
+            <a:pPr marL="457200" indent="-457200">
+              <a:buAutoNum type="arabicPeriod"/>
+            </a:pPr>
+            <a:r>
+              <a:rPr lang="ru-RU" sz="3200" dirty="0" smtClean="0"/>
+              <a:t>Создаем файл </a:t>
+            </a:r>
+            <a:r>
+              <a:rPr lang="en-US" sz="3200" b="1" dirty="0" smtClean="0"/>
+              <a:t>tokens.py</a:t>
+            </a:r>
+            <a:r>
+              <a:rPr lang="en-US" sz="3200" dirty="0" smtClean="0"/>
+              <a:t> </a:t>
+            </a:r>
+            <a:r>
+              <a:rPr lang="uk-UA" sz="3200" dirty="0" smtClean="0"/>
+              <a:t>в </a:t>
+            </a:r>
+            <a:r>
+              <a:rPr lang="ru-RU" sz="3200" dirty="0" smtClean="0"/>
+              <a:t>который записываем </a:t>
+            </a:r>
+            <a:r>
+              <a:rPr lang="ru-RU" sz="3200" dirty="0" err="1" smtClean="0"/>
+              <a:t>токен</a:t>
+            </a:r>
+            <a:r>
+              <a:rPr lang="ru-RU" sz="3200" dirty="0" smtClean="0"/>
+              <a:t> выданный </a:t>
+            </a:r>
+            <a:r>
+              <a:rPr lang="en-US" sz="3200" dirty="0" smtClean="0"/>
+              <a:t>@</a:t>
+            </a:r>
+            <a:r>
+              <a:rPr lang="en-US" sz="3200" dirty="0" err="1" smtClean="0"/>
+              <a:t>BotFather</a:t>
+            </a:r>
+            <a:endParaRPr lang="en-US" sz="3200" dirty="0" smtClean="0"/>
+          </a:p>
+          <a:p>
+            <a:pPr marL="457200" indent="-457200">
+              <a:buAutoNum type="arabicPeriod"/>
+            </a:pPr>
+            <a:r>
+              <a:rPr lang="ru-RU" sz="3200" dirty="0" smtClean="0"/>
+              <a:t>Создаем </a:t>
+            </a:r>
+            <a:r>
+              <a:rPr lang="ru-RU" sz="3200" dirty="0" smtClean="0"/>
+              <a:t>скрипт</a:t>
+            </a:r>
+            <a:r>
+              <a:rPr lang="en-US" sz="3200" dirty="0" smtClean="0"/>
+              <a:t> </a:t>
+            </a:r>
+            <a:r>
+              <a:rPr lang="en-US" sz="3200" b="1" dirty="0" smtClean="0"/>
+              <a:t>main.py</a:t>
+            </a:r>
+            <a:endParaRPr lang="en-US" sz="3200" b="1" dirty="0" smtClean="0"/>
+          </a:p>
+          <a:p>
+            <a:pPr marL="457200" indent="-457200">
+              <a:buAutoNum type="arabicPeriod"/>
+            </a:pPr>
+            <a:r>
+              <a:rPr lang="ru-RU" sz="3200" dirty="0" smtClean="0"/>
+              <a:t>Добавляем батарейки (</a:t>
+            </a:r>
+            <a:r>
+              <a:rPr lang="en-US" sz="3200" b="1" dirty="0" err="1"/>
+              <a:t>pyTelegramBotAPI</a:t>
+            </a:r>
+            <a:r>
+              <a:rPr lang="ru-RU" sz="3200" dirty="0" smtClean="0"/>
+              <a:t>)</a:t>
+            </a:r>
+          </a:p>
+          <a:p>
+            <a:pPr marL="457200" indent="-457200">
+              <a:buAutoNum type="arabicPeriod"/>
+            </a:pPr>
+            <a:r>
+              <a:rPr lang="ru-RU" sz="3200" dirty="0" smtClean="0"/>
+              <a:t>Реализуем логику</a:t>
+            </a:r>
+          </a:p>
+          <a:p>
+            <a:pPr marL="457200" indent="-457200">
+              <a:buAutoNum type="arabicPeriod"/>
+            </a:pPr>
+            <a:r>
+              <a:rPr lang="ru-RU" sz="3200" smtClean="0"/>
+              <a:t>Проверяем</a:t>
+            </a:r>
+            <a:endParaRPr lang="ru-RU" sz="3200" dirty="0"/>
+          </a:p>
+        </p:txBody>
+      </p:sp>
     </p:spTree>
     <p:extLst>
       <p:ext uri="{BB962C8B-B14F-4D97-AF65-F5344CB8AC3E}">
-        <p14:creationId xmlns:p14="http://schemas.microsoft.com/office/powerpoint/2010/main" val="2803855028"/>
+        <p14:creationId xmlns:p14="http://schemas.microsoft.com/office/powerpoint/2010/main" val="815414137"/>
       </p:ext>
     </p:extLst>
   </p:cSld>
   <p:clrMapOvr>
     <a:masterClrMapping/>
   </p:clrMapOvr>
-  <p:timing>
-    <p:tnLst>
-      <p:par>
-        <p:cTn id="1" dur="indefinite" restart="never" nodeType="tmRoot">
-          <p:childTnLst>
-            <p:seq concurrent="1" nextAc="seek">
-              <p:cTn id="2" dur="indefinite" nodeType="mainSeq">
-                <p:childTnLst>
-                  <p:par>
-                    <p:cTn id="3" fill="hold">
-                      <p:stCondLst>
-                        <p:cond delay="indefinite"/>
-                      </p:stCondLst>
-                      <p:childTnLst>
-                        <p:par>
-                          <p:cTn id="4" fill="hold">
-                            <p:stCondLst>
-                              <p:cond delay="0"/>
-                            </p:stCondLst>
-                            <p:childTnLst>
-                              <p:par>
-                                <p:cTn id="5" presetID="2" presetClass="entr" presetSubtype="4" fill="hold" nodeType="clickEffect">
-                                  <p:stCondLst>
-                                    <p:cond delay="0"/>
-                                  </p:stCondLst>
-                                  <p:childTnLst>
-                                    <p:set>
-                                      <p:cBhvr>
-                                        <p:cTn id="6" dur="1" fill="hold">
-                                          <p:stCondLst>
-                                            <p:cond delay="0"/>
-                                          </p:stCondLst>
-                                        </p:cTn>
-                                        <p:tgtEl>
-                                          <p:spTgt spid="5"/>
-                                        </p:tgtEl>
-                                        <p:attrNameLst>
-                                          <p:attrName>style.visibility</p:attrName>
-                                        </p:attrNameLst>
-                                      </p:cBhvr>
-                                      <p:to>
-                                        <p:strVal val="visible"/>
-                                      </p:to>
-                                    </p:set>
-                                    <p:anim calcmode="lin" valueType="num">
-                                      <p:cBhvr additive="base">
-                                        <p:cTn id="7" dur="500" fill="hold"/>
-                                        <p:tgtEl>
-                                          <p:spTgt spid="5"/>
-                                        </p:tgtEl>
-                                        <p:attrNameLst>
-                                          <p:attrName>ppt_x</p:attrName>
-                                        </p:attrNameLst>
-                                      </p:cBhvr>
-                                      <p:tavLst>
-                                        <p:tav tm="0">
-                                          <p:val>
-                                            <p:strVal val="#ppt_x"/>
-                                          </p:val>
-                                        </p:tav>
-                                        <p:tav tm="100000">
-                                          <p:val>
-                                            <p:strVal val="#ppt_x"/>
-                                          </p:val>
-                                        </p:tav>
-                                      </p:tavLst>
-                                    </p:anim>
-                                    <p:anim calcmode="lin" valueType="num">
-                                      <p:cBhvr additive="base">
-                                        <p:cTn id="8" dur="500" fill="hold"/>
-                                        <p:tgtEl>
-                                          <p:spTgt spid="5"/>
-                                        </p:tgtEl>
-                                        <p:attrNameLst>
-                                          <p:attrName>ppt_y</p:attrName>
-                                        </p:attrNameLst>
-                                      </p:cBhvr>
-                                      <p:tavLst>
-                                        <p:tav tm="0">
-                                          <p:val>
-                                            <p:strVal val="1+#ppt_h/2"/>
-                                          </p:val>
-                                        </p:tav>
-                                        <p:tav tm="100000">
-                                          <p:val>
-                                            <p:strVal val="#ppt_y"/>
-                                          </p:val>
-                                        </p:tav>
-                                      </p:tavLst>
-                                    </p:anim>
-                                  </p:childTnLst>
-                                </p:cTn>
-                              </p:par>
-                            </p:childTnLst>
-                          </p:cTn>
-                        </p:par>
-                      </p:childTnLst>
-                    </p:cTn>
-                  </p:par>
-                </p:childTnLst>
-              </p:cTn>
-              <p:prevCondLst>
-                <p:cond evt="onPrev" delay="0">
-                  <p:tgtEl>
-                    <p:sldTgt/>
-                  </p:tgtEl>
-                </p:cond>
-              </p:prevCondLst>
-              <p:nextCondLst>
-                <p:cond evt="onNext" delay="0">
-                  <p:tgtEl>
-                    <p:sldTgt/>
-                  </p:tgtEl>
-                </p:cond>
-              </p:nextCondLst>
-            </p:seq>
-          </p:childTnLst>
-        </p:cTn>
-      </p:par>
-    </p:tnLst>
-  </p:timing>
 </p:sld>
 </file>
 
@@ -7295,858 +5135,71 @@
       </p:grpSpPr>
       <p:sp>
         <p:nvSpPr>
-          <p:cNvPr id="2" name="Заголовок 1"/>
-          <p:cNvSpPr txBox="1">
-            <a:spLocks noGrp="1"/>
-          </p:cNvSpPr>
-          <p:nvPr>
-            <p:ph type="title" idx="4294967295"/>
-          </p:nvPr>
-        </p:nvSpPr>
+          <p:cNvPr id="2" name="Title 1"/>
+          <p:cNvSpPr>
+            <a:spLocks noGrp="1"/>
+          </p:cNvSpPr>
+          <p:nvPr>
+            <p:ph type="title"/>
+          </p:nvPr>
+        </p:nvSpPr>
+        <p:spPr/>
+        <p:txBody>
+          <a:bodyPr/>
+          <a:lstStyle/>
+          <a:p>
+            <a:r>
+              <a:rPr lang="en-US" dirty="0"/>
+              <a:t>@</a:t>
+            </a:r>
+            <a:r>
+              <a:rPr lang="en-US" dirty="0" err="1"/>
+              <a:t>BotFather</a:t>
+            </a:r>
+            <a:endParaRPr lang="ru-RU" dirty="0"/>
+          </a:p>
+        </p:txBody>
+      </p:sp>
+      <p:pic>
+        <p:nvPicPr>
+          <p:cNvPr id="3" name="Picture 2" descr="Screen Clipping"/>
+          <p:cNvPicPr>
+            <a:picLocks noChangeAspect="1"/>
+          </p:cNvPicPr>
+          <p:nvPr/>
+        </p:nvPicPr>
+        <p:blipFill>
+          <a:blip r:embed="rId2">
+            <a:extLst>
+              <a:ext uri="{28A0092B-C50C-407E-A947-70E740481C1C}">
+                <a14:useLocalDpi xmlns:a14="http://schemas.microsoft.com/office/drawing/2010/main" val="0"/>
+              </a:ext>
+            </a:extLst>
+          </a:blip>
+          <a:stretch>
+            <a:fillRect/>
+          </a:stretch>
+        </p:blipFill>
         <p:spPr>
           <a:xfrm>
-            <a:off x="609573" y="273218"/>
-            <a:ext cx="10971955" cy="1144857"/>
-          </a:xfrm>
-        </p:spPr>
-        <p:txBody>
-          <a:bodyPr/>
-          <a:lstStyle>
-            <a:defPPr lvl="0">
-              <a:buSzPct val="45000"/>
-              <a:buFont typeface="StarSymbol"/>
-              <a:buNone/>
-            </a:defPPr>
-            <a:lvl1pPr lvl="0">
-              <a:buSzPct val="45000"/>
-              <a:buFont typeface="StarSymbol"/>
-              <a:buChar char="●"/>
-            </a:lvl1pPr>
-            <a:lvl2pPr lvl="1">
-              <a:buSzPct val="45000"/>
-              <a:buFont typeface="StarSymbol"/>
-              <a:buChar char="●"/>
-            </a:lvl2pPr>
-            <a:lvl3pPr lvl="2">
-              <a:buSzPct val="45000"/>
-              <a:buFont typeface="StarSymbol"/>
-              <a:buChar char="●"/>
-            </a:lvl3pPr>
-            <a:lvl4pPr lvl="3">
-              <a:buSzPct val="45000"/>
-              <a:buFont typeface="StarSymbol"/>
-              <a:buChar char="●"/>
-            </a:lvl4pPr>
-            <a:lvl5pPr lvl="4">
-              <a:buSzPct val="45000"/>
-              <a:buFont typeface="StarSymbol"/>
-              <a:buChar char="●"/>
-            </a:lvl5pPr>
-            <a:lvl6pPr lvl="5">
-              <a:buSzPct val="45000"/>
-              <a:buFont typeface="StarSymbol"/>
-              <a:buChar char="●"/>
-            </a:lvl6pPr>
-            <a:lvl7pPr lvl="6">
-              <a:buSzPct val="45000"/>
-              <a:buFont typeface="StarSymbol"/>
-              <a:buChar char="●"/>
-            </a:lvl7pPr>
-            <a:lvl8pPr lvl="7">
-              <a:buSzPct val="45000"/>
-              <a:buFont typeface="StarSymbol"/>
-              <a:buChar char="●"/>
-            </a:lvl8pPr>
-            <a:lvl9pPr lvl="8">
-              <a:buSzPct val="45000"/>
-              <a:buFont typeface="StarSymbol"/>
-              <a:buChar char="●"/>
-            </a:lvl9pPr>
-          </a:lstStyle>
-          <a:p>
-            <a:pPr lvl="0" algn="l">
-              <a:buNone/>
-            </a:pPr>
-            <a:r>
-              <a:rPr lang="ru-RU" dirty="0" smtClean="0"/>
-              <a:t>Советы по </a:t>
-            </a:r>
-            <a:r>
-              <a:rPr lang="ru-RU" dirty="0"/>
-              <a:t>выбору учебного заведения</a:t>
-            </a:r>
-          </a:p>
-        </p:txBody>
-      </p:sp>
-      <p:sp>
-        <p:nvSpPr>
-          <p:cNvPr id="4" name="Текст 2"/>
-          <p:cNvSpPr txBox="1">
-            <a:spLocks/>
-          </p:cNvSpPr>
-          <p:nvPr/>
-        </p:nvSpPr>
-        <p:spPr>
-          <a:xfrm>
-            <a:off x="609573" y="1828692"/>
-            <a:ext cx="10971955" cy="4419835"/>
+            <a:off x="2063552" y="1268760"/>
+            <a:ext cx="7848872" cy="5174884"/>
           </a:xfrm>
           <a:prstGeom prst="rect">
             <a:avLst/>
           </a:prstGeom>
-          <a:noFill/>
-          <a:ln>
-            <a:noFill/>
-          </a:ln>
         </p:spPr>
-        <p:txBody>
-          <a:bodyPr lIns="0" tIns="0" rIns="0" bIns="0"/>
-          <a:lstStyle>
-            <a:defPPr marL="432000" marR="0" lvl="0" indent="-324000">
-              <a:spcBef>
-                <a:spcPts val="1213"/>
-              </a:spcBef>
-              <a:spcAft>
-                <a:spcPts val="0"/>
-              </a:spcAft>
-              <a:buSzPct val="45000"/>
-              <a:buFont typeface="StarSymbol"/>
-              <a:buNone/>
-              <a:defRPr lang="ru-RU" sz="2740" b="0" i="0" u="none" strike="noStrike" kern="1200" cap="none">
-                <a:ln>
-                  <a:noFill/>
-                </a:ln>
-                <a:highlight>
-                  <a:scrgbClr r="0" g="0" b="0">
-                    <a:alpha val="0"/>
-                  </a:scrgbClr>
-                </a:highlight>
-                <a:latin typeface="Liberation Sans" pitchFamily="18"/>
-                <a:ea typeface="Microsoft YaHei" pitchFamily="2"/>
-                <a:cs typeface="Arial" pitchFamily="2"/>
-              </a:defRPr>
-            </a:defPPr>
-            <a:lvl1pPr marL="432000" marR="0" lvl="0" indent="-324000" rtl="0" hangingPunct="0">
-              <a:spcBef>
-                <a:spcPts val="1213"/>
-              </a:spcBef>
-              <a:spcAft>
-                <a:spcPts val="0"/>
-              </a:spcAft>
-              <a:buSzPct val="45000"/>
-              <a:buFont typeface="StarSymbol"/>
-              <a:buChar char="●"/>
-              <a:tabLst/>
-              <a:defRPr lang="ru-RU" sz="2740" b="0" i="0" u="none" strike="noStrike" kern="1200" cap="none">
-                <a:ln>
-                  <a:noFill/>
-                </a:ln>
-                <a:highlight>
-                  <a:scrgbClr r="0" g="0" b="0">
-                    <a:alpha val="0"/>
-                  </a:scrgbClr>
-                </a:highlight>
-                <a:latin typeface="Liberation Sans" pitchFamily="18"/>
-                <a:ea typeface="Microsoft YaHei" pitchFamily="2"/>
-                <a:cs typeface="Arial" pitchFamily="2"/>
-              </a:defRPr>
-            </a:lvl1pPr>
-            <a:lvl2pPr marL="864000" marR="0" lvl="1" indent="-324000">
-              <a:spcBef>
-                <a:spcPts val="969"/>
-              </a:spcBef>
-              <a:spcAft>
-                <a:spcPts val="0"/>
-              </a:spcAft>
-              <a:buSzPct val="75000"/>
-              <a:buFont typeface="StarSymbol"/>
-              <a:buChar char="–"/>
-              <a:defRPr lang="ru-RU" sz="2400" b="0" i="0" u="none" strike="noStrike" kern="1200" cap="none">
-                <a:ln>
-                  <a:noFill/>
-                </a:ln>
-                <a:highlight>
-                  <a:scrgbClr r="0" g="0" b="0">
-                    <a:alpha val="0"/>
-                  </a:scrgbClr>
-                </a:highlight>
-                <a:latin typeface="Liberation Sans" pitchFamily="18"/>
-                <a:ea typeface="Microsoft YaHei" pitchFamily="2"/>
-                <a:cs typeface="Arial" pitchFamily="2"/>
-              </a:defRPr>
-            </a:lvl2pPr>
-            <a:lvl3pPr marL="1295999" marR="0" lvl="2" indent="-288000">
-              <a:spcBef>
-                <a:spcPts val="729"/>
-              </a:spcBef>
-              <a:spcAft>
-                <a:spcPts val="0"/>
-              </a:spcAft>
-              <a:buSzPct val="45000"/>
-              <a:buFont typeface="StarSymbol"/>
-              <a:buChar char="●"/>
-              <a:defRPr lang="ru-RU" sz="2060" b="0" i="0" u="none" strike="noStrike" kern="1200" cap="none">
-                <a:ln>
-                  <a:noFill/>
-                </a:ln>
-                <a:highlight>
-                  <a:scrgbClr r="0" g="0" b="0">
-                    <a:alpha val="0"/>
-                  </a:scrgbClr>
-                </a:highlight>
-                <a:latin typeface="Liberation Sans" pitchFamily="18"/>
-                <a:ea typeface="Microsoft YaHei" pitchFamily="2"/>
-                <a:cs typeface="Arial" pitchFamily="2"/>
-              </a:defRPr>
-            </a:lvl3pPr>
-            <a:lvl4pPr marL="1728000" marR="0" lvl="3" indent="-216000">
-              <a:spcBef>
-                <a:spcPts val="485"/>
-              </a:spcBef>
-              <a:spcAft>
-                <a:spcPts val="0"/>
-              </a:spcAft>
-              <a:buSzPct val="75000"/>
-              <a:buFont typeface="StarSymbol"/>
-              <a:buChar char="–"/>
-              <a:defRPr lang="ru-RU" sz="1720" b="0" i="0" u="none" strike="noStrike" kern="1200" cap="none">
-                <a:ln>
-                  <a:noFill/>
-                </a:ln>
-                <a:highlight>
-                  <a:scrgbClr r="0" g="0" b="0">
-                    <a:alpha val="0"/>
-                  </a:scrgbClr>
-                </a:highlight>
-                <a:latin typeface="Liberation Sans" pitchFamily="18"/>
-                <a:ea typeface="Microsoft YaHei" pitchFamily="2"/>
-                <a:cs typeface="Arial" pitchFamily="2"/>
-              </a:defRPr>
-            </a:lvl4pPr>
-            <a:lvl5pPr marL="2160000" marR="0" lvl="4" indent="-216000">
-              <a:spcBef>
-                <a:spcPts val="241"/>
-              </a:spcBef>
-              <a:spcAft>
-                <a:spcPts val="0"/>
-              </a:spcAft>
-              <a:buSzPct val="45000"/>
-              <a:buFont typeface="StarSymbol"/>
-              <a:buChar char="●"/>
-              <a:defRPr lang="ru-RU" sz="1720" b="0" i="0" u="none" strike="noStrike" kern="1200" cap="none">
-                <a:ln>
-                  <a:noFill/>
-                </a:ln>
-                <a:highlight>
-                  <a:scrgbClr r="0" g="0" b="0">
-                    <a:alpha val="0"/>
-                  </a:scrgbClr>
-                </a:highlight>
-                <a:latin typeface="Liberation Sans" pitchFamily="18"/>
-                <a:ea typeface="Microsoft YaHei" pitchFamily="2"/>
-                <a:cs typeface="Arial" pitchFamily="2"/>
-              </a:defRPr>
-            </a:lvl5pPr>
-            <a:lvl6pPr marL="2592000" marR="0" lvl="5" indent="-216000">
-              <a:spcBef>
-                <a:spcPts val="241"/>
-              </a:spcBef>
-              <a:spcAft>
-                <a:spcPts val="0"/>
-              </a:spcAft>
-              <a:buSzPct val="45000"/>
-              <a:buFont typeface="StarSymbol"/>
-              <a:buChar char="●"/>
-              <a:defRPr lang="ru-RU" sz="1720" b="0" i="0" u="none" strike="noStrike" kern="1200" cap="none">
-                <a:ln>
-                  <a:noFill/>
-                </a:ln>
-                <a:highlight>
-                  <a:scrgbClr r="0" g="0" b="0">
-                    <a:alpha val="0"/>
-                  </a:scrgbClr>
-                </a:highlight>
-                <a:latin typeface="Liberation Sans" pitchFamily="18"/>
-                <a:ea typeface="Microsoft YaHei" pitchFamily="2"/>
-                <a:cs typeface="Arial" pitchFamily="2"/>
-              </a:defRPr>
-            </a:lvl6pPr>
-            <a:lvl7pPr marL="3024000" marR="0" lvl="6" indent="-216000">
-              <a:spcBef>
-                <a:spcPts val="241"/>
-              </a:spcBef>
-              <a:spcAft>
-                <a:spcPts val="0"/>
-              </a:spcAft>
-              <a:buSzPct val="45000"/>
-              <a:buFont typeface="StarSymbol"/>
-              <a:buChar char="●"/>
-              <a:defRPr lang="ru-RU" sz="1720" b="0" i="0" u="none" strike="noStrike" kern="1200" cap="none">
-                <a:ln>
-                  <a:noFill/>
-                </a:ln>
-                <a:highlight>
-                  <a:scrgbClr r="0" g="0" b="0">
-                    <a:alpha val="0"/>
-                  </a:scrgbClr>
-                </a:highlight>
-                <a:latin typeface="Liberation Sans" pitchFamily="18"/>
-                <a:ea typeface="Microsoft YaHei" pitchFamily="2"/>
-                <a:cs typeface="Arial" pitchFamily="2"/>
-              </a:defRPr>
-            </a:lvl7pPr>
-            <a:lvl8pPr marL="3456000" marR="0" lvl="7" indent="-216000">
-              <a:spcBef>
-                <a:spcPts val="241"/>
-              </a:spcBef>
-              <a:spcAft>
-                <a:spcPts val="0"/>
-              </a:spcAft>
-              <a:buSzPct val="45000"/>
-              <a:buFont typeface="StarSymbol"/>
-              <a:buChar char="●"/>
-              <a:defRPr lang="ru-RU" sz="1720" b="0" i="0" u="none" strike="noStrike" kern="1200" cap="none">
-                <a:ln>
-                  <a:noFill/>
-                </a:ln>
-                <a:highlight>
-                  <a:scrgbClr r="0" g="0" b="0">
-                    <a:alpha val="0"/>
-                  </a:scrgbClr>
-                </a:highlight>
-                <a:latin typeface="Liberation Sans" pitchFamily="18"/>
-                <a:ea typeface="Microsoft YaHei" pitchFamily="2"/>
-                <a:cs typeface="Arial" pitchFamily="2"/>
-              </a:defRPr>
-            </a:lvl8pPr>
-            <a:lvl9pPr marL="3887999" marR="0" lvl="8" indent="-216000">
-              <a:spcBef>
-                <a:spcPts val="241"/>
-              </a:spcBef>
-              <a:spcAft>
-                <a:spcPts val="0"/>
-              </a:spcAft>
-              <a:buSzPct val="45000"/>
-              <a:buFont typeface="StarSymbol"/>
-              <a:buChar char="●"/>
-              <a:defRPr lang="ru-RU" sz="1720" b="0" i="0" u="none" strike="noStrike" kern="1200" cap="none">
-                <a:ln>
-                  <a:noFill/>
-                </a:ln>
-                <a:highlight>
-                  <a:scrgbClr r="0" g="0" b="0">
-                    <a:alpha val="0"/>
-                  </a:scrgbClr>
-                </a:highlight>
-                <a:latin typeface="Liberation Sans" pitchFamily="18"/>
-                <a:ea typeface="Microsoft YaHei" pitchFamily="2"/>
-                <a:cs typeface="Arial" pitchFamily="2"/>
-              </a:defRPr>
-            </a:lvl9pPr>
-          </a:lstStyle>
-          <a:p>
-            <a:pPr marL="544337" indent="-544337">
-              <a:buSzPct val="100000"/>
-              <a:buFont typeface="+mj-lt"/>
-              <a:buAutoNum type="arabicPeriod"/>
-            </a:pPr>
-            <a:r>
-              <a:rPr lang="ru-RU" sz="2900" dirty="0">
-                <a:solidFill>
-                  <a:sysClr val="windowText" lastClr="000000"/>
-                </a:solidFill>
-              </a:rPr>
-              <a:t>Актуальные программы обучения</a:t>
-            </a:r>
-          </a:p>
-          <a:p>
-            <a:pPr marL="544337" indent="-544337">
-              <a:buSzPct val="100000"/>
-              <a:buFont typeface="+mj-lt"/>
-              <a:buAutoNum type="arabicPeriod"/>
-            </a:pPr>
-            <a:r>
-              <a:rPr lang="ru-RU" sz="2900" dirty="0">
-                <a:solidFill>
-                  <a:sysClr val="windowText" lastClr="000000"/>
-                </a:solidFill>
-              </a:rPr>
-              <a:t>Уровень и качество обучения</a:t>
-            </a:r>
-          </a:p>
-          <a:p>
-            <a:pPr marL="544337" indent="-544337">
-              <a:buSzPct val="100000"/>
-              <a:buFont typeface="+mj-lt"/>
-              <a:buAutoNum type="arabicPeriod"/>
-            </a:pPr>
-            <a:r>
-              <a:rPr lang="ru-RU" sz="2900" dirty="0">
-                <a:solidFill>
-                  <a:sysClr val="windowText" lastClr="000000"/>
-                </a:solidFill>
-              </a:rPr>
-              <a:t>Материально-техническая база</a:t>
-            </a:r>
-          </a:p>
-          <a:p>
-            <a:pPr marL="544337" indent="-544337">
-              <a:buSzPct val="100000"/>
-              <a:buFont typeface="+mj-lt"/>
-              <a:buAutoNum type="arabicPeriod"/>
-            </a:pPr>
-            <a:r>
-              <a:rPr lang="ru-RU" sz="2900" dirty="0">
-                <a:solidFill>
-                  <a:sysClr val="windowText" lastClr="000000"/>
-                </a:solidFill>
-              </a:rPr>
-              <a:t>Учитывать потребности и способности студентов</a:t>
-            </a:r>
-          </a:p>
-          <a:p>
-            <a:pPr marL="544337" indent="-544337">
-              <a:buSzPct val="100000"/>
-              <a:buFont typeface="+mj-lt"/>
-              <a:buAutoNum type="arabicPeriod"/>
-            </a:pPr>
-            <a:r>
-              <a:rPr lang="ru-RU" sz="2900" dirty="0">
-                <a:solidFill>
-                  <a:sysClr val="windowText" lastClr="000000"/>
-                </a:solidFill>
-              </a:rPr>
-              <a:t>Отзывы выпускников</a:t>
-            </a:r>
-          </a:p>
-          <a:p>
-            <a:pPr marL="544337" indent="-544337">
-              <a:buSzPct val="100000"/>
-              <a:buFont typeface="+mj-lt"/>
-              <a:buAutoNum type="arabicPeriod"/>
-            </a:pPr>
-            <a:r>
-              <a:rPr lang="ru-RU" sz="3200" dirty="0"/>
-              <a:t>Удобный график </a:t>
-            </a:r>
-            <a:r>
-              <a:rPr lang="ru-RU" sz="3200" dirty="0" smtClean="0"/>
-              <a:t>занятий</a:t>
-            </a:r>
-          </a:p>
-          <a:p>
-            <a:pPr marL="544337" indent="-544337">
-              <a:buSzPct val="100000"/>
-              <a:buFont typeface="+mj-lt"/>
-              <a:buAutoNum type="arabicPeriod"/>
-            </a:pPr>
-            <a:r>
-              <a:rPr lang="ru-RU" sz="2900" dirty="0" smtClean="0">
-                <a:solidFill>
-                  <a:sysClr val="windowText" lastClr="000000"/>
-                </a:solidFill>
-              </a:rPr>
-              <a:t>Трудоустройство</a:t>
-            </a:r>
-            <a:endParaRPr lang="ru-RU" sz="2900" dirty="0">
-              <a:solidFill>
-                <a:sysClr val="windowText" lastClr="000000"/>
-              </a:solidFill>
-            </a:endParaRPr>
-          </a:p>
-        </p:txBody>
-      </p:sp>
+      </p:pic>
     </p:spTree>
     <p:extLst>
       <p:ext uri="{BB962C8B-B14F-4D97-AF65-F5344CB8AC3E}">
-        <p14:creationId xmlns:p14="http://schemas.microsoft.com/office/powerpoint/2010/main" val="4250374728"/>
+        <p14:creationId xmlns:p14="http://schemas.microsoft.com/office/powerpoint/2010/main" val="2144486151"/>
       </p:ext>
     </p:extLst>
   </p:cSld>
   <p:clrMapOvr>
     <a:masterClrMapping/>
   </p:clrMapOvr>
-  <mc:AlternateContent xmlns:mc="http://schemas.openxmlformats.org/markup-compatibility/2006" xmlns:p14="http://schemas.microsoft.com/office/powerpoint/2010/main">
-    <mc:Choice Requires="p14">
-      <p:transition spd="slow" p14:dur="2000"/>
-    </mc:Choice>
-    <mc:Fallback xmlns="">
-      <p:transition spd="slow"/>
-    </mc:Fallback>
-  </mc:AlternateContent>
-  <p:timing>
-    <p:tnLst>
-      <p:par>
-        <p:cTn id="1" dur="indefinite" restart="never" nodeType="tmRoot">
-          <p:childTnLst>
-            <p:seq concurrent="1" nextAc="seek">
-              <p:cTn id="2" dur="indefinite" nodeType="mainSeq">
-                <p:childTnLst>
-                  <p:par>
-                    <p:cTn id="3" fill="hold">
-                      <p:stCondLst>
-                        <p:cond delay="indefinite"/>
-                      </p:stCondLst>
-                      <p:childTnLst>
-                        <p:par>
-                          <p:cTn id="4" fill="hold">
-                            <p:stCondLst>
-                              <p:cond delay="0"/>
-                            </p:stCondLst>
-                            <p:childTnLst>
-                              <p:par>
-                                <p:cTn id="5" presetID="1" presetClass="entr" presetSubtype="0" fill="hold" nodeType="clickEffect">
-                                  <p:stCondLst>
-                                    <p:cond delay="0"/>
-                                  </p:stCondLst>
-                                  <p:childTnLst>
-                                    <p:set>
-                                      <p:cBhvr>
-                                        <p:cTn id="6" dur="1" fill="hold">
-                                          <p:stCondLst>
-                                            <p:cond delay="0"/>
-                                          </p:stCondLst>
-                                        </p:cTn>
-                                        <p:tgtEl>
-                                          <p:spTgt spid="4">
-                                            <p:txEl>
-                                              <p:pRg st="0" end="0"/>
-                                            </p:txEl>
-                                          </p:spTgt>
-                                        </p:tgtEl>
-                                        <p:attrNameLst>
-                                          <p:attrName>style.visibility</p:attrName>
-                                        </p:attrNameLst>
-                                      </p:cBhvr>
-                                      <p:to>
-                                        <p:strVal val="visible"/>
-                                      </p:to>
-                                    </p:set>
-                                  </p:childTnLst>
-                                </p:cTn>
-                              </p:par>
-                            </p:childTnLst>
-                          </p:cTn>
-                        </p:par>
-                      </p:childTnLst>
-                    </p:cTn>
-                  </p:par>
-                  <p:par>
-                    <p:cTn id="7" fill="hold">
-                      <p:stCondLst>
-                        <p:cond delay="indefinite"/>
-                      </p:stCondLst>
-                      <p:childTnLst>
-                        <p:par>
-                          <p:cTn id="8" fill="hold">
-                            <p:stCondLst>
-                              <p:cond delay="0"/>
-                            </p:stCondLst>
-                            <p:childTnLst>
-                              <p:par>
-                                <p:cTn id="9" presetID="1" presetClass="entr" presetSubtype="0" fill="hold" nodeType="clickEffect">
-                                  <p:stCondLst>
-                                    <p:cond delay="0"/>
-                                  </p:stCondLst>
-                                  <p:childTnLst>
-                                    <p:set>
-                                      <p:cBhvr>
-                                        <p:cTn id="10" dur="1" fill="hold">
-                                          <p:stCondLst>
-                                            <p:cond delay="0"/>
-                                          </p:stCondLst>
-                                        </p:cTn>
-                                        <p:tgtEl>
-                                          <p:spTgt spid="4">
-                                            <p:txEl>
-                                              <p:pRg st="1" end="1"/>
-                                            </p:txEl>
-                                          </p:spTgt>
-                                        </p:tgtEl>
-                                        <p:attrNameLst>
-                                          <p:attrName>style.visibility</p:attrName>
-                                        </p:attrNameLst>
-                                      </p:cBhvr>
-                                      <p:to>
-                                        <p:strVal val="visible"/>
-                                      </p:to>
-                                    </p:set>
-                                  </p:childTnLst>
-                                </p:cTn>
-                              </p:par>
-                            </p:childTnLst>
-                          </p:cTn>
-                        </p:par>
-                      </p:childTnLst>
-                    </p:cTn>
-                  </p:par>
-                  <p:par>
-                    <p:cTn id="11" fill="hold">
-                      <p:stCondLst>
-                        <p:cond delay="indefinite"/>
-                      </p:stCondLst>
-                      <p:childTnLst>
-                        <p:par>
-                          <p:cTn id="12" fill="hold">
-                            <p:stCondLst>
-                              <p:cond delay="0"/>
-                            </p:stCondLst>
-                            <p:childTnLst>
-                              <p:par>
-                                <p:cTn id="13" presetID="1" presetClass="entr" presetSubtype="0" fill="hold" nodeType="clickEffect">
-                                  <p:stCondLst>
-                                    <p:cond delay="0"/>
-                                  </p:stCondLst>
-                                  <p:childTnLst>
-                                    <p:set>
-                                      <p:cBhvr>
-                                        <p:cTn id="14" dur="1" fill="hold">
-                                          <p:stCondLst>
-                                            <p:cond delay="0"/>
-                                          </p:stCondLst>
-                                        </p:cTn>
-                                        <p:tgtEl>
-                                          <p:spTgt spid="4">
-                                            <p:txEl>
-                                              <p:pRg st="2" end="2"/>
-                                            </p:txEl>
-                                          </p:spTgt>
-                                        </p:tgtEl>
-                                        <p:attrNameLst>
-                                          <p:attrName>style.visibility</p:attrName>
-                                        </p:attrNameLst>
-                                      </p:cBhvr>
-                                      <p:to>
-                                        <p:strVal val="visible"/>
-                                      </p:to>
-                                    </p:set>
-                                  </p:childTnLst>
-                                </p:cTn>
-                              </p:par>
-                            </p:childTnLst>
-                          </p:cTn>
-                        </p:par>
-                      </p:childTnLst>
-                    </p:cTn>
-                  </p:par>
-                  <p:par>
-                    <p:cTn id="15" fill="hold">
-                      <p:stCondLst>
-                        <p:cond delay="indefinite"/>
-                      </p:stCondLst>
-                      <p:childTnLst>
-                        <p:par>
-                          <p:cTn id="16" fill="hold">
-                            <p:stCondLst>
-                              <p:cond delay="0"/>
-                            </p:stCondLst>
-                            <p:childTnLst>
-                              <p:par>
-                                <p:cTn id="17" presetID="1" presetClass="entr" presetSubtype="0" fill="hold" nodeType="clickEffect">
-                                  <p:stCondLst>
-                                    <p:cond delay="0"/>
-                                  </p:stCondLst>
-                                  <p:childTnLst>
-                                    <p:set>
-                                      <p:cBhvr>
-                                        <p:cTn id="18" dur="1" fill="hold">
-                                          <p:stCondLst>
-                                            <p:cond delay="0"/>
-                                          </p:stCondLst>
-                                        </p:cTn>
-                                        <p:tgtEl>
-                                          <p:spTgt spid="4">
-                                            <p:txEl>
-                                              <p:pRg st="3" end="3"/>
-                                            </p:txEl>
-                                          </p:spTgt>
-                                        </p:tgtEl>
-                                        <p:attrNameLst>
-                                          <p:attrName>style.visibility</p:attrName>
-                                        </p:attrNameLst>
-                                      </p:cBhvr>
-                                      <p:to>
-                                        <p:strVal val="visible"/>
-                                      </p:to>
-                                    </p:set>
-                                  </p:childTnLst>
-                                </p:cTn>
-                              </p:par>
-                            </p:childTnLst>
-                          </p:cTn>
-                        </p:par>
-                      </p:childTnLst>
-                    </p:cTn>
-                  </p:par>
-                  <p:par>
-                    <p:cTn id="19" fill="hold">
-                      <p:stCondLst>
-                        <p:cond delay="indefinite"/>
-                      </p:stCondLst>
-                      <p:childTnLst>
-                        <p:par>
-                          <p:cTn id="20" fill="hold">
-                            <p:stCondLst>
-                              <p:cond delay="0"/>
-                            </p:stCondLst>
-                            <p:childTnLst>
-                              <p:par>
-                                <p:cTn id="21" presetID="1" presetClass="entr" presetSubtype="0" fill="hold" nodeType="clickEffect">
-                                  <p:stCondLst>
-                                    <p:cond delay="0"/>
-                                  </p:stCondLst>
-                                  <p:childTnLst>
-                                    <p:set>
-                                      <p:cBhvr>
-                                        <p:cTn id="22" dur="1" fill="hold">
-                                          <p:stCondLst>
-                                            <p:cond delay="0"/>
-                                          </p:stCondLst>
-                                        </p:cTn>
-                                        <p:tgtEl>
-                                          <p:spTgt spid="4">
-                                            <p:txEl>
-                                              <p:pRg st="4" end="4"/>
-                                            </p:txEl>
-                                          </p:spTgt>
-                                        </p:tgtEl>
-                                        <p:attrNameLst>
-                                          <p:attrName>style.visibility</p:attrName>
-                                        </p:attrNameLst>
-                                      </p:cBhvr>
-                                      <p:to>
-                                        <p:strVal val="visible"/>
-                                      </p:to>
-                                    </p:set>
-                                  </p:childTnLst>
-                                </p:cTn>
-                              </p:par>
-                            </p:childTnLst>
-                          </p:cTn>
-                        </p:par>
-                      </p:childTnLst>
-                    </p:cTn>
-                  </p:par>
-                  <p:par>
-                    <p:cTn id="23" fill="hold">
-                      <p:stCondLst>
-                        <p:cond delay="indefinite"/>
-                      </p:stCondLst>
-                      <p:childTnLst>
-                        <p:par>
-                          <p:cTn id="24" fill="hold">
-                            <p:stCondLst>
-                              <p:cond delay="0"/>
-                            </p:stCondLst>
-                            <p:childTnLst>
-                              <p:par>
-                                <p:cTn id="25" presetID="1" presetClass="entr" presetSubtype="0" fill="hold" nodeType="clickEffect">
-                                  <p:stCondLst>
-                                    <p:cond delay="0"/>
-                                  </p:stCondLst>
-                                  <p:childTnLst>
-                                    <p:set>
-                                      <p:cBhvr>
-                                        <p:cTn id="26" dur="1" fill="hold">
-                                          <p:stCondLst>
-                                            <p:cond delay="0"/>
-                                          </p:stCondLst>
-                                        </p:cTn>
-                                        <p:tgtEl>
-                                          <p:spTgt spid="4">
-                                            <p:txEl>
-                                              <p:pRg st="5" end="5"/>
-                                            </p:txEl>
-                                          </p:spTgt>
-                                        </p:tgtEl>
-                                        <p:attrNameLst>
-                                          <p:attrName>style.visibility</p:attrName>
-                                        </p:attrNameLst>
-                                      </p:cBhvr>
-                                      <p:to>
-                                        <p:strVal val="visible"/>
-                                      </p:to>
-                                    </p:set>
-                                  </p:childTnLst>
-                                </p:cTn>
-                              </p:par>
-                            </p:childTnLst>
-                          </p:cTn>
-                        </p:par>
-                      </p:childTnLst>
-                    </p:cTn>
-                  </p:par>
-                  <p:par>
-                    <p:cTn id="27" fill="hold">
-                      <p:stCondLst>
-                        <p:cond delay="indefinite"/>
-                      </p:stCondLst>
-                      <p:childTnLst>
-                        <p:par>
-                          <p:cTn id="28" fill="hold">
-                            <p:stCondLst>
-                              <p:cond delay="0"/>
-                            </p:stCondLst>
-                            <p:childTnLst>
-                              <p:par>
-                                <p:cTn id="29" presetID="1" presetClass="entr" presetSubtype="0" fill="hold" nodeType="clickEffect">
-                                  <p:stCondLst>
-                                    <p:cond delay="0"/>
-                                  </p:stCondLst>
-                                  <p:childTnLst>
-                                    <p:set>
-                                      <p:cBhvr>
-                                        <p:cTn id="30" dur="1" fill="hold">
-                                          <p:stCondLst>
-                                            <p:cond delay="0"/>
-                                          </p:stCondLst>
-                                        </p:cTn>
-                                        <p:tgtEl>
-                                          <p:spTgt spid="4">
-                                            <p:txEl>
-                                              <p:pRg st="6" end="6"/>
-                                            </p:txEl>
-                                          </p:spTgt>
-                                        </p:tgtEl>
-                                        <p:attrNameLst>
-                                          <p:attrName>style.visibility</p:attrName>
-                                        </p:attrNameLst>
-                                      </p:cBhvr>
-                                      <p:to>
-                                        <p:strVal val="visible"/>
-                                      </p:to>
-                                    </p:set>
-                                  </p:childTnLst>
-                                </p:cTn>
-                              </p:par>
-                            </p:childTnLst>
-                          </p:cTn>
-                        </p:par>
-                      </p:childTnLst>
-                    </p:cTn>
-                  </p:par>
-                </p:childTnLst>
-              </p:cTn>
-              <p:prevCondLst>
-                <p:cond evt="onPrev" delay="0">
-                  <p:tgtEl>
-                    <p:sldTgt/>
-                  </p:tgtEl>
-                </p:cond>
-              </p:prevCondLst>
-              <p:nextCondLst>
-                <p:cond evt="onNext" delay="0">
-                  <p:tgtEl>
-                    <p:sldTgt/>
-                  </p:tgtEl>
-                </p:cond>
-              </p:nextCondLst>
-            </p:seq>
-          </p:childTnLst>
-        </p:cTn>
-      </p:par>
-    </p:tnLst>
-  </p:timing>
 </p:sld>
 </file>
 
@@ -8338,414 +5391,6 @@
             <p:ph type="title"/>
           </p:nvPr>
         </p:nvSpPr>
-        <p:spPr>
-          <a:xfrm>
-            <a:off x="1055440" y="2996952"/>
-            <a:ext cx="10363200" cy="720080"/>
-          </a:xfrm>
-        </p:spPr>
-        <p:txBody>
-          <a:bodyPr/>
-          <a:lstStyle/>
-          <a:p>
-            <a:r>
-              <a:rPr lang="ru-RU" dirty="0" smtClean="0"/>
-              <a:t>Основы программирования на </a:t>
-            </a:r>
-            <a:r>
-              <a:rPr lang="en-US" dirty="0" smtClean="0"/>
-              <a:t>python</a:t>
-            </a:r>
-            <a:endParaRPr lang="ru-RU" dirty="0"/>
-          </a:p>
-        </p:txBody>
-      </p:sp>
-    </p:spTree>
-    <p:extLst>
-      <p:ext uri="{BB962C8B-B14F-4D97-AF65-F5344CB8AC3E}">
-        <p14:creationId xmlns:p14="http://schemas.microsoft.com/office/powerpoint/2010/main" val="3961866899"/>
-      </p:ext>
-    </p:extLst>
-  </p:cSld>
-  <p:clrMapOvr>
-    <a:masterClrMapping/>
-  </p:clrMapOvr>
-</p:sld>
-</file>
-
-<file path=ppt/slides/slide21.xml><?xml version="1.0" encoding="utf-8"?>
-<p:sld xmlns:a="http://schemas.openxmlformats.org/drawingml/2006/main" xmlns:r="http://schemas.openxmlformats.org/officeDocument/2006/relationships" xmlns:p="http://schemas.openxmlformats.org/presentationml/2006/main">
-  <p:cSld>
-    <p:spTree>
-      <p:nvGrpSpPr>
-        <p:cNvPr id="1" name=""/>
-        <p:cNvGrpSpPr/>
-        <p:nvPr/>
-      </p:nvGrpSpPr>
-      <p:grpSpPr>
-        <a:xfrm>
-          <a:off x="0" y="0"/>
-          <a:ext cx="0" cy="0"/>
-          <a:chOff x="0" y="0"/>
-          <a:chExt cx="0" cy="0"/>
-        </a:xfrm>
-      </p:grpSpPr>
-      <p:sp>
-        <p:nvSpPr>
-          <p:cNvPr id="2" name="Title 1"/>
-          <p:cNvSpPr>
-            <a:spLocks noGrp="1"/>
-          </p:cNvSpPr>
-          <p:nvPr>
-            <p:ph type="title"/>
-          </p:nvPr>
-        </p:nvSpPr>
-        <p:spPr>
-          <a:xfrm>
-            <a:off x="983432" y="1412776"/>
-            <a:ext cx="10363200" cy="1362075"/>
-          </a:xfrm>
-        </p:spPr>
-        <p:txBody>
-          <a:bodyPr/>
-          <a:lstStyle/>
-          <a:p>
-            <a:r>
-              <a:rPr lang="ru-RU" dirty="0"/>
-              <a:t>Создание чат-бота в </a:t>
-            </a:r>
-            <a:r>
-              <a:rPr lang="ru-RU" dirty="0" err="1"/>
-              <a:t>Telegram</a:t>
-            </a:r>
-            <a:r>
-              <a:rPr lang="ru-RU" dirty="0"/>
-              <a:t> на </a:t>
-            </a:r>
-            <a:r>
-              <a:rPr lang="ru-RU" dirty="0" err="1" smtClean="0"/>
-              <a:t>Python</a:t>
-            </a:r>
-            <a:endParaRPr lang="ru-RU" dirty="0"/>
-          </a:p>
-        </p:txBody>
-      </p:sp>
-      <p:pic>
-        <p:nvPicPr>
-          <p:cNvPr id="5" name="Picture 4"/>
-          <p:cNvPicPr>
-            <a:picLocks noChangeAspect="1"/>
-          </p:cNvPicPr>
-          <p:nvPr/>
-        </p:nvPicPr>
-        <p:blipFill>
-          <a:blip r:embed="rId2"/>
-          <a:stretch>
-            <a:fillRect/>
-          </a:stretch>
-        </p:blipFill>
-        <p:spPr>
-          <a:xfrm>
-            <a:off x="2927648" y="2348880"/>
-            <a:ext cx="6096000" cy="4000500"/>
-          </a:xfrm>
-          <a:prstGeom prst="rect">
-            <a:avLst/>
-          </a:prstGeom>
-        </p:spPr>
-      </p:pic>
-    </p:spTree>
-    <p:extLst>
-      <p:ext uri="{BB962C8B-B14F-4D97-AF65-F5344CB8AC3E}">
-        <p14:creationId xmlns:p14="http://schemas.microsoft.com/office/powerpoint/2010/main" val="2380597849"/>
-      </p:ext>
-    </p:extLst>
-  </p:cSld>
-  <p:clrMapOvr>
-    <a:masterClrMapping/>
-  </p:clrMapOvr>
-</p:sld>
-</file>
-
-<file path=ppt/slides/slide22.xml><?xml version="1.0" encoding="utf-8"?>
-<p:sld xmlns:a="http://schemas.openxmlformats.org/drawingml/2006/main" xmlns:r="http://schemas.openxmlformats.org/officeDocument/2006/relationships" xmlns:p="http://schemas.openxmlformats.org/presentationml/2006/main">
-  <p:cSld>
-    <p:spTree>
-      <p:nvGrpSpPr>
-        <p:cNvPr id="1" name=""/>
-        <p:cNvGrpSpPr/>
-        <p:nvPr/>
-      </p:nvGrpSpPr>
-      <p:grpSpPr>
-        <a:xfrm>
-          <a:off x="0" y="0"/>
-          <a:ext cx="0" cy="0"/>
-          <a:chOff x="0" y="0"/>
-          <a:chExt cx="0" cy="0"/>
-        </a:xfrm>
-      </p:grpSpPr>
-      <p:sp>
-        <p:nvSpPr>
-          <p:cNvPr id="4" name="Title 3"/>
-          <p:cNvSpPr>
-            <a:spLocks noGrp="1"/>
-          </p:cNvSpPr>
-          <p:nvPr>
-            <p:ph type="title"/>
-          </p:nvPr>
-        </p:nvSpPr>
-        <p:spPr/>
-        <p:txBody>
-          <a:bodyPr/>
-          <a:lstStyle/>
-          <a:p>
-            <a:r>
-              <a:rPr lang="en-US" dirty="0" smtClean="0"/>
-              <a:t>/algorithm</a:t>
-            </a:r>
-            <a:endParaRPr lang="ru-RU" dirty="0"/>
-          </a:p>
-        </p:txBody>
-      </p:sp>
-      <p:sp>
-        <p:nvSpPr>
-          <p:cNvPr id="5" name="Rectangle 4"/>
-          <p:cNvSpPr/>
-          <p:nvPr/>
-        </p:nvSpPr>
-        <p:spPr>
-          <a:xfrm>
-            <a:off x="1055440" y="2564904"/>
-            <a:ext cx="9721080" cy="2677656"/>
-          </a:xfrm>
-          <a:prstGeom prst="rect">
-            <a:avLst/>
-          </a:prstGeom>
-        </p:spPr>
-        <p:txBody>
-          <a:bodyPr wrap="square">
-            <a:spAutoFit/>
-          </a:bodyPr>
-          <a:lstStyle/>
-          <a:p>
-            <a:pPr marL="457200" indent="-457200">
-              <a:buAutoNum type="arabicPeriod"/>
-            </a:pPr>
-            <a:r>
-              <a:rPr lang="ru-RU" sz="2400" dirty="0" smtClean="0"/>
-              <a:t>Создаём </a:t>
-            </a:r>
-            <a:r>
-              <a:rPr lang="ru-RU" sz="2400" dirty="0"/>
-              <a:t>бота в </a:t>
-            </a:r>
-            <a:r>
-              <a:rPr lang="ru-RU" sz="2400" dirty="0" err="1" smtClean="0"/>
-              <a:t>Telegram</a:t>
-            </a:r>
-            <a:r>
-              <a:rPr lang="en-US" sz="2400" dirty="0"/>
-              <a:t> (@</a:t>
-            </a:r>
-            <a:r>
-              <a:rPr lang="en-US" sz="2400" dirty="0" err="1" smtClean="0"/>
-              <a:t>BotFather</a:t>
-            </a:r>
-            <a:r>
-              <a:rPr lang="en-US" sz="2400" dirty="0" smtClean="0"/>
-              <a:t>)</a:t>
-            </a:r>
-          </a:p>
-          <a:p>
-            <a:pPr marL="457200" indent="-457200">
-              <a:buAutoNum type="arabicPeriod"/>
-            </a:pPr>
-            <a:r>
-              <a:rPr lang="ru-RU" sz="2400" dirty="0" smtClean="0"/>
-              <a:t>Создаем скрипт </a:t>
-            </a:r>
-            <a:r>
-              <a:rPr lang="en-US" sz="2400" dirty="0" smtClean="0"/>
-              <a:t>bot.py</a:t>
-            </a:r>
-          </a:p>
-          <a:p>
-            <a:pPr marL="457200" indent="-457200">
-              <a:buAutoNum type="arabicPeriod"/>
-            </a:pPr>
-            <a:r>
-              <a:rPr lang="ru-RU" sz="2400" dirty="0" smtClean="0"/>
-              <a:t>Добавляем батарейки (</a:t>
-            </a:r>
-            <a:r>
-              <a:rPr lang="en-US" sz="2400" dirty="0" err="1"/>
-              <a:t>pyTelegramBotAPI</a:t>
-            </a:r>
-            <a:r>
-              <a:rPr lang="ru-RU" sz="2400" dirty="0" smtClean="0"/>
-              <a:t>)</a:t>
-            </a:r>
-          </a:p>
-          <a:p>
-            <a:pPr marL="457200" indent="-457200">
-              <a:buAutoNum type="arabicPeriod"/>
-            </a:pPr>
-            <a:r>
-              <a:rPr lang="ru-RU" sz="2400" dirty="0" smtClean="0"/>
-              <a:t>Реализуем логику</a:t>
-            </a:r>
-          </a:p>
-          <a:p>
-            <a:pPr marL="457200" indent="-457200">
-              <a:buAutoNum type="arabicPeriod"/>
-            </a:pPr>
-            <a:r>
-              <a:rPr lang="ru-RU" sz="2400" dirty="0" smtClean="0"/>
-              <a:t>Тестируем</a:t>
-            </a:r>
-            <a:endParaRPr lang="en-US" sz="2400" dirty="0" smtClean="0"/>
-          </a:p>
-          <a:p>
-            <a:pPr marL="457200" indent="-457200">
-              <a:buAutoNum type="arabicPeriod"/>
-            </a:pPr>
-            <a:endParaRPr lang="ru-RU" sz="2400" dirty="0" smtClean="0"/>
-          </a:p>
-          <a:p>
-            <a:pPr marL="457200" indent="-457200">
-              <a:buAutoNum type="arabicPeriod"/>
-            </a:pPr>
-            <a:endParaRPr lang="ru-RU" sz="2400" dirty="0"/>
-          </a:p>
-        </p:txBody>
-      </p:sp>
-    </p:spTree>
-    <p:extLst>
-      <p:ext uri="{BB962C8B-B14F-4D97-AF65-F5344CB8AC3E}">
-        <p14:creationId xmlns:p14="http://schemas.microsoft.com/office/powerpoint/2010/main" val="815414137"/>
-      </p:ext>
-    </p:extLst>
-  </p:cSld>
-  <p:clrMapOvr>
-    <a:masterClrMapping/>
-  </p:clrMapOvr>
-</p:sld>
-</file>
-
-<file path=ppt/slides/slide23.xml><?xml version="1.0" encoding="utf-8"?>
-<p:sld xmlns:a="http://schemas.openxmlformats.org/drawingml/2006/main" xmlns:r="http://schemas.openxmlformats.org/officeDocument/2006/relationships" xmlns:p="http://schemas.openxmlformats.org/presentationml/2006/main">
-  <p:cSld>
-    <p:spTree>
-      <p:nvGrpSpPr>
-        <p:cNvPr id="1" name=""/>
-        <p:cNvGrpSpPr/>
-        <p:nvPr/>
-      </p:nvGrpSpPr>
-      <p:grpSpPr>
-        <a:xfrm>
-          <a:off x="0" y="0"/>
-          <a:ext cx="0" cy="0"/>
-          <a:chOff x="0" y="0"/>
-          <a:chExt cx="0" cy="0"/>
-        </a:xfrm>
-      </p:grpSpPr>
-      <p:sp>
-        <p:nvSpPr>
-          <p:cNvPr id="2" name="Title 1"/>
-          <p:cNvSpPr>
-            <a:spLocks noGrp="1"/>
-          </p:cNvSpPr>
-          <p:nvPr>
-            <p:ph type="title"/>
-          </p:nvPr>
-        </p:nvSpPr>
-        <p:spPr/>
-        <p:txBody>
-          <a:bodyPr/>
-          <a:lstStyle/>
-          <a:p>
-            <a:r>
-              <a:rPr lang="en-US" dirty="0"/>
-              <a:t>@</a:t>
-            </a:r>
-            <a:r>
-              <a:rPr lang="en-US" dirty="0" err="1"/>
-              <a:t>BotFather</a:t>
-            </a:r>
-            <a:endParaRPr lang="ru-RU" dirty="0"/>
-          </a:p>
-        </p:txBody>
-      </p:sp>
-      <p:pic>
-        <p:nvPicPr>
-          <p:cNvPr id="3" name="Picture 2" descr="Screen Clipping"/>
-          <p:cNvPicPr>
-            <a:picLocks noChangeAspect="1"/>
-          </p:cNvPicPr>
-          <p:nvPr/>
-        </p:nvPicPr>
-        <p:blipFill>
-          <a:blip r:embed="rId2">
-            <a:extLst>
-              <a:ext uri="{28A0092B-C50C-407E-A947-70E740481C1C}">
-                <a14:useLocalDpi xmlns:a14="http://schemas.microsoft.com/office/drawing/2010/main" val="0"/>
-              </a:ext>
-            </a:extLst>
-          </a:blip>
-          <a:stretch>
-            <a:fillRect/>
-          </a:stretch>
-        </p:blipFill>
-        <p:spPr>
-          <a:xfrm>
-            <a:off x="2063552" y="1268760"/>
-            <a:ext cx="7848872" cy="5174884"/>
-          </a:xfrm>
-          <a:prstGeom prst="rect">
-            <a:avLst/>
-          </a:prstGeom>
-        </p:spPr>
-      </p:pic>
-    </p:spTree>
-    <p:extLst>
-      <p:ext uri="{BB962C8B-B14F-4D97-AF65-F5344CB8AC3E}">
-        <p14:creationId xmlns:p14="http://schemas.microsoft.com/office/powerpoint/2010/main" val="2144486151"/>
-      </p:ext>
-    </p:extLst>
-  </p:cSld>
-  <p:clrMapOvr>
-    <a:masterClrMapping/>
-  </p:clrMapOvr>
-</p:sld>
-</file>
-
-<file path=ppt/slides/slide24.xml><?xml version="1.0" encoding="utf-8"?>
-<p:sld xmlns:a="http://schemas.openxmlformats.org/drawingml/2006/main" xmlns:r="http://schemas.openxmlformats.org/officeDocument/2006/relationships" xmlns:p="http://schemas.openxmlformats.org/presentationml/2006/main">
-  <p:cSld>
-    <p:spTree>
-      <p:nvGrpSpPr>
-        <p:cNvPr id="1" name=""/>
-        <p:cNvGrpSpPr/>
-        <p:nvPr/>
-      </p:nvGrpSpPr>
-      <p:grpSpPr>
-        <a:xfrm>
-          <a:off x="0" y="0"/>
-          <a:ext cx="0" cy="0"/>
-          <a:chOff x="0" y="0"/>
-          <a:chExt cx="0" cy="0"/>
-        </a:xfrm>
-      </p:grpSpPr>
-      <p:sp>
-        <p:nvSpPr>
-          <p:cNvPr id="2" name="Title 1"/>
-          <p:cNvSpPr>
-            <a:spLocks noGrp="1"/>
-          </p:cNvSpPr>
-          <p:nvPr>
-            <p:ph type="title"/>
-          </p:nvPr>
-        </p:nvSpPr>
         <p:spPr/>
         <p:txBody>
           <a:bodyPr/>
@@ -8773,8 +5418,8 @@
         </p:nvSpPr>
         <p:spPr bwMode="auto">
           <a:xfrm>
-            <a:off x="839416" y="1927284"/>
-            <a:ext cx="10009112" cy="4401205"/>
+            <a:off x="839416" y="1249016"/>
+            <a:ext cx="10009112" cy="5016758"/>
           </a:xfrm>
           <a:prstGeom prst="rect">
             <a:avLst/>
@@ -9717,18 +6362,72 @@
               <a:t>    </a:t>
             </a:r>
             <a:r>
+              <a:rPr lang="ru-RU" altLang="ru-RU" sz="2000" dirty="0" err="1">
+                <a:solidFill>
+                  <a:srgbClr val="000000"/>
+                </a:solidFill>
+                <a:latin typeface="Courier New" panose="02070309020205020404" pitchFamily="49" charset="0"/>
+                <a:cs typeface="Courier New" panose="02070309020205020404" pitchFamily="49" charset="0"/>
+              </a:rPr>
+              <a:t>bot.send_message</a:t>
+            </a:r>
+            <a:r>
+              <a:rPr lang="ru-RU" altLang="ru-RU" sz="2000" dirty="0">
+                <a:solidFill>
+                  <a:srgbClr val="000000"/>
+                </a:solidFill>
+                <a:latin typeface="Courier New" panose="02070309020205020404" pitchFamily="49" charset="0"/>
+                <a:cs typeface="Courier New" panose="02070309020205020404" pitchFamily="49" charset="0"/>
+              </a:rPr>
+              <a:t>(</a:t>
+            </a:r>
+            <a:r>
+              <a:rPr lang="ru-RU" altLang="ru-RU" sz="2000" dirty="0" err="1">
+                <a:solidFill>
+                  <a:srgbClr val="000000"/>
+                </a:solidFill>
+                <a:latin typeface="Courier New" panose="02070309020205020404" pitchFamily="49" charset="0"/>
+                <a:cs typeface="Courier New" panose="02070309020205020404" pitchFamily="49" charset="0"/>
+              </a:rPr>
+              <a:t>chat_id</a:t>
+            </a:r>
+            <a:r>
+              <a:rPr lang="ru-RU" altLang="ru-RU" sz="2000" dirty="0">
+                <a:solidFill>
+                  <a:srgbClr val="000000"/>
+                </a:solidFill>
+                <a:latin typeface="Courier New" panose="02070309020205020404" pitchFamily="49" charset="0"/>
+                <a:cs typeface="Courier New" panose="02070309020205020404" pitchFamily="49" charset="0"/>
+              </a:rPr>
+              <a:t>=msg.chat.id</a:t>
+            </a:r>
+            <a:r>
+              <a:rPr kumimoji="0" lang="ru-RU" altLang="ru-RU" sz="2000" b="0" i="0" u="none" strike="noStrike" cap="none" normalizeH="0" baseline="0" dirty="0" smtClean="0">
+                <a:ln>
+                  <a:noFill/>
+                </a:ln>
+                <a:solidFill>
+                  <a:srgbClr val="000000"/>
+                </a:solidFill>
+                <a:effectLst/>
+                <a:latin typeface="Courier New" panose="02070309020205020404" pitchFamily="49" charset="0"/>
+                <a:cs typeface="Courier New" panose="02070309020205020404" pitchFamily="49" charset="0"/>
+              </a:rPr>
+              <a:t>, </a:t>
+            </a:r>
+            <a:r>
               <a:rPr kumimoji="0" lang="ru-RU" altLang="ru-RU" sz="2000" b="0" i="0" u="none" strike="noStrike" cap="none" normalizeH="0" baseline="0" dirty="0" err="1" smtClean="0">
                 <a:ln>
                   <a:noFill/>
                 </a:ln>
                 <a:solidFill>
-                  <a:srgbClr val="000000"/>
+                  <a:srgbClr val="660099"/>
                 </a:solidFill>
                 <a:effectLst/>
                 <a:latin typeface="Courier New" panose="02070309020205020404" pitchFamily="49" charset="0"/>
                 <a:cs typeface="Courier New" panose="02070309020205020404" pitchFamily="49" charset="0"/>
               </a:rPr>
-              <a:t>bot.send_message</a:t>
+              <a:t>text</a:t>
             </a:r>
             <a:r>
               <a:rPr kumimoji="0" lang="ru-RU" altLang="ru-RU" sz="2000" b="0" i="0" u="none" strike="noStrike" cap="none" normalizeH="0" baseline="0" dirty="0" smtClean="0">
@@ -9742,7 +6441,7 @@
                 <a:latin typeface="Courier New" panose="02070309020205020404" pitchFamily="49" charset="0"/>
                 <a:cs typeface="Courier New" panose="02070309020205020404" pitchFamily="49" charset="0"/>
               </a:rPr>
-              <a:t>(</a:t>
+              <a:t>=</a:t>
             </a:r>
             <a:r>
               <a:rPr kumimoji="0" lang="ru-RU" altLang="ru-RU" sz="2000" b="0" i="0" u="none" strike="noStrike" cap="none" normalizeH="0" baseline="0" dirty="0" err="1" smtClean="0">
@@ -9750,13 +6449,13 @@
                   <a:noFill/>
                 </a:ln>
                 <a:solidFill>
-                  <a:srgbClr val="660099"/>
+                  <a:srgbClr val="000000"/>
                 </a:solidFill>
                 <a:effectLst/>
                 <a:latin typeface="Courier New" panose="02070309020205020404" pitchFamily="49" charset="0"/>
                 <a:cs typeface="Courier New" panose="02070309020205020404" pitchFamily="49" charset="0"/>
               </a:rPr>
-              <a:t>chat_id</a:t>
+              <a:t>msg.text</a:t>
             </a:r>
             <a:r>
               <a:rPr kumimoji="0" lang="ru-RU" altLang="ru-RU" sz="2000" b="0" i="0" u="none" strike="noStrike" cap="none" normalizeH="0" baseline="0" dirty="0" smtClean="0">
@@ -9770,73 +6469,97 @@
                 <a:latin typeface="Courier New" panose="02070309020205020404" pitchFamily="49" charset="0"/>
                 <a:cs typeface="Courier New" panose="02070309020205020404" pitchFamily="49" charset="0"/>
               </a:rPr>
-              <a:t>=msg.chat.id, </a:t>
-            </a:r>
-            <a:r>
-              <a:rPr kumimoji="0" lang="ru-RU" altLang="ru-RU" sz="2000" b="0" i="0" u="none" strike="noStrike" cap="none" normalizeH="0" baseline="0" dirty="0" err="1" smtClean="0">
-                <a:ln>
-                  <a:noFill/>
-                </a:ln>
-                <a:solidFill>
-                  <a:srgbClr val="660099"/>
-                </a:solidFill>
-                <a:effectLst/>
+              <a:t>)</a:t>
+            </a:r>
+          </a:p>
+          <a:p>
+            <a:pPr marL="0" marR="0" lvl="0" indent="0" algn="l" defTabSz="914400" rtl="0" eaLnBrk="0" fontAlgn="base" latinLnBrk="0" hangingPunct="0">
+              <a:lnSpc>
+                <a:spcPct val="100000"/>
+              </a:lnSpc>
+              <a:spcBef>
+                <a:spcPct val="0"/>
+              </a:spcBef>
+              <a:spcAft>
+                <a:spcPct val="0"/>
+              </a:spcAft>
+              <a:buClrTx/>
+              <a:buSzTx/>
+              <a:buFontTx/>
+              <a:buNone/>
+              <a:tabLst/>
+            </a:pPr>
+            <a:endParaRPr lang="en-US" altLang="ru-RU" sz="2000" dirty="0" smtClean="0">
+              <a:solidFill>
+                <a:srgbClr val="000000"/>
+              </a:solidFill>
+              <a:latin typeface="Courier New" panose="02070309020205020404" pitchFamily="49" charset="0"/>
+              <a:cs typeface="Courier New" panose="02070309020205020404" pitchFamily="49" charset="0"/>
+            </a:endParaRPr>
+          </a:p>
+          <a:p>
+            <a:pPr marL="0" marR="0" lvl="0" indent="0" algn="l" defTabSz="914400" rtl="0" eaLnBrk="0" fontAlgn="base" latinLnBrk="0" hangingPunct="0">
+              <a:lnSpc>
+                <a:spcPct val="100000"/>
+              </a:lnSpc>
+              <a:spcBef>
+                <a:spcPct val="0"/>
+              </a:spcBef>
+              <a:spcAft>
+                <a:spcPct val="0"/>
+              </a:spcAft>
+              <a:buClrTx/>
+              <a:buSzTx/>
+              <a:buFontTx/>
+              <a:buNone/>
+              <a:tabLst/>
+            </a:pPr>
+            <a:r>
+              <a:rPr lang="en-US" altLang="ru-RU" sz="2000" dirty="0" err="1" smtClean="0">
+                <a:solidFill>
+                  <a:srgbClr val="000000"/>
+                </a:solidFill>
                 <a:latin typeface="Courier New" panose="02070309020205020404" pitchFamily="49" charset="0"/>
                 <a:cs typeface="Courier New" panose="02070309020205020404" pitchFamily="49" charset="0"/>
               </a:rPr>
-              <a:t>text</a:t>
-            </a:r>
-            <a:r>
-              <a:rPr kumimoji="0" lang="ru-RU" altLang="ru-RU" sz="2000" b="0" i="0" u="none" strike="noStrike" cap="none" normalizeH="0" baseline="0" dirty="0" smtClean="0">
-                <a:ln>
-                  <a:noFill/>
-                </a:ln>
+              <a:t>bot.polling</a:t>
+            </a:r>
+            <a:r>
+              <a:rPr lang="en-US" altLang="ru-RU" sz="2000" dirty="0" smtClean="0">
                 <a:solidFill>
                   <a:srgbClr val="000000"/>
                 </a:solidFill>
-                <a:effectLst/>
                 <a:latin typeface="Courier New" panose="02070309020205020404" pitchFamily="49" charset="0"/>
                 <a:cs typeface="Courier New" panose="02070309020205020404" pitchFamily="49" charset="0"/>
               </a:rPr>
-              <a:t>=</a:t>
-            </a:r>
-            <a:r>
-              <a:rPr kumimoji="0" lang="ru-RU" altLang="ru-RU" sz="2000" b="0" i="0" u="none" strike="noStrike" cap="none" normalizeH="0" baseline="0" dirty="0" err="1" smtClean="0">
-                <a:ln>
-                  <a:noFill/>
-                </a:ln>
+              <a:t>(</a:t>
+            </a:r>
+            <a:r>
+              <a:rPr lang="en-US" altLang="ru-RU" sz="2000" dirty="0" err="1" smtClean="0">
                 <a:solidFill>
                   <a:srgbClr val="000000"/>
                 </a:solidFill>
-                <a:effectLst/>
                 <a:latin typeface="Courier New" panose="02070309020205020404" pitchFamily="49" charset="0"/>
                 <a:cs typeface="Courier New" panose="02070309020205020404" pitchFamily="49" charset="0"/>
               </a:rPr>
-              <a:t>msg.text</a:t>
-            </a:r>
-            <a:r>
-              <a:rPr kumimoji="0" lang="ru-RU" altLang="ru-RU" sz="2000" b="0" i="0" u="none" strike="noStrike" cap="none" normalizeH="0" baseline="0" dirty="0" smtClean="0">
-                <a:ln>
-                  <a:noFill/>
-                </a:ln>
+              <a:t>none_stop</a:t>
+            </a:r>
+            <a:r>
+              <a:rPr lang="en-US" altLang="ru-RU" sz="2000" dirty="0" smtClean="0">
                 <a:solidFill>
                   <a:srgbClr val="000000"/>
                 </a:solidFill>
-                <a:effectLst/>
                 <a:latin typeface="Courier New" panose="02070309020205020404" pitchFamily="49" charset="0"/>
                 <a:cs typeface="Courier New" panose="02070309020205020404" pitchFamily="49" charset="0"/>
               </a:rPr>
-              <a:t>)</a:t>
-            </a:r>
-            <a:endParaRPr kumimoji="0" lang="ru-RU" altLang="ru-RU" sz="4400" b="0" i="0" u="none" strike="noStrike" cap="none" normalizeH="0" baseline="0" dirty="0" smtClean="0">
-              <a:ln>
-                <a:noFill/>
-              </a:ln>
+              <a:t>=True)</a:t>
+            </a:r>
+            <a:endParaRPr lang="ru-RU" altLang="ru-RU" sz="2000" dirty="0">
               <a:solidFill>
-                <a:schemeClr val="tx1"/>
+                <a:srgbClr val="000000"/>
               </a:solidFill>
-              <a:effectLst/>
-              <a:latin typeface="Arial" panose="020B0604020202020204" pitchFamily="34" charset="0"/>
+              <a:latin typeface="Courier New" panose="02070309020205020404" pitchFamily="49" charset="0"/>
+              <a:cs typeface="Courier New" panose="02070309020205020404" pitchFamily="49" charset="0"/>
             </a:endParaRPr>
           </a:p>
         </p:txBody>
@@ -9854,7 +6577,7 @@
 </p:sld>
 </file>
 
-<file path=ppt/slides/slide25.xml><?xml version="1.0" encoding="utf-8"?>
+<file path=ppt/slides/slide21.xml><?xml version="1.0" encoding="utf-8"?>
 <p:sld xmlns:a="http://schemas.openxmlformats.org/drawingml/2006/main" xmlns:r="http://schemas.openxmlformats.org/officeDocument/2006/relationships" xmlns:p="http://schemas.openxmlformats.org/presentationml/2006/main">
   <p:cSld>
     <p:spTree>
@@ -9942,7 +6665,7 @@
 </p:sld>
 </file>
 
-<file path=ppt/slides/slide26.xml><?xml version="1.0" encoding="utf-8"?>
+<file path=ppt/slides/slide22.xml><?xml version="1.0" encoding="utf-8"?>
 <p:sld xmlns:a="http://schemas.openxmlformats.org/drawingml/2006/main" xmlns:r="http://schemas.openxmlformats.org/officeDocument/2006/relationships" xmlns:p="http://schemas.openxmlformats.org/presentationml/2006/main">
   <p:cSld>
     <p:spTree>
@@ -11839,7 +8562,7 @@
   <a:extraClrSchemeLst/>
   <a:extLst>
     <a:ext uri="{05A4C25C-085E-4340-85A3-A5531E510DB2}">
-      <thm15:themeFamily xmlns:thm15="http://schemas.microsoft.com/office/thememl/2012/main" name="Office Theme" id="{62F939B6-93AF-4DB8-9C6B-D6C7DFDC589F}" vid="{4A3C46E8-61CC-4603-A589-7422A47A8E4A}"/>
+      <thm15:themeFamily xmlns="" xmlns:thm15="http://schemas.microsoft.com/office/thememl/2012/main" name="Office Theme" id="{62F939B6-93AF-4DB8-9C6B-D6C7DFDC589F}" vid="{4A3C46E8-61CC-4603-A589-7422A47A8E4A}"/>
     </a:ext>
   </a:extLst>
 </a:theme>
